--- a/document/UI기획서초안_ver1.1.pptx
+++ b/document/UI기획서초안_ver1.1.pptx
@@ -24,24 +24,26 @@
     <p:sldId id="289" r:id="rId18"/>
     <p:sldId id="286" r:id="rId19"/>
     <p:sldId id="290" r:id="rId20"/>
-    <p:sldId id="291" r:id="rId21"/>
-    <p:sldId id="260" r:id="rId22"/>
-    <p:sldId id="261" r:id="rId23"/>
-    <p:sldId id="262" r:id="rId24"/>
-    <p:sldId id="264" r:id="rId25"/>
-    <p:sldId id="263" r:id="rId26"/>
-    <p:sldId id="265" r:id="rId27"/>
-    <p:sldId id="266" r:id="rId28"/>
-    <p:sldId id="267" r:id="rId29"/>
-    <p:sldId id="268" r:id="rId30"/>
-    <p:sldId id="270" r:id="rId31"/>
-    <p:sldId id="271" r:id="rId32"/>
-    <p:sldId id="272" r:id="rId33"/>
-    <p:sldId id="273" r:id="rId34"/>
-    <p:sldId id="274" r:id="rId35"/>
-    <p:sldId id="275" r:id="rId36"/>
-    <p:sldId id="276" r:id="rId37"/>
-    <p:sldId id="277" r:id="rId38"/>
+    <p:sldId id="299" r:id="rId21"/>
+    <p:sldId id="298" r:id="rId22"/>
+    <p:sldId id="291" r:id="rId23"/>
+    <p:sldId id="260" r:id="rId24"/>
+    <p:sldId id="261" r:id="rId25"/>
+    <p:sldId id="262" r:id="rId26"/>
+    <p:sldId id="264" r:id="rId27"/>
+    <p:sldId id="263" r:id="rId28"/>
+    <p:sldId id="265" r:id="rId29"/>
+    <p:sldId id="266" r:id="rId30"/>
+    <p:sldId id="267" r:id="rId31"/>
+    <p:sldId id="268" r:id="rId32"/>
+    <p:sldId id="270" r:id="rId33"/>
+    <p:sldId id="271" r:id="rId34"/>
+    <p:sldId id="272" r:id="rId35"/>
+    <p:sldId id="273" r:id="rId36"/>
+    <p:sldId id="274" r:id="rId37"/>
+    <p:sldId id="275" r:id="rId38"/>
+    <p:sldId id="276" r:id="rId39"/>
+    <p:sldId id="277" r:id="rId40"/>
   </p:sldIdLst>
   <p:sldSz cx="12192000" cy="6858000"/>
   <p:notesSz cx="6858000" cy="9144000"/>
@@ -295,7 +297,7 @@
           <a:p>
             <a:fld id="{37CC3782-C8B8-4E0C-9F70-E672C96CE78F}" type="datetimeFigureOut">
               <a:rPr lang="ko-KR" altLang="en-US" smtClean="0"/>
-              <a:t>2022-12-15</a:t>
+              <a:t>2022-12-21</a:t>
             </a:fld>
             <a:endParaRPr lang="ko-KR" altLang="en-US"/>
           </a:p>
@@ -493,7 +495,7 @@
           <a:p>
             <a:fld id="{37CC3782-C8B8-4E0C-9F70-E672C96CE78F}" type="datetimeFigureOut">
               <a:rPr lang="ko-KR" altLang="en-US" smtClean="0"/>
-              <a:t>2022-12-15</a:t>
+              <a:t>2022-12-21</a:t>
             </a:fld>
             <a:endParaRPr lang="ko-KR" altLang="en-US"/>
           </a:p>
@@ -701,7 +703,7 @@
           <a:p>
             <a:fld id="{37CC3782-C8B8-4E0C-9F70-E672C96CE78F}" type="datetimeFigureOut">
               <a:rPr lang="ko-KR" altLang="en-US" smtClean="0"/>
-              <a:t>2022-12-15</a:t>
+              <a:t>2022-12-21</a:t>
             </a:fld>
             <a:endParaRPr lang="ko-KR" altLang="en-US"/>
           </a:p>
@@ -899,7 +901,7 @@
           <a:p>
             <a:fld id="{37CC3782-C8B8-4E0C-9F70-E672C96CE78F}" type="datetimeFigureOut">
               <a:rPr lang="ko-KR" altLang="en-US" smtClean="0"/>
-              <a:t>2022-12-15</a:t>
+              <a:t>2022-12-21</a:t>
             </a:fld>
             <a:endParaRPr lang="ko-KR" altLang="en-US"/>
           </a:p>
@@ -1174,7 +1176,7 @@
           <a:p>
             <a:fld id="{37CC3782-C8B8-4E0C-9F70-E672C96CE78F}" type="datetimeFigureOut">
               <a:rPr lang="ko-KR" altLang="en-US" smtClean="0"/>
-              <a:t>2022-12-15</a:t>
+              <a:t>2022-12-21</a:t>
             </a:fld>
             <a:endParaRPr lang="ko-KR" altLang="en-US"/>
           </a:p>
@@ -1439,7 +1441,7 @@
           <a:p>
             <a:fld id="{37CC3782-C8B8-4E0C-9F70-E672C96CE78F}" type="datetimeFigureOut">
               <a:rPr lang="ko-KR" altLang="en-US" smtClean="0"/>
-              <a:t>2022-12-15</a:t>
+              <a:t>2022-12-21</a:t>
             </a:fld>
             <a:endParaRPr lang="ko-KR" altLang="en-US"/>
           </a:p>
@@ -1851,7 +1853,7 @@
           <a:p>
             <a:fld id="{37CC3782-C8B8-4E0C-9F70-E672C96CE78F}" type="datetimeFigureOut">
               <a:rPr lang="ko-KR" altLang="en-US" smtClean="0"/>
-              <a:t>2022-12-15</a:t>
+              <a:t>2022-12-21</a:t>
             </a:fld>
             <a:endParaRPr lang="ko-KR" altLang="en-US"/>
           </a:p>
@@ -1992,7 +1994,7 @@
           <a:p>
             <a:fld id="{37CC3782-C8B8-4E0C-9F70-E672C96CE78F}" type="datetimeFigureOut">
               <a:rPr lang="ko-KR" altLang="en-US" smtClean="0"/>
-              <a:t>2022-12-15</a:t>
+              <a:t>2022-12-21</a:t>
             </a:fld>
             <a:endParaRPr lang="ko-KR" altLang="en-US"/>
           </a:p>
@@ -2105,7 +2107,7 @@
           <a:p>
             <a:fld id="{37CC3782-C8B8-4E0C-9F70-E672C96CE78F}" type="datetimeFigureOut">
               <a:rPr lang="ko-KR" altLang="en-US" smtClean="0"/>
-              <a:t>2022-12-15</a:t>
+              <a:t>2022-12-21</a:t>
             </a:fld>
             <a:endParaRPr lang="ko-KR" altLang="en-US"/>
           </a:p>
@@ -2416,7 +2418,7 @@
           <a:p>
             <a:fld id="{37CC3782-C8B8-4E0C-9F70-E672C96CE78F}" type="datetimeFigureOut">
               <a:rPr lang="ko-KR" altLang="en-US" smtClean="0"/>
-              <a:t>2022-12-15</a:t>
+              <a:t>2022-12-21</a:t>
             </a:fld>
             <a:endParaRPr lang="ko-KR" altLang="en-US"/>
           </a:p>
@@ -2704,7 +2706,7 @@
           <a:p>
             <a:fld id="{37CC3782-C8B8-4E0C-9F70-E672C96CE78F}" type="datetimeFigureOut">
               <a:rPr lang="ko-KR" altLang="en-US" smtClean="0"/>
-              <a:t>2022-12-15</a:t>
+              <a:t>2022-12-21</a:t>
             </a:fld>
             <a:endParaRPr lang="ko-KR" altLang="en-US"/>
           </a:p>
@@ -2945,7 +2947,7 @@
           <a:p>
             <a:fld id="{37CC3782-C8B8-4E0C-9F70-E672C96CE78F}" type="datetimeFigureOut">
               <a:rPr lang="ko-KR" altLang="en-US" smtClean="0"/>
-              <a:t>2022-12-15</a:t>
+              <a:t>2022-12-21</a:t>
             </a:fld>
             <a:endParaRPr lang="ko-KR" altLang="en-US"/>
           </a:p>
@@ -13581,6 +13583,3164 @@
             </a:r>
             <a:r>
               <a:rPr lang="ko-KR" altLang="en-US" dirty="0"/>
+              <a:t>의견 조합</a:t>
+            </a:r>
+          </a:p>
+        </p:txBody>
+      </p:sp>
+      <p:sp>
+        <p:nvSpPr>
+          <p:cNvPr id="35" name="직사각형 34">
+            <a:extLst>
+              <a:ext uri="{FF2B5EF4-FFF2-40B4-BE49-F238E27FC236}">
+                <a16:creationId xmlns:a16="http://schemas.microsoft.com/office/drawing/2014/main" id="{06C436B3-AA24-3805-4C2F-243F662A3D28}"/>
+              </a:ext>
+            </a:extLst>
+          </p:cNvPr>
+          <p:cNvSpPr>
+            <a:spLocks noChangeAspect="1"/>
+          </p:cNvSpPr>
+          <p:nvPr/>
+        </p:nvSpPr>
+        <p:spPr>
+          <a:xfrm>
+            <a:off x="1054216" y="830510"/>
+            <a:ext cx="10083567" cy="5672006"/>
+          </a:xfrm>
+          <a:prstGeom prst="rect">
+            <a:avLst/>
+          </a:prstGeom>
+          <a:solidFill>
+            <a:schemeClr val="bg1">
+              <a:lumMod val="75000"/>
+            </a:schemeClr>
+          </a:solidFill>
+          <a:ln>
+            <a:noFill/>
+          </a:ln>
+        </p:spPr>
+        <p:style>
+          <a:lnRef idx="2">
+            <a:schemeClr val="accent1">
+              <a:shade val="50000"/>
+            </a:schemeClr>
+          </a:lnRef>
+          <a:fillRef idx="1">
+            <a:schemeClr val="accent1"/>
+          </a:fillRef>
+          <a:effectRef idx="0">
+            <a:schemeClr val="accent1"/>
+          </a:effectRef>
+          <a:fontRef idx="minor">
+            <a:schemeClr val="lt1"/>
+          </a:fontRef>
+        </p:style>
+        <p:txBody>
+          <a:bodyPr rtlCol="0" anchor="ctr"/>
+          <a:lstStyle/>
+          <a:p>
+            <a:pPr algn="ctr"/>
+            <a:endParaRPr lang="ko-KR" altLang="en-US" dirty="0"/>
+          </a:p>
+        </p:txBody>
+      </p:sp>
+      <p:sp>
+        <p:nvSpPr>
+          <p:cNvPr id="36" name="직사각형 35">
+            <a:extLst>
+              <a:ext uri="{FF2B5EF4-FFF2-40B4-BE49-F238E27FC236}">
+                <a16:creationId xmlns:a16="http://schemas.microsoft.com/office/drawing/2014/main" id="{0FC8AF8D-4B83-7364-D694-170C7ED6F233}"/>
+              </a:ext>
+            </a:extLst>
+          </p:cNvPr>
+          <p:cNvSpPr/>
+          <p:nvPr/>
+        </p:nvSpPr>
+        <p:spPr>
+          <a:xfrm>
+            <a:off x="9725635" y="1719528"/>
+            <a:ext cx="1291906" cy="2391076"/>
+          </a:xfrm>
+          <a:prstGeom prst="rect">
+            <a:avLst/>
+          </a:prstGeom>
+          <a:solidFill>
+            <a:srgbClr val="92D050"/>
+          </a:solidFill>
+          <a:ln>
+            <a:solidFill>
+              <a:schemeClr val="tx1"/>
+            </a:solidFill>
+          </a:ln>
+        </p:spPr>
+        <p:style>
+          <a:lnRef idx="2">
+            <a:schemeClr val="accent1">
+              <a:shade val="50000"/>
+            </a:schemeClr>
+          </a:lnRef>
+          <a:fillRef idx="1">
+            <a:schemeClr val="accent1"/>
+          </a:fillRef>
+          <a:effectRef idx="0">
+            <a:schemeClr val="accent1"/>
+          </a:effectRef>
+          <a:fontRef idx="minor">
+            <a:schemeClr val="lt1"/>
+          </a:fontRef>
+        </p:style>
+        <p:txBody>
+          <a:bodyPr rtlCol="0" anchor="ctr"/>
+          <a:lstStyle/>
+          <a:p>
+            <a:r>
+              <a:rPr lang="ko-KR" altLang="en-US" sz="1400" b="1" dirty="0">
+                <a:solidFill>
+                  <a:schemeClr val="tx1"/>
+                </a:solidFill>
+              </a:rPr>
+              <a:t>의뢰 제목</a:t>
+            </a:r>
+            <a:endParaRPr lang="en-US" altLang="ko-KR" sz="1400" b="1" dirty="0">
+              <a:solidFill>
+                <a:schemeClr val="tx1"/>
+              </a:solidFill>
+            </a:endParaRPr>
+          </a:p>
+          <a:p>
+            <a:r>
+              <a:rPr lang="en-US" altLang="ko-KR" sz="1400" dirty="0">
+                <a:solidFill>
+                  <a:schemeClr val="tx1"/>
+                </a:solidFill>
+              </a:rPr>
+              <a:t>- </a:t>
+            </a:r>
+            <a:r>
+              <a:rPr lang="ko-KR" altLang="en-US" sz="1100" b="1" dirty="0">
+                <a:solidFill>
+                  <a:schemeClr val="tx1"/>
+                </a:solidFill>
+              </a:rPr>
+              <a:t>의뢰 목표</a:t>
+            </a:r>
+            <a:endParaRPr lang="en-US" altLang="ko-KR" sz="1000" dirty="0">
+              <a:solidFill>
+                <a:schemeClr val="tx1"/>
+              </a:solidFill>
+            </a:endParaRPr>
+          </a:p>
+          <a:p>
+            <a:r>
+              <a:rPr lang="en-US" altLang="ko-KR" sz="1400" strike="sngStrike" dirty="0">
+                <a:solidFill>
+                  <a:schemeClr val="tx1"/>
+                </a:solidFill>
+              </a:rPr>
+              <a:t>- </a:t>
+            </a:r>
+            <a:r>
+              <a:rPr lang="ko-KR" altLang="en-US" sz="1100" b="1" strike="sngStrike" dirty="0">
+                <a:solidFill>
+                  <a:schemeClr val="tx1"/>
+                </a:solidFill>
+              </a:rPr>
+              <a:t>의뢰 목표</a:t>
+            </a:r>
+            <a:endParaRPr lang="en-US" altLang="ko-KR" sz="1400" strike="sngStrike" dirty="0">
+              <a:solidFill>
+                <a:schemeClr val="tx1"/>
+              </a:solidFill>
+            </a:endParaRPr>
+          </a:p>
+          <a:p>
+            <a:endParaRPr lang="en-US" altLang="ko-KR" sz="1400" dirty="0">
+              <a:solidFill>
+                <a:schemeClr val="tx1"/>
+              </a:solidFill>
+            </a:endParaRPr>
+          </a:p>
+        </p:txBody>
+      </p:sp>
+      <p:sp>
+        <p:nvSpPr>
+          <p:cNvPr id="37" name="직사각형 36">
+            <a:extLst>
+              <a:ext uri="{FF2B5EF4-FFF2-40B4-BE49-F238E27FC236}">
+                <a16:creationId xmlns:a16="http://schemas.microsoft.com/office/drawing/2014/main" id="{5D4E904D-C97D-70E9-A268-79D34EC9DB2F}"/>
+              </a:ext>
+            </a:extLst>
+          </p:cNvPr>
+          <p:cNvSpPr>
+            <a:spLocks noChangeAspect="1"/>
+          </p:cNvSpPr>
+          <p:nvPr/>
+        </p:nvSpPr>
+        <p:spPr>
+          <a:xfrm>
+            <a:off x="2897872" y="1277485"/>
+            <a:ext cx="6396256" cy="3597894"/>
+          </a:xfrm>
+          <a:prstGeom prst="rect">
+            <a:avLst/>
+          </a:prstGeom>
+          <a:solidFill>
+            <a:srgbClr val="FFFF00"/>
+          </a:solidFill>
+          <a:ln>
+            <a:noFill/>
+          </a:ln>
+        </p:spPr>
+        <p:style>
+          <a:lnRef idx="2">
+            <a:schemeClr val="accent1">
+              <a:shade val="50000"/>
+            </a:schemeClr>
+          </a:lnRef>
+          <a:fillRef idx="1">
+            <a:schemeClr val="accent1"/>
+          </a:fillRef>
+          <a:effectRef idx="0">
+            <a:schemeClr val="accent1"/>
+          </a:effectRef>
+          <a:fontRef idx="minor">
+            <a:schemeClr val="lt1"/>
+          </a:fontRef>
+        </p:style>
+        <p:txBody>
+          <a:bodyPr rtlCol="0" anchor="ctr"/>
+          <a:lstStyle/>
+          <a:p>
+            <a:pPr algn="ctr"/>
+            <a:endParaRPr lang="ko-KR" altLang="en-US" dirty="0">
+              <a:solidFill>
+                <a:schemeClr val="tx1"/>
+              </a:solidFill>
+            </a:endParaRPr>
+          </a:p>
+        </p:txBody>
+      </p:sp>
+      <p:sp>
+        <p:nvSpPr>
+          <p:cNvPr id="38" name="직사각형 37">
+            <a:extLst>
+              <a:ext uri="{FF2B5EF4-FFF2-40B4-BE49-F238E27FC236}">
+                <a16:creationId xmlns:a16="http://schemas.microsoft.com/office/drawing/2014/main" id="{513AB07C-20CA-B821-2DC1-A650EE206BC0}"/>
+              </a:ext>
+            </a:extLst>
+          </p:cNvPr>
+          <p:cNvSpPr/>
+          <p:nvPr/>
+        </p:nvSpPr>
+        <p:spPr>
+          <a:xfrm>
+            <a:off x="9169167" y="947955"/>
+            <a:ext cx="1867948" cy="637563"/>
+          </a:xfrm>
+          <a:prstGeom prst="rect">
+            <a:avLst/>
+          </a:prstGeom>
+          <a:solidFill>
+            <a:schemeClr val="accent1">
+              <a:lumMod val="40000"/>
+              <a:lumOff val="60000"/>
+            </a:schemeClr>
+          </a:solidFill>
+          <a:ln>
+            <a:solidFill>
+              <a:schemeClr val="tx1"/>
+            </a:solidFill>
+          </a:ln>
+        </p:spPr>
+        <p:style>
+          <a:lnRef idx="2">
+            <a:schemeClr val="accent1">
+              <a:shade val="50000"/>
+            </a:schemeClr>
+          </a:lnRef>
+          <a:fillRef idx="1">
+            <a:schemeClr val="accent1"/>
+          </a:fillRef>
+          <a:effectRef idx="0">
+            <a:schemeClr val="accent1"/>
+          </a:effectRef>
+          <a:fontRef idx="minor">
+            <a:schemeClr val="lt1"/>
+          </a:fontRef>
+        </p:style>
+        <p:txBody>
+          <a:bodyPr rtlCol="0" anchor="ctr"/>
+          <a:lstStyle/>
+          <a:p>
+            <a:pPr algn="ctr"/>
+            <a:r>
+              <a:rPr lang="ko-KR" altLang="en-US" sz="1600" dirty="0">
+                <a:solidFill>
+                  <a:schemeClr val="tx1"/>
+                </a:solidFill>
+              </a:rPr>
+              <a:t>현재 시간 표시</a:t>
+            </a:r>
+            <a:endParaRPr lang="en-US" altLang="ko-KR" sz="1600" dirty="0">
+              <a:solidFill>
+                <a:schemeClr val="tx1"/>
+              </a:solidFill>
+            </a:endParaRPr>
+          </a:p>
+          <a:p>
+            <a:pPr algn="ctr"/>
+            <a:r>
+              <a:rPr lang="ko-KR" altLang="en-US" sz="1600" dirty="0">
+                <a:solidFill>
+                  <a:srgbClr val="FF0000"/>
+                </a:solidFill>
+              </a:rPr>
+              <a:t>목표 시간 표시</a:t>
+            </a:r>
+          </a:p>
+        </p:txBody>
+      </p:sp>
+      <p:sp>
+        <p:nvSpPr>
+          <p:cNvPr id="39" name="직사각형 38">
+            <a:extLst>
+              <a:ext uri="{FF2B5EF4-FFF2-40B4-BE49-F238E27FC236}">
+                <a16:creationId xmlns:a16="http://schemas.microsoft.com/office/drawing/2014/main" id="{56965FCA-BC3A-54E9-2FEF-EC8EC9136E51}"/>
+              </a:ext>
+            </a:extLst>
+          </p:cNvPr>
+          <p:cNvSpPr/>
+          <p:nvPr/>
+        </p:nvSpPr>
+        <p:spPr>
+          <a:xfrm>
+            <a:off x="1888921" y="5511567"/>
+            <a:ext cx="8414158" cy="811942"/>
+          </a:xfrm>
+          <a:prstGeom prst="rect">
+            <a:avLst/>
+          </a:prstGeom>
+          <a:solidFill>
+            <a:schemeClr val="accent1">
+              <a:lumMod val="40000"/>
+              <a:lumOff val="60000"/>
+            </a:schemeClr>
+          </a:solidFill>
+          <a:ln>
+            <a:noFill/>
+          </a:ln>
+        </p:spPr>
+        <p:style>
+          <a:lnRef idx="2">
+            <a:schemeClr val="accent1">
+              <a:shade val="50000"/>
+            </a:schemeClr>
+          </a:lnRef>
+          <a:fillRef idx="1">
+            <a:schemeClr val="accent1"/>
+          </a:fillRef>
+          <a:effectRef idx="0">
+            <a:schemeClr val="accent1"/>
+          </a:effectRef>
+          <a:fontRef idx="minor">
+            <a:schemeClr val="lt1"/>
+          </a:fontRef>
+        </p:style>
+        <p:txBody>
+          <a:bodyPr rtlCol="0" anchor="ctr"/>
+          <a:lstStyle/>
+          <a:p>
+            <a:pPr algn="ctr"/>
+            <a:r>
+              <a:rPr lang="ko-KR" altLang="en-US" sz="1200" dirty="0">
+                <a:solidFill>
+                  <a:schemeClr val="tx1"/>
+                </a:solidFill>
+              </a:rPr>
+              <a:t>퍼즐 조각 </a:t>
+            </a:r>
+            <a:r>
+              <a:rPr lang="ko-KR" altLang="en-US" sz="1200" dirty="0" err="1">
+                <a:solidFill>
+                  <a:schemeClr val="tx1"/>
+                </a:solidFill>
+              </a:rPr>
+              <a:t>모음판</a:t>
+            </a:r>
+            <a:endParaRPr lang="en-US" altLang="ko-KR" sz="1200" dirty="0">
+              <a:solidFill>
+                <a:schemeClr val="tx1"/>
+              </a:solidFill>
+            </a:endParaRPr>
+          </a:p>
+          <a:p>
+            <a:pPr algn="ctr"/>
+            <a:endParaRPr lang="en-US" altLang="ko-KR" sz="1200" dirty="0">
+              <a:solidFill>
+                <a:schemeClr val="tx1"/>
+              </a:solidFill>
+            </a:endParaRPr>
+          </a:p>
+          <a:p>
+            <a:pPr algn="ctr"/>
+            <a:endParaRPr lang="en-US" altLang="ko-KR" sz="1200" dirty="0">
+              <a:solidFill>
+                <a:schemeClr val="tx1"/>
+              </a:solidFill>
+            </a:endParaRPr>
+          </a:p>
+          <a:p>
+            <a:pPr algn="ctr"/>
+            <a:endParaRPr lang="ko-KR" altLang="en-US" sz="1200" dirty="0">
+              <a:solidFill>
+                <a:schemeClr val="tx1"/>
+              </a:solidFill>
+            </a:endParaRPr>
+          </a:p>
+        </p:txBody>
+      </p:sp>
+      <p:sp>
+        <p:nvSpPr>
+          <p:cNvPr id="52" name="직사각형 51">
+            <a:extLst>
+              <a:ext uri="{FF2B5EF4-FFF2-40B4-BE49-F238E27FC236}">
+                <a16:creationId xmlns:a16="http://schemas.microsoft.com/office/drawing/2014/main" id="{94DFAA60-61C7-7C8A-2FB6-AE786FE5C92E}"/>
+              </a:ext>
+            </a:extLst>
+          </p:cNvPr>
+          <p:cNvSpPr/>
+          <p:nvPr/>
+        </p:nvSpPr>
+        <p:spPr>
+          <a:xfrm>
+            <a:off x="3256325" y="4963615"/>
+            <a:ext cx="5679348" cy="439003"/>
+          </a:xfrm>
+          <a:prstGeom prst="rect">
+            <a:avLst/>
+          </a:prstGeom>
+          <a:solidFill>
+            <a:schemeClr val="accent1">
+              <a:lumMod val="40000"/>
+              <a:lumOff val="60000"/>
+            </a:schemeClr>
+          </a:solidFill>
+          <a:ln>
+            <a:noFill/>
+          </a:ln>
+        </p:spPr>
+        <p:style>
+          <a:lnRef idx="2">
+            <a:schemeClr val="accent1">
+              <a:shade val="50000"/>
+            </a:schemeClr>
+          </a:lnRef>
+          <a:fillRef idx="1">
+            <a:schemeClr val="accent1"/>
+          </a:fillRef>
+          <a:effectRef idx="0">
+            <a:schemeClr val="accent1"/>
+          </a:effectRef>
+          <a:fontRef idx="minor">
+            <a:schemeClr val="lt1"/>
+          </a:fontRef>
+        </p:style>
+        <p:txBody>
+          <a:bodyPr rtlCol="0" anchor="ctr"/>
+          <a:lstStyle/>
+          <a:p>
+            <a:pPr algn="ctr"/>
+            <a:r>
+              <a:rPr lang="ko-KR" altLang="en-US" sz="1200" dirty="0" err="1">
+                <a:solidFill>
+                  <a:schemeClr val="tx1"/>
+                </a:solidFill>
+              </a:rPr>
+              <a:t>대답칸</a:t>
+            </a:r>
+            <a:endParaRPr lang="en-US" altLang="ko-KR" sz="1200" dirty="0">
+              <a:solidFill>
+                <a:schemeClr val="tx1"/>
+              </a:solidFill>
+            </a:endParaRPr>
+          </a:p>
+        </p:txBody>
+      </p:sp>
+      <p:sp>
+        <p:nvSpPr>
+          <p:cNvPr id="3" name="직사각형 2">
+            <a:extLst>
+              <a:ext uri="{FF2B5EF4-FFF2-40B4-BE49-F238E27FC236}">
+                <a16:creationId xmlns:a16="http://schemas.microsoft.com/office/drawing/2014/main" id="{B0C0617B-2077-03BA-A945-BC9D895F6F30}"/>
+              </a:ext>
+            </a:extLst>
+          </p:cNvPr>
+          <p:cNvSpPr>
+            <a:spLocks noChangeAspect="1"/>
+          </p:cNvSpPr>
+          <p:nvPr/>
+        </p:nvSpPr>
+        <p:spPr>
+          <a:xfrm>
+            <a:off x="3022833" y="2571642"/>
+            <a:ext cx="1502157" cy="2189742"/>
+          </a:xfrm>
+          <a:prstGeom prst="rect">
+            <a:avLst/>
+          </a:prstGeom>
+          <a:solidFill>
+            <a:schemeClr val="accent1">
+              <a:lumMod val="40000"/>
+              <a:lumOff val="60000"/>
+            </a:schemeClr>
+          </a:solidFill>
+          <a:ln>
+            <a:noFill/>
+          </a:ln>
+        </p:spPr>
+        <p:style>
+          <a:lnRef idx="2">
+            <a:schemeClr val="accent1">
+              <a:shade val="50000"/>
+            </a:schemeClr>
+          </a:lnRef>
+          <a:fillRef idx="1">
+            <a:schemeClr val="accent1"/>
+          </a:fillRef>
+          <a:effectRef idx="0">
+            <a:schemeClr val="accent1"/>
+          </a:effectRef>
+          <a:fontRef idx="minor">
+            <a:schemeClr val="lt1"/>
+          </a:fontRef>
+        </p:style>
+        <p:txBody>
+          <a:bodyPr rtlCol="0" anchor="ctr"/>
+          <a:lstStyle/>
+          <a:p>
+            <a:pPr algn="ctr"/>
+            <a:r>
+              <a:rPr lang="en-US" altLang="ko-KR" dirty="0">
+                <a:solidFill>
+                  <a:schemeClr val="tx1"/>
+                </a:solidFill>
+              </a:rPr>
+              <a:t>NPC</a:t>
+            </a:r>
+            <a:endParaRPr lang="ko-KR" altLang="en-US" dirty="0">
+              <a:solidFill>
+                <a:schemeClr val="tx1"/>
+              </a:solidFill>
+            </a:endParaRPr>
+          </a:p>
+        </p:txBody>
+      </p:sp>
+      <p:sp>
+        <p:nvSpPr>
+          <p:cNvPr id="4" name="직사각형 3">
+            <a:extLst>
+              <a:ext uri="{FF2B5EF4-FFF2-40B4-BE49-F238E27FC236}">
+                <a16:creationId xmlns:a16="http://schemas.microsoft.com/office/drawing/2014/main" id="{7D919FC3-2193-3153-C44E-B8F6F8599EED}"/>
+              </a:ext>
+            </a:extLst>
+          </p:cNvPr>
+          <p:cNvSpPr>
+            <a:spLocks noChangeAspect="1"/>
+          </p:cNvSpPr>
+          <p:nvPr/>
+        </p:nvSpPr>
+        <p:spPr>
+          <a:xfrm>
+            <a:off x="7667010" y="2580775"/>
+            <a:ext cx="1502157" cy="2189742"/>
+          </a:xfrm>
+          <a:prstGeom prst="rect">
+            <a:avLst/>
+          </a:prstGeom>
+          <a:solidFill>
+            <a:schemeClr val="accent1">
+              <a:lumMod val="40000"/>
+              <a:lumOff val="60000"/>
+            </a:schemeClr>
+          </a:solidFill>
+          <a:ln>
+            <a:noFill/>
+          </a:ln>
+        </p:spPr>
+        <p:style>
+          <a:lnRef idx="2">
+            <a:schemeClr val="accent1">
+              <a:shade val="50000"/>
+            </a:schemeClr>
+          </a:lnRef>
+          <a:fillRef idx="1">
+            <a:schemeClr val="accent1"/>
+          </a:fillRef>
+          <a:effectRef idx="0">
+            <a:schemeClr val="accent1"/>
+          </a:effectRef>
+          <a:fontRef idx="minor">
+            <a:schemeClr val="lt1"/>
+          </a:fontRef>
+        </p:style>
+        <p:txBody>
+          <a:bodyPr rtlCol="0" anchor="ctr"/>
+          <a:lstStyle/>
+          <a:p>
+            <a:pPr algn="ctr"/>
+            <a:r>
+              <a:rPr lang="en-US" altLang="ko-KR" dirty="0">
+                <a:solidFill>
+                  <a:schemeClr val="tx1"/>
+                </a:solidFill>
+              </a:rPr>
+              <a:t>NPC</a:t>
+            </a:r>
+            <a:endParaRPr lang="ko-KR" altLang="en-US" dirty="0">
+              <a:solidFill>
+                <a:schemeClr val="tx1"/>
+              </a:solidFill>
+            </a:endParaRPr>
+          </a:p>
+        </p:txBody>
+      </p:sp>
+      <p:pic>
+        <p:nvPicPr>
+          <p:cNvPr id="14" name="그림 13">
+            <a:extLst>
+              <a:ext uri="{FF2B5EF4-FFF2-40B4-BE49-F238E27FC236}">
+                <a16:creationId xmlns:a16="http://schemas.microsoft.com/office/drawing/2014/main" id="{DFD77CBC-90F4-4D6F-F043-8FA649D5E696}"/>
+              </a:ext>
+            </a:extLst>
+          </p:cNvPr>
+          <p:cNvPicPr>
+            <a:picLocks noChangeAspect="1"/>
+          </p:cNvPicPr>
+          <p:nvPr/>
+        </p:nvPicPr>
+        <p:blipFill>
+          <a:blip r:embed="rId2">
+            <a:extLst>
+              <a:ext uri="{28A0092B-C50C-407E-A947-70E740481C1C}">
+                <a14:useLocalDpi xmlns:a14="http://schemas.microsoft.com/office/drawing/2010/main" val="0"/>
+              </a:ext>
+            </a:extLst>
+          </a:blip>
+          <a:stretch>
+            <a:fillRect/>
+          </a:stretch>
+        </p:blipFill>
+        <p:spPr>
+          <a:xfrm>
+            <a:off x="5078653" y="5011285"/>
+            <a:ext cx="393428" cy="262993"/>
+          </a:xfrm>
+          <a:prstGeom prst="rect">
+            <a:avLst/>
+          </a:prstGeom>
+        </p:spPr>
+      </p:pic>
+      <p:pic>
+        <p:nvPicPr>
+          <p:cNvPr id="15" name="그림 14">
+            <a:extLst>
+              <a:ext uri="{FF2B5EF4-FFF2-40B4-BE49-F238E27FC236}">
+                <a16:creationId xmlns:a16="http://schemas.microsoft.com/office/drawing/2014/main" id="{B4532788-3093-5FFE-4781-13C13FB9F86E}"/>
+              </a:ext>
+            </a:extLst>
+          </p:cNvPr>
+          <p:cNvPicPr>
+            <a:picLocks noChangeAspect="1"/>
+          </p:cNvPicPr>
+          <p:nvPr/>
+        </p:nvPicPr>
+        <p:blipFill>
+          <a:blip r:embed="rId2">
+            <a:extLst>
+              <a:ext uri="{28A0092B-C50C-407E-A947-70E740481C1C}">
+                <a14:useLocalDpi xmlns:a14="http://schemas.microsoft.com/office/drawing/2010/main" val="0"/>
+              </a:ext>
+            </a:extLst>
+          </a:blip>
+          <a:stretch>
+            <a:fillRect/>
+          </a:stretch>
+        </p:blipFill>
+        <p:spPr>
+          <a:xfrm rot="10800000">
+            <a:off x="5449866" y="5024907"/>
+            <a:ext cx="393428" cy="262993"/>
+          </a:xfrm>
+          <a:prstGeom prst="rect">
+            <a:avLst/>
+          </a:prstGeom>
+        </p:spPr>
+      </p:pic>
+      <p:sp>
+        <p:nvSpPr>
+          <p:cNvPr id="60" name="직사각형 59">
+            <a:extLst>
+              <a:ext uri="{FF2B5EF4-FFF2-40B4-BE49-F238E27FC236}">
+                <a16:creationId xmlns:a16="http://schemas.microsoft.com/office/drawing/2014/main" id="{3029AF06-5D1B-7893-F773-4B1DEB29D91C}"/>
+              </a:ext>
+            </a:extLst>
+          </p:cNvPr>
+          <p:cNvSpPr/>
+          <p:nvPr/>
+        </p:nvSpPr>
+        <p:spPr>
+          <a:xfrm>
+            <a:off x="6448861" y="1741955"/>
+            <a:ext cx="1031847" cy="2735026"/>
+          </a:xfrm>
+          <a:prstGeom prst="rect">
+            <a:avLst/>
+          </a:prstGeom>
+          <a:solidFill>
+            <a:schemeClr val="accent4">
+              <a:lumMod val="60000"/>
+              <a:lumOff val="40000"/>
+            </a:schemeClr>
+          </a:solidFill>
+          <a:ln>
+            <a:noFill/>
+          </a:ln>
+        </p:spPr>
+        <p:style>
+          <a:lnRef idx="2">
+            <a:schemeClr val="accent1">
+              <a:shade val="50000"/>
+            </a:schemeClr>
+          </a:lnRef>
+          <a:fillRef idx="1">
+            <a:schemeClr val="accent1"/>
+          </a:fillRef>
+          <a:effectRef idx="0">
+            <a:schemeClr val="accent1"/>
+          </a:effectRef>
+          <a:fontRef idx="minor">
+            <a:schemeClr val="lt1"/>
+          </a:fontRef>
+        </p:style>
+        <p:txBody>
+          <a:bodyPr rtlCol="0" anchor="ctr"/>
+          <a:lstStyle/>
+          <a:p>
+            <a:pPr algn="ctr"/>
+            <a:endParaRPr lang="ko-KR" altLang="en-US"/>
+          </a:p>
+        </p:txBody>
+      </p:sp>
+      <p:cxnSp>
+        <p:nvCxnSpPr>
+          <p:cNvPr id="61" name="직선 연결선 60">
+            <a:extLst>
+              <a:ext uri="{FF2B5EF4-FFF2-40B4-BE49-F238E27FC236}">
+                <a16:creationId xmlns:a16="http://schemas.microsoft.com/office/drawing/2014/main" id="{8526FB13-1928-7F44-1E4C-F1D03E71BAA9}"/>
+              </a:ext>
+            </a:extLst>
+          </p:cNvPr>
+          <p:cNvCxnSpPr>
+            <a:cxnSpLocks/>
+          </p:cNvCxnSpPr>
+          <p:nvPr/>
+        </p:nvCxnSpPr>
+        <p:spPr>
+          <a:xfrm>
+            <a:off x="6460178" y="4499408"/>
+            <a:ext cx="1009212" cy="0"/>
+          </a:xfrm>
+          <a:prstGeom prst="line">
+            <a:avLst/>
+          </a:prstGeom>
+          <a:ln w="57150">
+            <a:solidFill>
+              <a:srgbClr val="FF0000"/>
+            </a:solidFill>
+          </a:ln>
+        </p:spPr>
+        <p:style>
+          <a:lnRef idx="1">
+            <a:schemeClr val="accent1"/>
+          </a:lnRef>
+          <a:fillRef idx="0">
+            <a:schemeClr val="accent1"/>
+          </a:fillRef>
+          <a:effectRef idx="0">
+            <a:schemeClr val="accent1"/>
+          </a:effectRef>
+          <a:fontRef idx="minor">
+            <a:schemeClr val="tx1"/>
+          </a:fontRef>
+        </p:style>
+      </p:cxnSp>
+      <p:cxnSp>
+        <p:nvCxnSpPr>
+          <p:cNvPr id="62" name="직선 연결선 61">
+            <a:extLst>
+              <a:ext uri="{FF2B5EF4-FFF2-40B4-BE49-F238E27FC236}">
+                <a16:creationId xmlns:a16="http://schemas.microsoft.com/office/drawing/2014/main" id="{DAE91ED1-1E11-109D-9BAB-8399B7B38F9E}"/>
+              </a:ext>
+            </a:extLst>
+          </p:cNvPr>
+          <p:cNvCxnSpPr>
+            <a:cxnSpLocks/>
+          </p:cNvCxnSpPr>
+          <p:nvPr/>
+        </p:nvCxnSpPr>
+        <p:spPr>
+          <a:xfrm>
+            <a:off x="6460178" y="1764382"/>
+            <a:ext cx="1009212" cy="0"/>
+          </a:xfrm>
+          <a:prstGeom prst="line">
+            <a:avLst/>
+          </a:prstGeom>
+          <a:ln w="57150">
+            <a:solidFill>
+              <a:srgbClr val="FF0000"/>
+            </a:solidFill>
+          </a:ln>
+        </p:spPr>
+        <p:style>
+          <a:lnRef idx="1">
+            <a:schemeClr val="accent1"/>
+          </a:lnRef>
+          <a:fillRef idx="0">
+            <a:schemeClr val="accent1"/>
+          </a:fillRef>
+          <a:effectRef idx="0">
+            <a:schemeClr val="accent1"/>
+          </a:effectRef>
+          <a:fontRef idx="minor">
+            <a:schemeClr val="tx1"/>
+          </a:fontRef>
+        </p:style>
+      </p:cxnSp>
+      <p:grpSp>
+        <p:nvGrpSpPr>
+          <p:cNvPr id="64" name="그룹 63">
+            <a:extLst>
+              <a:ext uri="{FF2B5EF4-FFF2-40B4-BE49-F238E27FC236}">
+                <a16:creationId xmlns:a16="http://schemas.microsoft.com/office/drawing/2014/main" id="{60C5C14D-0B3B-4020-AFDD-84BCC9F993CF}"/>
+              </a:ext>
+            </a:extLst>
+          </p:cNvPr>
+          <p:cNvGrpSpPr/>
+          <p:nvPr/>
+        </p:nvGrpSpPr>
+        <p:grpSpPr>
+          <a:xfrm>
+            <a:off x="4635171" y="1742225"/>
+            <a:ext cx="1031847" cy="2735026"/>
+            <a:chOff x="4635442" y="1719528"/>
+            <a:chExt cx="1031847" cy="2735026"/>
+          </a:xfrm>
+        </p:grpSpPr>
+        <p:sp>
+          <p:nvSpPr>
+            <p:cNvPr id="65" name="직사각형 64">
+              <a:extLst>
+                <a:ext uri="{FF2B5EF4-FFF2-40B4-BE49-F238E27FC236}">
+                  <a16:creationId xmlns:a16="http://schemas.microsoft.com/office/drawing/2014/main" id="{9BE26C3B-840E-ECCD-CA0E-D5917A7A6BFF}"/>
+                </a:ext>
+              </a:extLst>
+            </p:cNvPr>
+            <p:cNvSpPr/>
+            <p:nvPr/>
+          </p:nvSpPr>
+          <p:spPr>
+            <a:xfrm>
+              <a:off x="4635442" y="1719528"/>
+              <a:ext cx="1031847" cy="2735026"/>
+            </a:xfrm>
+            <a:prstGeom prst="rect">
+              <a:avLst/>
+            </a:prstGeom>
+            <a:solidFill>
+              <a:schemeClr val="accent4">
+                <a:lumMod val="60000"/>
+                <a:lumOff val="40000"/>
+              </a:schemeClr>
+            </a:solidFill>
+            <a:ln>
+              <a:noFill/>
+            </a:ln>
+          </p:spPr>
+          <p:style>
+            <a:lnRef idx="2">
+              <a:schemeClr val="accent1">
+                <a:shade val="50000"/>
+              </a:schemeClr>
+            </a:lnRef>
+            <a:fillRef idx="1">
+              <a:schemeClr val="accent1"/>
+            </a:fillRef>
+            <a:effectRef idx="0">
+              <a:schemeClr val="accent1"/>
+            </a:effectRef>
+            <a:fontRef idx="minor">
+              <a:schemeClr val="lt1"/>
+            </a:fontRef>
+          </p:style>
+          <p:txBody>
+            <a:bodyPr rtlCol="0" anchor="ctr"/>
+            <a:lstStyle/>
+            <a:p>
+              <a:pPr algn="ctr"/>
+              <a:endParaRPr lang="ko-KR" altLang="en-US"/>
+            </a:p>
+          </p:txBody>
+        </p:sp>
+        <p:cxnSp>
+          <p:nvCxnSpPr>
+            <p:cNvPr id="66" name="직선 연결선 65">
+              <a:extLst>
+                <a:ext uri="{FF2B5EF4-FFF2-40B4-BE49-F238E27FC236}">
+                  <a16:creationId xmlns:a16="http://schemas.microsoft.com/office/drawing/2014/main" id="{F73F3830-D953-93DD-1C88-E68750EEDC86}"/>
+                </a:ext>
+              </a:extLst>
+            </p:cNvPr>
+            <p:cNvCxnSpPr>
+              <a:cxnSpLocks/>
+            </p:cNvCxnSpPr>
+            <p:nvPr/>
+          </p:nvCxnSpPr>
+          <p:spPr>
+            <a:xfrm>
+              <a:off x="4646759" y="4454554"/>
+              <a:ext cx="1009212" cy="0"/>
+            </a:xfrm>
+            <a:prstGeom prst="line">
+              <a:avLst/>
+            </a:prstGeom>
+            <a:ln w="57150">
+              <a:solidFill>
+                <a:srgbClr val="FF0000"/>
+              </a:solidFill>
+            </a:ln>
+          </p:spPr>
+          <p:style>
+            <a:lnRef idx="1">
+              <a:schemeClr val="accent1"/>
+            </a:lnRef>
+            <a:fillRef idx="0">
+              <a:schemeClr val="accent1"/>
+            </a:fillRef>
+            <a:effectRef idx="0">
+              <a:schemeClr val="accent1"/>
+            </a:effectRef>
+            <a:fontRef idx="minor">
+              <a:schemeClr val="tx1"/>
+            </a:fontRef>
+          </p:style>
+        </p:cxnSp>
+        <p:cxnSp>
+          <p:nvCxnSpPr>
+            <p:cNvPr id="67" name="직선 연결선 66">
+              <a:extLst>
+                <a:ext uri="{FF2B5EF4-FFF2-40B4-BE49-F238E27FC236}">
+                  <a16:creationId xmlns:a16="http://schemas.microsoft.com/office/drawing/2014/main" id="{B94AAAA0-AE5E-FC5E-4733-D32D6B3536A8}"/>
+                </a:ext>
+              </a:extLst>
+            </p:cNvPr>
+            <p:cNvCxnSpPr>
+              <a:cxnSpLocks/>
+            </p:cNvCxnSpPr>
+            <p:nvPr/>
+          </p:nvCxnSpPr>
+          <p:spPr>
+            <a:xfrm>
+              <a:off x="4646759" y="1719528"/>
+              <a:ext cx="1009212" cy="0"/>
+            </a:xfrm>
+            <a:prstGeom prst="line">
+              <a:avLst/>
+            </a:prstGeom>
+            <a:ln w="57150">
+              <a:solidFill>
+                <a:srgbClr val="FF0000"/>
+              </a:solidFill>
+            </a:ln>
+          </p:spPr>
+          <p:style>
+            <a:lnRef idx="1">
+              <a:schemeClr val="accent1"/>
+            </a:lnRef>
+            <a:fillRef idx="0">
+              <a:schemeClr val="accent1"/>
+            </a:fillRef>
+            <a:effectRef idx="0">
+              <a:schemeClr val="accent1"/>
+            </a:effectRef>
+            <a:fontRef idx="minor">
+              <a:schemeClr val="tx1"/>
+            </a:fontRef>
+          </p:style>
+        </p:cxnSp>
+      </p:grpSp>
+      <p:grpSp>
+        <p:nvGrpSpPr>
+          <p:cNvPr id="59" name="그룹 58">
+            <a:extLst>
+              <a:ext uri="{FF2B5EF4-FFF2-40B4-BE49-F238E27FC236}">
+                <a16:creationId xmlns:a16="http://schemas.microsoft.com/office/drawing/2014/main" id="{53A0E670-9157-C760-CA4B-0B17B34B7DE6}"/>
+              </a:ext>
+            </a:extLst>
+          </p:cNvPr>
+          <p:cNvGrpSpPr/>
+          <p:nvPr/>
+        </p:nvGrpSpPr>
+        <p:grpSpPr>
+          <a:xfrm>
+            <a:off x="6479098" y="3298781"/>
+            <a:ext cx="996892" cy="499523"/>
+            <a:chOff x="6479097" y="3321089"/>
+            <a:chExt cx="996892" cy="499523"/>
+          </a:xfrm>
+        </p:grpSpPr>
+        <p:sp>
+          <p:nvSpPr>
+            <p:cNvPr id="6" name="말풍선: 사각형 5">
+              <a:extLst>
+                <a:ext uri="{FF2B5EF4-FFF2-40B4-BE49-F238E27FC236}">
+                  <a16:creationId xmlns:a16="http://schemas.microsoft.com/office/drawing/2014/main" id="{F0999651-C005-E1F0-1555-635B197F1514}"/>
+                </a:ext>
+              </a:extLst>
+            </p:cNvPr>
+            <p:cNvSpPr/>
+            <p:nvPr/>
+          </p:nvSpPr>
+          <p:spPr>
+            <a:xfrm>
+              <a:off x="6479097" y="3321089"/>
+              <a:ext cx="996892" cy="499523"/>
+            </a:xfrm>
+            <a:prstGeom prst="wedgeRectCallout">
+              <a:avLst>
+                <a:gd name="adj1" fmla="val 45741"/>
+                <a:gd name="adj2" fmla="val 106990"/>
+              </a:avLst>
+            </a:prstGeom>
+            <a:solidFill>
+              <a:schemeClr val="tx2">
+                <a:lumMod val="60000"/>
+                <a:lumOff val="40000"/>
+              </a:schemeClr>
+            </a:solidFill>
+            <a:ln>
+              <a:noFill/>
+            </a:ln>
+          </p:spPr>
+          <p:style>
+            <a:lnRef idx="2">
+              <a:schemeClr val="accent1">
+                <a:shade val="50000"/>
+              </a:schemeClr>
+            </a:lnRef>
+            <a:fillRef idx="1">
+              <a:schemeClr val="accent1"/>
+            </a:fillRef>
+            <a:effectRef idx="0">
+              <a:schemeClr val="accent1"/>
+            </a:effectRef>
+            <a:fontRef idx="minor">
+              <a:schemeClr val="lt1"/>
+            </a:fontRef>
+          </p:style>
+          <p:txBody>
+            <a:bodyPr rtlCol="0" anchor="ctr"/>
+            <a:lstStyle/>
+            <a:p>
+              <a:pPr algn="ctr"/>
+              <a:endParaRPr lang="ko-KR" altLang="en-US"/>
+            </a:p>
+          </p:txBody>
+        </p:sp>
+        <p:pic>
+          <p:nvPicPr>
+            <p:cNvPr id="13" name="그림 12">
+              <a:extLst>
+                <a:ext uri="{FF2B5EF4-FFF2-40B4-BE49-F238E27FC236}">
+                  <a16:creationId xmlns:a16="http://schemas.microsoft.com/office/drawing/2014/main" id="{B6B75929-0FCF-18CD-33E4-D7914A1AE0E9}"/>
+                </a:ext>
+              </a:extLst>
+            </p:cNvPr>
+            <p:cNvPicPr>
+              <a:picLocks noChangeAspect="1"/>
+            </p:cNvPicPr>
+            <p:nvPr/>
+          </p:nvPicPr>
+          <p:blipFill>
+            <a:blip r:embed="rId2">
+              <a:alphaModFix amt="50000"/>
+              <a:extLst>
+                <a:ext uri="{28A0092B-C50C-407E-A947-70E740481C1C}">
+                  <a14:useLocalDpi xmlns:a14="http://schemas.microsoft.com/office/drawing/2010/main" val="0"/>
+                </a:ext>
+              </a:extLst>
+            </a:blip>
+            <a:stretch>
+              <a:fillRect/>
+            </a:stretch>
+          </p:blipFill>
+          <p:spPr>
+            <a:xfrm rot="10800000">
+              <a:off x="6780829" y="3439353"/>
+              <a:ext cx="393428" cy="262993"/>
+            </a:xfrm>
+            <a:prstGeom prst="rect">
+              <a:avLst/>
+            </a:prstGeom>
+          </p:spPr>
+        </p:pic>
+      </p:grpSp>
+      <p:sp>
+        <p:nvSpPr>
+          <p:cNvPr id="26" name="말풍선: 사각형 25">
+            <a:extLst>
+              <a:ext uri="{FF2B5EF4-FFF2-40B4-BE49-F238E27FC236}">
+                <a16:creationId xmlns:a16="http://schemas.microsoft.com/office/drawing/2014/main" id="{50A6EB53-69B6-DB36-ADBD-1F1677202FEB}"/>
+              </a:ext>
+            </a:extLst>
+          </p:cNvPr>
+          <p:cNvSpPr/>
+          <p:nvPr/>
+        </p:nvSpPr>
+        <p:spPr>
+          <a:xfrm>
+            <a:off x="4658077" y="2915066"/>
+            <a:ext cx="996892" cy="499523"/>
+          </a:xfrm>
+          <a:prstGeom prst="wedgeRectCallout">
+            <a:avLst>
+              <a:gd name="adj1" fmla="val -50191"/>
+              <a:gd name="adj2" fmla="val 88517"/>
+            </a:avLst>
+          </a:prstGeom>
+          <a:solidFill>
+            <a:schemeClr val="tx2">
+              <a:lumMod val="60000"/>
+              <a:lumOff val="40000"/>
+            </a:schemeClr>
+          </a:solidFill>
+          <a:ln>
+            <a:noFill/>
+          </a:ln>
+        </p:spPr>
+        <p:style>
+          <a:lnRef idx="2">
+            <a:schemeClr val="accent1">
+              <a:shade val="50000"/>
+            </a:schemeClr>
+          </a:lnRef>
+          <a:fillRef idx="1">
+            <a:schemeClr val="accent1"/>
+          </a:fillRef>
+          <a:effectRef idx="0">
+            <a:schemeClr val="accent1"/>
+          </a:effectRef>
+          <a:fontRef idx="minor">
+            <a:schemeClr val="lt1"/>
+          </a:fontRef>
+        </p:style>
+        <p:txBody>
+          <a:bodyPr rtlCol="0" anchor="ctr"/>
+          <a:lstStyle/>
+          <a:p>
+            <a:pPr algn="ctr"/>
+            <a:endParaRPr lang="ko-KR" altLang="en-US"/>
+          </a:p>
+        </p:txBody>
+      </p:sp>
+      <p:sp>
+        <p:nvSpPr>
+          <p:cNvPr id="27" name="말풍선: 사각형 26">
+            <a:extLst>
+              <a:ext uri="{FF2B5EF4-FFF2-40B4-BE49-F238E27FC236}">
+                <a16:creationId xmlns:a16="http://schemas.microsoft.com/office/drawing/2014/main" id="{931A8689-7A74-E543-0D13-C8CC60F1A33F}"/>
+              </a:ext>
+            </a:extLst>
+          </p:cNvPr>
+          <p:cNvSpPr/>
+          <p:nvPr/>
+        </p:nvSpPr>
+        <p:spPr>
+          <a:xfrm>
+            <a:off x="4658077" y="2148140"/>
+            <a:ext cx="996892" cy="499523"/>
+          </a:xfrm>
+          <a:prstGeom prst="wedgeRectCallout">
+            <a:avLst>
+              <a:gd name="adj1" fmla="val -50191"/>
+              <a:gd name="adj2" fmla="val 88517"/>
+            </a:avLst>
+          </a:prstGeom>
+          <a:solidFill>
+            <a:schemeClr val="tx2">
+              <a:lumMod val="60000"/>
+              <a:lumOff val="40000"/>
+              <a:alpha val="65000"/>
+            </a:schemeClr>
+          </a:solidFill>
+          <a:ln>
+            <a:noFill/>
+          </a:ln>
+        </p:spPr>
+        <p:style>
+          <a:lnRef idx="2">
+            <a:schemeClr val="accent1">
+              <a:shade val="50000"/>
+            </a:schemeClr>
+          </a:lnRef>
+          <a:fillRef idx="1">
+            <a:schemeClr val="accent1"/>
+          </a:fillRef>
+          <a:effectRef idx="0">
+            <a:schemeClr val="accent1"/>
+          </a:effectRef>
+          <a:fontRef idx="minor">
+            <a:schemeClr val="lt1"/>
+          </a:fontRef>
+        </p:style>
+        <p:txBody>
+          <a:bodyPr rtlCol="0" anchor="ctr"/>
+          <a:lstStyle/>
+          <a:p>
+            <a:pPr algn="ctr"/>
+            <a:endParaRPr lang="ko-KR" altLang="en-US"/>
+          </a:p>
+        </p:txBody>
+      </p:sp>
+      <p:pic>
+        <p:nvPicPr>
+          <p:cNvPr id="28" name="그림 27">
+            <a:extLst>
+              <a:ext uri="{FF2B5EF4-FFF2-40B4-BE49-F238E27FC236}">
+                <a16:creationId xmlns:a16="http://schemas.microsoft.com/office/drawing/2014/main" id="{7B5E4683-282A-9DCA-E623-CA9208EC825D}"/>
+              </a:ext>
+            </a:extLst>
+          </p:cNvPr>
+          <p:cNvPicPr>
+            <a:picLocks noChangeAspect="1"/>
+          </p:cNvPicPr>
+          <p:nvPr/>
+        </p:nvPicPr>
+        <p:blipFill>
+          <a:blip r:embed="rId2">
+            <a:alphaModFix amt="65000"/>
+            <a:extLst>
+              <a:ext uri="{28A0092B-C50C-407E-A947-70E740481C1C}">
+                <a14:useLocalDpi xmlns:a14="http://schemas.microsoft.com/office/drawing/2010/main" val="0"/>
+              </a:ext>
+            </a:extLst>
+          </a:blip>
+          <a:stretch>
+            <a:fillRect/>
+          </a:stretch>
+        </p:blipFill>
+        <p:spPr>
+          <a:xfrm>
+            <a:off x="4959809" y="2278878"/>
+            <a:ext cx="393428" cy="262993"/>
+          </a:xfrm>
+          <a:prstGeom prst="rect">
+            <a:avLst/>
+          </a:prstGeom>
+          <a:noFill/>
+        </p:spPr>
+      </p:pic>
+      <p:pic>
+        <p:nvPicPr>
+          <p:cNvPr id="29" name="그림 28">
+            <a:extLst>
+              <a:ext uri="{FF2B5EF4-FFF2-40B4-BE49-F238E27FC236}">
+                <a16:creationId xmlns:a16="http://schemas.microsoft.com/office/drawing/2014/main" id="{2620023B-E56E-E704-B4FC-EC0A45789BD5}"/>
+              </a:ext>
+            </a:extLst>
+          </p:cNvPr>
+          <p:cNvPicPr>
+            <a:picLocks noChangeAspect="1"/>
+          </p:cNvPicPr>
+          <p:nvPr/>
+        </p:nvPicPr>
+        <p:blipFill>
+          <a:blip r:embed="rId2">
+            <a:alphaModFix amt="50000"/>
+            <a:extLst>
+              <a:ext uri="{28A0092B-C50C-407E-A947-70E740481C1C}">
+                <a14:useLocalDpi xmlns:a14="http://schemas.microsoft.com/office/drawing/2010/main" val="0"/>
+              </a:ext>
+            </a:extLst>
+          </a:blip>
+          <a:stretch>
+            <a:fillRect/>
+          </a:stretch>
+        </p:blipFill>
+        <p:spPr>
+          <a:xfrm>
+            <a:off x="4959809" y="3046562"/>
+            <a:ext cx="393428" cy="262993"/>
+          </a:xfrm>
+          <a:prstGeom prst="rect">
+            <a:avLst/>
+          </a:prstGeom>
+        </p:spPr>
+      </p:pic>
+      <p:cxnSp>
+        <p:nvCxnSpPr>
+          <p:cNvPr id="69" name="직선 화살표 연결선 68">
+            <a:extLst>
+              <a:ext uri="{FF2B5EF4-FFF2-40B4-BE49-F238E27FC236}">
+                <a16:creationId xmlns:a16="http://schemas.microsoft.com/office/drawing/2014/main" id="{9D7D17FF-5B74-8367-9FFF-496076D43F9D}"/>
+              </a:ext>
+            </a:extLst>
+          </p:cNvPr>
+          <p:cNvCxnSpPr>
+            <a:cxnSpLocks/>
+            <a:stCxn id="29" idx="2"/>
+            <a:endCxn id="14" idx="0"/>
+          </p:cNvCxnSpPr>
+          <p:nvPr/>
+        </p:nvCxnSpPr>
+        <p:spPr>
+          <a:xfrm>
+            <a:off x="5156523" y="3309555"/>
+            <a:ext cx="118844" cy="1701730"/>
+          </a:xfrm>
+          <a:prstGeom prst="straightConnector1">
+            <a:avLst/>
+          </a:prstGeom>
+          <a:ln w="38100">
+            <a:solidFill>
+              <a:srgbClr val="FF0000"/>
+            </a:solidFill>
+            <a:prstDash val="dash"/>
+            <a:tailEnd type="triangle"/>
+          </a:ln>
+        </p:spPr>
+        <p:style>
+          <a:lnRef idx="1">
+            <a:schemeClr val="accent1"/>
+          </a:lnRef>
+          <a:fillRef idx="0">
+            <a:schemeClr val="accent1"/>
+          </a:fillRef>
+          <a:effectRef idx="0">
+            <a:schemeClr val="accent1"/>
+          </a:effectRef>
+          <a:fontRef idx="minor">
+            <a:schemeClr val="tx1"/>
+          </a:fontRef>
+        </p:style>
+      </p:cxnSp>
+      <p:cxnSp>
+        <p:nvCxnSpPr>
+          <p:cNvPr id="70" name="직선 화살표 연결선 69">
+            <a:extLst>
+              <a:ext uri="{FF2B5EF4-FFF2-40B4-BE49-F238E27FC236}">
+                <a16:creationId xmlns:a16="http://schemas.microsoft.com/office/drawing/2014/main" id="{6798D2C2-4753-3209-F09C-13C74B85C4CC}"/>
+              </a:ext>
+            </a:extLst>
+          </p:cNvPr>
+          <p:cNvCxnSpPr>
+            <a:cxnSpLocks/>
+            <a:stCxn id="13" idx="0"/>
+            <a:endCxn id="15" idx="2"/>
+          </p:cNvCxnSpPr>
+          <p:nvPr/>
+        </p:nvCxnSpPr>
+        <p:spPr>
+          <a:xfrm flipH="1">
+            <a:off x="5646580" y="3680038"/>
+            <a:ext cx="1330964" cy="1344869"/>
+          </a:xfrm>
+          <a:prstGeom prst="straightConnector1">
+            <a:avLst/>
+          </a:prstGeom>
+          <a:ln w="38100">
+            <a:solidFill>
+              <a:srgbClr val="FF0000"/>
+            </a:solidFill>
+            <a:prstDash val="dash"/>
+            <a:tailEnd type="triangle"/>
+          </a:ln>
+        </p:spPr>
+        <p:style>
+          <a:lnRef idx="1">
+            <a:schemeClr val="accent1"/>
+          </a:lnRef>
+          <a:fillRef idx="0">
+            <a:schemeClr val="accent1"/>
+          </a:fillRef>
+          <a:effectRef idx="0">
+            <a:schemeClr val="accent1"/>
+          </a:effectRef>
+          <a:fontRef idx="minor">
+            <a:schemeClr val="tx1"/>
+          </a:fontRef>
+        </p:style>
+      </p:cxnSp>
+    </p:spTree>
+    <p:extLst>
+      <p:ext uri="{BB962C8B-B14F-4D97-AF65-F5344CB8AC3E}">
+        <p14:creationId xmlns:p14="http://schemas.microsoft.com/office/powerpoint/2010/main" val="2195078679"/>
+      </p:ext>
+    </p:extLst>
+  </p:cSld>
+  <p:clrMapOvr>
+    <a:masterClrMapping/>
+  </p:clrMapOvr>
+</p:sld>
+</file>
+
+<file path=ppt/slides/slide21.xml><?xml version="1.0" encoding="utf-8"?>
+<p:sld xmlns:a="http://schemas.openxmlformats.org/drawingml/2006/main" xmlns:r="http://schemas.openxmlformats.org/officeDocument/2006/relationships" xmlns:p="http://schemas.openxmlformats.org/presentationml/2006/main">
+  <p:cSld>
+    <p:spTree>
+      <p:nvGrpSpPr>
+        <p:cNvPr id="1" name=""/>
+        <p:cNvGrpSpPr/>
+        <p:nvPr/>
+      </p:nvGrpSpPr>
+      <p:grpSpPr>
+        <a:xfrm>
+          <a:off x="0" y="0"/>
+          <a:ext cx="0" cy="0"/>
+          <a:chOff x="0" y="0"/>
+          <a:chExt cx="0" cy="0"/>
+        </a:xfrm>
+      </p:grpSpPr>
+      <p:sp>
+        <p:nvSpPr>
+          <p:cNvPr id="2" name="TextBox 1">
+            <a:extLst>
+              <a:ext uri="{FF2B5EF4-FFF2-40B4-BE49-F238E27FC236}">
+                <a16:creationId xmlns:a16="http://schemas.microsoft.com/office/drawing/2014/main" id="{DCDFEA4E-C854-52B1-D93C-D7C8C138C5D9}"/>
+              </a:ext>
+            </a:extLst>
+          </p:cNvPr>
+          <p:cNvSpPr txBox="1"/>
+          <p:nvPr/>
+        </p:nvSpPr>
+        <p:spPr>
+          <a:xfrm>
+            <a:off x="285226" y="243281"/>
+            <a:ext cx="2783134" cy="369332"/>
+          </a:xfrm>
+          <a:prstGeom prst="rect">
+            <a:avLst/>
+          </a:prstGeom>
+          <a:noFill/>
+        </p:spPr>
+        <p:txBody>
+          <a:bodyPr wrap="none" rtlCol="0">
+            <a:spAutoFit/>
+          </a:bodyPr>
+          <a:lstStyle/>
+          <a:p>
+            <a:r>
+              <a:rPr lang="ko-KR" altLang="en-US" dirty="0"/>
+              <a:t>대화 의뢰 </a:t>
+            </a:r>
+            <a:r>
+              <a:rPr lang="en-US" altLang="ko-KR" dirty="0"/>
+              <a:t>UI – </a:t>
+            </a:r>
+            <a:r>
+              <a:rPr lang="ko-KR" altLang="en-US" dirty="0"/>
+              <a:t>의견 조합</a:t>
+            </a:r>
+          </a:p>
+        </p:txBody>
+      </p:sp>
+      <p:sp>
+        <p:nvSpPr>
+          <p:cNvPr id="35" name="직사각형 34">
+            <a:extLst>
+              <a:ext uri="{FF2B5EF4-FFF2-40B4-BE49-F238E27FC236}">
+                <a16:creationId xmlns:a16="http://schemas.microsoft.com/office/drawing/2014/main" id="{06C436B3-AA24-3805-4C2F-243F662A3D28}"/>
+              </a:ext>
+            </a:extLst>
+          </p:cNvPr>
+          <p:cNvSpPr>
+            <a:spLocks noChangeAspect="1"/>
+          </p:cNvSpPr>
+          <p:nvPr/>
+        </p:nvSpPr>
+        <p:spPr>
+          <a:xfrm>
+            <a:off x="1054216" y="830510"/>
+            <a:ext cx="10083567" cy="5672006"/>
+          </a:xfrm>
+          <a:prstGeom prst="rect">
+            <a:avLst/>
+          </a:prstGeom>
+          <a:solidFill>
+            <a:schemeClr val="bg1">
+              <a:lumMod val="75000"/>
+            </a:schemeClr>
+          </a:solidFill>
+          <a:ln>
+            <a:noFill/>
+          </a:ln>
+        </p:spPr>
+        <p:style>
+          <a:lnRef idx="2">
+            <a:schemeClr val="accent1">
+              <a:shade val="50000"/>
+            </a:schemeClr>
+          </a:lnRef>
+          <a:fillRef idx="1">
+            <a:schemeClr val="accent1"/>
+          </a:fillRef>
+          <a:effectRef idx="0">
+            <a:schemeClr val="accent1"/>
+          </a:effectRef>
+          <a:fontRef idx="minor">
+            <a:schemeClr val="lt1"/>
+          </a:fontRef>
+        </p:style>
+        <p:txBody>
+          <a:bodyPr rtlCol="0" anchor="ctr"/>
+          <a:lstStyle/>
+          <a:p>
+            <a:pPr algn="ctr"/>
+            <a:endParaRPr lang="ko-KR" altLang="en-US" dirty="0"/>
+          </a:p>
+        </p:txBody>
+      </p:sp>
+      <p:sp>
+        <p:nvSpPr>
+          <p:cNvPr id="36" name="직사각형 35">
+            <a:extLst>
+              <a:ext uri="{FF2B5EF4-FFF2-40B4-BE49-F238E27FC236}">
+                <a16:creationId xmlns:a16="http://schemas.microsoft.com/office/drawing/2014/main" id="{0FC8AF8D-4B83-7364-D694-170C7ED6F233}"/>
+              </a:ext>
+            </a:extLst>
+          </p:cNvPr>
+          <p:cNvSpPr/>
+          <p:nvPr/>
+        </p:nvSpPr>
+        <p:spPr>
+          <a:xfrm>
+            <a:off x="9725635" y="1719528"/>
+            <a:ext cx="1291906" cy="2391076"/>
+          </a:xfrm>
+          <a:prstGeom prst="rect">
+            <a:avLst/>
+          </a:prstGeom>
+          <a:solidFill>
+            <a:srgbClr val="92D050"/>
+          </a:solidFill>
+          <a:ln>
+            <a:solidFill>
+              <a:schemeClr val="tx1"/>
+            </a:solidFill>
+          </a:ln>
+        </p:spPr>
+        <p:style>
+          <a:lnRef idx="2">
+            <a:schemeClr val="accent1">
+              <a:shade val="50000"/>
+            </a:schemeClr>
+          </a:lnRef>
+          <a:fillRef idx="1">
+            <a:schemeClr val="accent1"/>
+          </a:fillRef>
+          <a:effectRef idx="0">
+            <a:schemeClr val="accent1"/>
+          </a:effectRef>
+          <a:fontRef idx="minor">
+            <a:schemeClr val="lt1"/>
+          </a:fontRef>
+        </p:style>
+        <p:txBody>
+          <a:bodyPr rtlCol="0" anchor="ctr"/>
+          <a:lstStyle/>
+          <a:p>
+            <a:r>
+              <a:rPr lang="ko-KR" altLang="en-US" sz="1400" b="1" dirty="0">
+                <a:solidFill>
+                  <a:schemeClr val="tx1"/>
+                </a:solidFill>
+              </a:rPr>
+              <a:t>의뢰 제목</a:t>
+            </a:r>
+            <a:endParaRPr lang="en-US" altLang="ko-KR" sz="1400" b="1" dirty="0">
+              <a:solidFill>
+                <a:schemeClr val="tx1"/>
+              </a:solidFill>
+            </a:endParaRPr>
+          </a:p>
+          <a:p>
+            <a:r>
+              <a:rPr lang="en-US" altLang="ko-KR" sz="1400" dirty="0">
+                <a:solidFill>
+                  <a:schemeClr val="tx1"/>
+                </a:solidFill>
+              </a:rPr>
+              <a:t>- </a:t>
+            </a:r>
+            <a:r>
+              <a:rPr lang="ko-KR" altLang="en-US" sz="1100" b="1" dirty="0">
+                <a:solidFill>
+                  <a:schemeClr val="tx1"/>
+                </a:solidFill>
+              </a:rPr>
+              <a:t>의뢰 목표</a:t>
+            </a:r>
+            <a:endParaRPr lang="en-US" altLang="ko-KR" sz="1000" dirty="0">
+              <a:solidFill>
+                <a:schemeClr val="tx1"/>
+              </a:solidFill>
+            </a:endParaRPr>
+          </a:p>
+          <a:p>
+            <a:r>
+              <a:rPr lang="en-US" altLang="ko-KR" sz="1400" strike="sngStrike" dirty="0">
+                <a:solidFill>
+                  <a:schemeClr val="tx1"/>
+                </a:solidFill>
+              </a:rPr>
+              <a:t>- </a:t>
+            </a:r>
+            <a:r>
+              <a:rPr lang="ko-KR" altLang="en-US" sz="1100" b="1" strike="sngStrike" dirty="0">
+                <a:solidFill>
+                  <a:schemeClr val="tx1"/>
+                </a:solidFill>
+              </a:rPr>
+              <a:t>의뢰 목표</a:t>
+            </a:r>
+            <a:endParaRPr lang="en-US" altLang="ko-KR" sz="1400" strike="sngStrike" dirty="0">
+              <a:solidFill>
+                <a:schemeClr val="tx1"/>
+              </a:solidFill>
+            </a:endParaRPr>
+          </a:p>
+          <a:p>
+            <a:endParaRPr lang="en-US" altLang="ko-KR" sz="1400" dirty="0">
+              <a:solidFill>
+                <a:schemeClr val="tx1"/>
+              </a:solidFill>
+            </a:endParaRPr>
+          </a:p>
+        </p:txBody>
+      </p:sp>
+      <p:sp>
+        <p:nvSpPr>
+          <p:cNvPr id="37" name="직사각형 36">
+            <a:extLst>
+              <a:ext uri="{FF2B5EF4-FFF2-40B4-BE49-F238E27FC236}">
+                <a16:creationId xmlns:a16="http://schemas.microsoft.com/office/drawing/2014/main" id="{5D4E904D-C97D-70E9-A268-79D34EC9DB2F}"/>
+              </a:ext>
+            </a:extLst>
+          </p:cNvPr>
+          <p:cNvSpPr>
+            <a:spLocks noChangeAspect="1"/>
+          </p:cNvSpPr>
+          <p:nvPr/>
+        </p:nvSpPr>
+        <p:spPr>
+          <a:xfrm>
+            <a:off x="2897872" y="1277485"/>
+            <a:ext cx="6396256" cy="3597894"/>
+          </a:xfrm>
+          <a:prstGeom prst="rect">
+            <a:avLst/>
+          </a:prstGeom>
+          <a:solidFill>
+            <a:srgbClr val="FFFF00"/>
+          </a:solidFill>
+          <a:ln>
+            <a:noFill/>
+          </a:ln>
+        </p:spPr>
+        <p:style>
+          <a:lnRef idx="2">
+            <a:schemeClr val="accent1">
+              <a:shade val="50000"/>
+            </a:schemeClr>
+          </a:lnRef>
+          <a:fillRef idx="1">
+            <a:schemeClr val="accent1"/>
+          </a:fillRef>
+          <a:effectRef idx="0">
+            <a:schemeClr val="accent1"/>
+          </a:effectRef>
+          <a:fontRef idx="minor">
+            <a:schemeClr val="lt1"/>
+          </a:fontRef>
+        </p:style>
+        <p:txBody>
+          <a:bodyPr rtlCol="0" anchor="ctr"/>
+          <a:lstStyle/>
+          <a:p>
+            <a:pPr algn="ctr"/>
+            <a:endParaRPr lang="ko-KR" altLang="en-US" dirty="0">
+              <a:solidFill>
+                <a:schemeClr val="tx1"/>
+              </a:solidFill>
+            </a:endParaRPr>
+          </a:p>
+        </p:txBody>
+      </p:sp>
+      <p:sp>
+        <p:nvSpPr>
+          <p:cNvPr id="38" name="직사각형 37">
+            <a:extLst>
+              <a:ext uri="{FF2B5EF4-FFF2-40B4-BE49-F238E27FC236}">
+                <a16:creationId xmlns:a16="http://schemas.microsoft.com/office/drawing/2014/main" id="{513AB07C-20CA-B821-2DC1-A650EE206BC0}"/>
+              </a:ext>
+            </a:extLst>
+          </p:cNvPr>
+          <p:cNvSpPr/>
+          <p:nvPr/>
+        </p:nvSpPr>
+        <p:spPr>
+          <a:xfrm>
+            <a:off x="9169167" y="947955"/>
+            <a:ext cx="1867948" cy="637563"/>
+          </a:xfrm>
+          <a:prstGeom prst="rect">
+            <a:avLst/>
+          </a:prstGeom>
+          <a:solidFill>
+            <a:schemeClr val="accent1">
+              <a:lumMod val="40000"/>
+              <a:lumOff val="60000"/>
+            </a:schemeClr>
+          </a:solidFill>
+          <a:ln>
+            <a:solidFill>
+              <a:schemeClr val="tx1"/>
+            </a:solidFill>
+          </a:ln>
+        </p:spPr>
+        <p:style>
+          <a:lnRef idx="2">
+            <a:schemeClr val="accent1">
+              <a:shade val="50000"/>
+            </a:schemeClr>
+          </a:lnRef>
+          <a:fillRef idx="1">
+            <a:schemeClr val="accent1"/>
+          </a:fillRef>
+          <a:effectRef idx="0">
+            <a:schemeClr val="accent1"/>
+          </a:effectRef>
+          <a:fontRef idx="minor">
+            <a:schemeClr val="lt1"/>
+          </a:fontRef>
+        </p:style>
+        <p:txBody>
+          <a:bodyPr rtlCol="0" anchor="ctr"/>
+          <a:lstStyle/>
+          <a:p>
+            <a:pPr algn="ctr"/>
+            <a:r>
+              <a:rPr lang="ko-KR" altLang="en-US" sz="1600" dirty="0">
+                <a:solidFill>
+                  <a:schemeClr val="tx1"/>
+                </a:solidFill>
+              </a:rPr>
+              <a:t>현재 시간 표시</a:t>
+            </a:r>
+            <a:endParaRPr lang="en-US" altLang="ko-KR" sz="1600" dirty="0">
+              <a:solidFill>
+                <a:schemeClr val="tx1"/>
+              </a:solidFill>
+            </a:endParaRPr>
+          </a:p>
+          <a:p>
+            <a:pPr algn="ctr"/>
+            <a:r>
+              <a:rPr lang="ko-KR" altLang="en-US" sz="1600" dirty="0">
+                <a:solidFill>
+                  <a:srgbClr val="FF0000"/>
+                </a:solidFill>
+              </a:rPr>
+              <a:t>목표 시간 표시</a:t>
+            </a:r>
+          </a:p>
+        </p:txBody>
+      </p:sp>
+      <p:sp>
+        <p:nvSpPr>
+          <p:cNvPr id="39" name="직사각형 38">
+            <a:extLst>
+              <a:ext uri="{FF2B5EF4-FFF2-40B4-BE49-F238E27FC236}">
+                <a16:creationId xmlns:a16="http://schemas.microsoft.com/office/drawing/2014/main" id="{56965FCA-BC3A-54E9-2FEF-EC8EC9136E51}"/>
+              </a:ext>
+            </a:extLst>
+          </p:cNvPr>
+          <p:cNvSpPr/>
+          <p:nvPr/>
+        </p:nvSpPr>
+        <p:spPr>
+          <a:xfrm>
+            <a:off x="1888921" y="5511567"/>
+            <a:ext cx="8414158" cy="811942"/>
+          </a:xfrm>
+          <a:prstGeom prst="rect">
+            <a:avLst/>
+          </a:prstGeom>
+          <a:solidFill>
+            <a:schemeClr val="accent1">
+              <a:lumMod val="40000"/>
+              <a:lumOff val="60000"/>
+            </a:schemeClr>
+          </a:solidFill>
+          <a:ln>
+            <a:noFill/>
+          </a:ln>
+        </p:spPr>
+        <p:style>
+          <a:lnRef idx="2">
+            <a:schemeClr val="accent1">
+              <a:shade val="50000"/>
+            </a:schemeClr>
+          </a:lnRef>
+          <a:fillRef idx="1">
+            <a:schemeClr val="accent1"/>
+          </a:fillRef>
+          <a:effectRef idx="0">
+            <a:schemeClr val="accent1"/>
+          </a:effectRef>
+          <a:fontRef idx="minor">
+            <a:schemeClr val="lt1"/>
+          </a:fontRef>
+        </p:style>
+        <p:txBody>
+          <a:bodyPr rtlCol="0" anchor="ctr"/>
+          <a:lstStyle/>
+          <a:p>
+            <a:pPr algn="ctr"/>
+            <a:r>
+              <a:rPr lang="ko-KR" altLang="en-US" sz="1200" dirty="0">
+                <a:solidFill>
+                  <a:schemeClr val="tx1"/>
+                </a:solidFill>
+              </a:rPr>
+              <a:t>퍼즐 조각 </a:t>
+            </a:r>
+            <a:r>
+              <a:rPr lang="ko-KR" altLang="en-US" sz="1200" dirty="0" err="1">
+                <a:solidFill>
+                  <a:schemeClr val="tx1"/>
+                </a:solidFill>
+              </a:rPr>
+              <a:t>모음판</a:t>
+            </a:r>
+            <a:endParaRPr lang="en-US" altLang="ko-KR" sz="1200" dirty="0">
+              <a:solidFill>
+                <a:schemeClr val="tx1"/>
+              </a:solidFill>
+            </a:endParaRPr>
+          </a:p>
+          <a:p>
+            <a:pPr algn="ctr"/>
+            <a:endParaRPr lang="en-US" altLang="ko-KR" sz="1200" dirty="0">
+              <a:solidFill>
+                <a:schemeClr val="tx1"/>
+              </a:solidFill>
+            </a:endParaRPr>
+          </a:p>
+          <a:p>
+            <a:pPr algn="ctr"/>
+            <a:endParaRPr lang="en-US" altLang="ko-KR" sz="1200" dirty="0">
+              <a:solidFill>
+                <a:schemeClr val="tx1"/>
+              </a:solidFill>
+            </a:endParaRPr>
+          </a:p>
+          <a:p>
+            <a:pPr algn="ctr"/>
+            <a:endParaRPr lang="ko-KR" altLang="en-US" sz="1200" dirty="0">
+              <a:solidFill>
+                <a:schemeClr val="tx1"/>
+              </a:solidFill>
+            </a:endParaRPr>
+          </a:p>
+        </p:txBody>
+      </p:sp>
+      <p:sp>
+        <p:nvSpPr>
+          <p:cNvPr id="52" name="직사각형 51">
+            <a:extLst>
+              <a:ext uri="{FF2B5EF4-FFF2-40B4-BE49-F238E27FC236}">
+                <a16:creationId xmlns:a16="http://schemas.microsoft.com/office/drawing/2014/main" id="{94DFAA60-61C7-7C8A-2FB6-AE786FE5C92E}"/>
+              </a:ext>
+            </a:extLst>
+          </p:cNvPr>
+          <p:cNvSpPr/>
+          <p:nvPr/>
+        </p:nvSpPr>
+        <p:spPr>
+          <a:xfrm>
+            <a:off x="3256325" y="4963615"/>
+            <a:ext cx="5679348" cy="439003"/>
+          </a:xfrm>
+          <a:prstGeom prst="rect">
+            <a:avLst/>
+          </a:prstGeom>
+          <a:solidFill>
+            <a:schemeClr val="accent1">
+              <a:lumMod val="40000"/>
+              <a:lumOff val="60000"/>
+            </a:schemeClr>
+          </a:solidFill>
+          <a:ln>
+            <a:noFill/>
+          </a:ln>
+        </p:spPr>
+        <p:style>
+          <a:lnRef idx="2">
+            <a:schemeClr val="accent1">
+              <a:shade val="50000"/>
+            </a:schemeClr>
+          </a:lnRef>
+          <a:fillRef idx="1">
+            <a:schemeClr val="accent1"/>
+          </a:fillRef>
+          <a:effectRef idx="0">
+            <a:schemeClr val="accent1"/>
+          </a:effectRef>
+          <a:fontRef idx="minor">
+            <a:schemeClr val="lt1"/>
+          </a:fontRef>
+        </p:style>
+        <p:txBody>
+          <a:bodyPr rtlCol="0" anchor="ctr"/>
+          <a:lstStyle/>
+          <a:p>
+            <a:pPr algn="ctr"/>
+            <a:r>
+              <a:rPr lang="ko-KR" altLang="en-US" sz="1200" dirty="0" err="1">
+                <a:solidFill>
+                  <a:schemeClr val="tx1"/>
+                </a:solidFill>
+              </a:rPr>
+              <a:t>대답칸</a:t>
+            </a:r>
+            <a:endParaRPr lang="en-US" altLang="ko-KR" sz="1200" dirty="0">
+              <a:solidFill>
+                <a:schemeClr val="tx1"/>
+              </a:solidFill>
+            </a:endParaRPr>
+          </a:p>
+        </p:txBody>
+      </p:sp>
+      <p:sp>
+        <p:nvSpPr>
+          <p:cNvPr id="3" name="직사각형 2">
+            <a:extLst>
+              <a:ext uri="{FF2B5EF4-FFF2-40B4-BE49-F238E27FC236}">
+                <a16:creationId xmlns:a16="http://schemas.microsoft.com/office/drawing/2014/main" id="{B0C0617B-2077-03BA-A945-BC9D895F6F30}"/>
+              </a:ext>
+            </a:extLst>
+          </p:cNvPr>
+          <p:cNvSpPr>
+            <a:spLocks noChangeAspect="1"/>
+          </p:cNvSpPr>
+          <p:nvPr/>
+        </p:nvSpPr>
+        <p:spPr>
+          <a:xfrm>
+            <a:off x="3022833" y="2571642"/>
+            <a:ext cx="1502157" cy="2189742"/>
+          </a:xfrm>
+          <a:prstGeom prst="rect">
+            <a:avLst/>
+          </a:prstGeom>
+          <a:solidFill>
+            <a:schemeClr val="accent1">
+              <a:lumMod val="40000"/>
+              <a:lumOff val="60000"/>
+            </a:schemeClr>
+          </a:solidFill>
+          <a:ln>
+            <a:noFill/>
+          </a:ln>
+        </p:spPr>
+        <p:style>
+          <a:lnRef idx="2">
+            <a:schemeClr val="accent1">
+              <a:shade val="50000"/>
+            </a:schemeClr>
+          </a:lnRef>
+          <a:fillRef idx="1">
+            <a:schemeClr val="accent1"/>
+          </a:fillRef>
+          <a:effectRef idx="0">
+            <a:schemeClr val="accent1"/>
+          </a:effectRef>
+          <a:fontRef idx="minor">
+            <a:schemeClr val="lt1"/>
+          </a:fontRef>
+        </p:style>
+        <p:txBody>
+          <a:bodyPr rtlCol="0" anchor="ctr"/>
+          <a:lstStyle/>
+          <a:p>
+            <a:pPr algn="ctr"/>
+            <a:r>
+              <a:rPr lang="en-US" altLang="ko-KR" dirty="0">
+                <a:solidFill>
+                  <a:schemeClr val="tx1"/>
+                </a:solidFill>
+              </a:rPr>
+              <a:t>NPC</a:t>
+            </a:r>
+            <a:endParaRPr lang="ko-KR" altLang="en-US" dirty="0">
+              <a:solidFill>
+                <a:schemeClr val="tx1"/>
+              </a:solidFill>
+            </a:endParaRPr>
+          </a:p>
+        </p:txBody>
+      </p:sp>
+      <p:sp>
+        <p:nvSpPr>
+          <p:cNvPr id="4" name="직사각형 3">
+            <a:extLst>
+              <a:ext uri="{FF2B5EF4-FFF2-40B4-BE49-F238E27FC236}">
+                <a16:creationId xmlns:a16="http://schemas.microsoft.com/office/drawing/2014/main" id="{7D919FC3-2193-3153-C44E-B8F6F8599EED}"/>
+              </a:ext>
+            </a:extLst>
+          </p:cNvPr>
+          <p:cNvSpPr>
+            <a:spLocks noChangeAspect="1"/>
+          </p:cNvSpPr>
+          <p:nvPr/>
+        </p:nvSpPr>
+        <p:spPr>
+          <a:xfrm>
+            <a:off x="7667010" y="2580775"/>
+            <a:ext cx="1502157" cy="2189742"/>
+          </a:xfrm>
+          <a:prstGeom prst="rect">
+            <a:avLst/>
+          </a:prstGeom>
+          <a:solidFill>
+            <a:schemeClr val="accent1">
+              <a:lumMod val="40000"/>
+              <a:lumOff val="60000"/>
+            </a:schemeClr>
+          </a:solidFill>
+          <a:ln>
+            <a:noFill/>
+          </a:ln>
+        </p:spPr>
+        <p:style>
+          <a:lnRef idx="2">
+            <a:schemeClr val="accent1">
+              <a:shade val="50000"/>
+            </a:schemeClr>
+          </a:lnRef>
+          <a:fillRef idx="1">
+            <a:schemeClr val="accent1"/>
+          </a:fillRef>
+          <a:effectRef idx="0">
+            <a:schemeClr val="accent1"/>
+          </a:effectRef>
+          <a:fontRef idx="minor">
+            <a:schemeClr val="lt1"/>
+          </a:fontRef>
+        </p:style>
+        <p:txBody>
+          <a:bodyPr rtlCol="0" anchor="ctr"/>
+          <a:lstStyle/>
+          <a:p>
+            <a:pPr algn="ctr"/>
+            <a:r>
+              <a:rPr lang="en-US" altLang="ko-KR" dirty="0">
+                <a:solidFill>
+                  <a:schemeClr val="tx1"/>
+                </a:solidFill>
+              </a:rPr>
+              <a:t>NPC</a:t>
+            </a:r>
+            <a:endParaRPr lang="ko-KR" altLang="en-US" dirty="0">
+              <a:solidFill>
+                <a:schemeClr val="tx1"/>
+              </a:solidFill>
+            </a:endParaRPr>
+          </a:p>
+        </p:txBody>
+      </p:sp>
+      <p:pic>
+        <p:nvPicPr>
+          <p:cNvPr id="14" name="그림 13">
+            <a:extLst>
+              <a:ext uri="{FF2B5EF4-FFF2-40B4-BE49-F238E27FC236}">
+                <a16:creationId xmlns:a16="http://schemas.microsoft.com/office/drawing/2014/main" id="{DFD77CBC-90F4-4D6F-F043-8FA649D5E696}"/>
+              </a:ext>
+            </a:extLst>
+          </p:cNvPr>
+          <p:cNvPicPr>
+            <a:picLocks noChangeAspect="1"/>
+          </p:cNvPicPr>
+          <p:nvPr/>
+        </p:nvPicPr>
+        <p:blipFill>
+          <a:blip r:embed="rId2">
+            <a:extLst>
+              <a:ext uri="{28A0092B-C50C-407E-A947-70E740481C1C}">
+                <a14:useLocalDpi xmlns:a14="http://schemas.microsoft.com/office/drawing/2010/main" val="0"/>
+              </a:ext>
+            </a:extLst>
+          </a:blip>
+          <a:stretch>
+            <a:fillRect/>
+          </a:stretch>
+        </p:blipFill>
+        <p:spPr>
+          <a:xfrm>
+            <a:off x="5078653" y="5011285"/>
+            <a:ext cx="393428" cy="262993"/>
+          </a:xfrm>
+          <a:prstGeom prst="rect">
+            <a:avLst/>
+          </a:prstGeom>
+        </p:spPr>
+      </p:pic>
+      <p:pic>
+        <p:nvPicPr>
+          <p:cNvPr id="15" name="그림 14">
+            <a:extLst>
+              <a:ext uri="{FF2B5EF4-FFF2-40B4-BE49-F238E27FC236}">
+                <a16:creationId xmlns:a16="http://schemas.microsoft.com/office/drawing/2014/main" id="{B4532788-3093-5FFE-4781-13C13FB9F86E}"/>
+              </a:ext>
+            </a:extLst>
+          </p:cNvPr>
+          <p:cNvPicPr>
+            <a:picLocks noChangeAspect="1"/>
+          </p:cNvPicPr>
+          <p:nvPr/>
+        </p:nvPicPr>
+        <p:blipFill>
+          <a:blip r:embed="rId2">
+            <a:extLst>
+              <a:ext uri="{28A0092B-C50C-407E-A947-70E740481C1C}">
+                <a14:useLocalDpi xmlns:a14="http://schemas.microsoft.com/office/drawing/2010/main" val="0"/>
+              </a:ext>
+            </a:extLst>
+          </a:blip>
+          <a:stretch>
+            <a:fillRect/>
+          </a:stretch>
+        </p:blipFill>
+        <p:spPr>
+          <a:xfrm rot="10800000">
+            <a:off x="5449866" y="5024907"/>
+            <a:ext cx="393428" cy="262993"/>
+          </a:xfrm>
+          <a:prstGeom prst="rect">
+            <a:avLst/>
+          </a:prstGeom>
+        </p:spPr>
+      </p:pic>
+      <p:sp>
+        <p:nvSpPr>
+          <p:cNvPr id="60" name="직사각형 59">
+            <a:extLst>
+              <a:ext uri="{FF2B5EF4-FFF2-40B4-BE49-F238E27FC236}">
+                <a16:creationId xmlns:a16="http://schemas.microsoft.com/office/drawing/2014/main" id="{3029AF06-5D1B-7893-F773-4B1DEB29D91C}"/>
+              </a:ext>
+            </a:extLst>
+          </p:cNvPr>
+          <p:cNvSpPr/>
+          <p:nvPr/>
+        </p:nvSpPr>
+        <p:spPr>
+          <a:xfrm>
+            <a:off x="6448861" y="1741955"/>
+            <a:ext cx="1031847" cy="2735026"/>
+          </a:xfrm>
+          <a:prstGeom prst="rect">
+            <a:avLst/>
+          </a:prstGeom>
+          <a:solidFill>
+            <a:schemeClr val="accent4">
+              <a:lumMod val="60000"/>
+              <a:lumOff val="40000"/>
+            </a:schemeClr>
+          </a:solidFill>
+          <a:ln>
+            <a:noFill/>
+          </a:ln>
+        </p:spPr>
+        <p:style>
+          <a:lnRef idx="2">
+            <a:schemeClr val="accent1">
+              <a:shade val="50000"/>
+            </a:schemeClr>
+          </a:lnRef>
+          <a:fillRef idx="1">
+            <a:schemeClr val="accent1"/>
+          </a:fillRef>
+          <a:effectRef idx="0">
+            <a:schemeClr val="accent1"/>
+          </a:effectRef>
+          <a:fontRef idx="minor">
+            <a:schemeClr val="lt1"/>
+          </a:fontRef>
+        </p:style>
+        <p:txBody>
+          <a:bodyPr rtlCol="0" anchor="ctr"/>
+          <a:lstStyle/>
+          <a:p>
+            <a:pPr algn="ctr"/>
+            <a:endParaRPr lang="ko-KR" altLang="en-US"/>
+          </a:p>
+        </p:txBody>
+      </p:sp>
+      <p:cxnSp>
+        <p:nvCxnSpPr>
+          <p:cNvPr id="61" name="직선 연결선 60">
+            <a:extLst>
+              <a:ext uri="{FF2B5EF4-FFF2-40B4-BE49-F238E27FC236}">
+                <a16:creationId xmlns:a16="http://schemas.microsoft.com/office/drawing/2014/main" id="{8526FB13-1928-7F44-1E4C-F1D03E71BAA9}"/>
+              </a:ext>
+            </a:extLst>
+          </p:cNvPr>
+          <p:cNvCxnSpPr>
+            <a:cxnSpLocks/>
+          </p:cNvCxnSpPr>
+          <p:nvPr/>
+        </p:nvCxnSpPr>
+        <p:spPr>
+          <a:xfrm>
+            <a:off x="6460178" y="4499408"/>
+            <a:ext cx="1009212" cy="0"/>
+          </a:xfrm>
+          <a:prstGeom prst="line">
+            <a:avLst/>
+          </a:prstGeom>
+          <a:ln w="57150">
+            <a:solidFill>
+              <a:srgbClr val="FF0000"/>
+            </a:solidFill>
+          </a:ln>
+        </p:spPr>
+        <p:style>
+          <a:lnRef idx="1">
+            <a:schemeClr val="accent1"/>
+          </a:lnRef>
+          <a:fillRef idx="0">
+            <a:schemeClr val="accent1"/>
+          </a:fillRef>
+          <a:effectRef idx="0">
+            <a:schemeClr val="accent1"/>
+          </a:effectRef>
+          <a:fontRef idx="minor">
+            <a:schemeClr val="tx1"/>
+          </a:fontRef>
+        </p:style>
+      </p:cxnSp>
+      <p:cxnSp>
+        <p:nvCxnSpPr>
+          <p:cNvPr id="62" name="직선 연결선 61">
+            <a:extLst>
+              <a:ext uri="{FF2B5EF4-FFF2-40B4-BE49-F238E27FC236}">
+                <a16:creationId xmlns:a16="http://schemas.microsoft.com/office/drawing/2014/main" id="{DAE91ED1-1E11-109D-9BAB-8399B7B38F9E}"/>
+              </a:ext>
+            </a:extLst>
+          </p:cNvPr>
+          <p:cNvCxnSpPr>
+            <a:cxnSpLocks/>
+          </p:cNvCxnSpPr>
+          <p:nvPr/>
+        </p:nvCxnSpPr>
+        <p:spPr>
+          <a:xfrm>
+            <a:off x="6460178" y="1764382"/>
+            <a:ext cx="1009212" cy="0"/>
+          </a:xfrm>
+          <a:prstGeom prst="line">
+            <a:avLst/>
+          </a:prstGeom>
+          <a:ln w="57150">
+            <a:solidFill>
+              <a:srgbClr val="FF0000"/>
+            </a:solidFill>
+          </a:ln>
+        </p:spPr>
+        <p:style>
+          <a:lnRef idx="1">
+            <a:schemeClr val="accent1"/>
+          </a:lnRef>
+          <a:fillRef idx="0">
+            <a:schemeClr val="accent1"/>
+          </a:fillRef>
+          <a:effectRef idx="0">
+            <a:schemeClr val="accent1"/>
+          </a:effectRef>
+          <a:fontRef idx="minor">
+            <a:schemeClr val="tx1"/>
+          </a:fontRef>
+        </p:style>
+      </p:cxnSp>
+      <p:grpSp>
+        <p:nvGrpSpPr>
+          <p:cNvPr id="64" name="그룹 63">
+            <a:extLst>
+              <a:ext uri="{FF2B5EF4-FFF2-40B4-BE49-F238E27FC236}">
+                <a16:creationId xmlns:a16="http://schemas.microsoft.com/office/drawing/2014/main" id="{60C5C14D-0B3B-4020-AFDD-84BCC9F993CF}"/>
+              </a:ext>
+            </a:extLst>
+          </p:cNvPr>
+          <p:cNvGrpSpPr/>
+          <p:nvPr/>
+        </p:nvGrpSpPr>
+        <p:grpSpPr>
+          <a:xfrm>
+            <a:off x="4635171" y="1742225"/>
+            <a:ext cx="1031847" cy="2735026"/>
+            <a:chOff x="4635442" y="1719528"/>
+            <a:chExt cx="1031847" cy="2735026"/>
+          </a:xfrm>
+        </p:grpSpPr>
+        <p:sp>
+          <p:nvSpPr>
+            <p:cNvPr id="65" name="직사각형 64">
+              <a:extLst>
+                <a:ext uri="{FF2B5EF4-FFF2-40B4-BE49-F238E27FC236}">
+                  <a16:creationId xmlns:a16="http://schemas.microsoft.com/office/drawing/2014/main" id="{9BE26C3B-840E-ECCD-CA0E-D5917A7A6BFF}"/>
+                </a:ext>
+              </a:extLst>
+            </p:cNvPr>
+            <p:cNvSpPr/>
+            <p:nvPr/>
+          </p:nvSpPr>
+          <p:spPr>
+            <a:xfrm>
+              <a:off x="4635442" y="1719528"/>
+              <a:ext cx="1031847" cy="2735026"/>
+            </a:xfrm>
+            <a:prstGeom prst="rect">
+              <a:avLst/>
+            </a:prstGeom>
+            <a:solidFill>
+              <a:schemeClr val="accent4">
+                <a:lumMod val="60000"/>
+                <a:lumOff val="40000"/>
+              </a:schemeClr>
+            </a:solidFill>
+            <a:ln>
+              <a:noFill/>
+            </a:ln>
+          </p:spPr>
+          <p:style>
+            <a:lnRef idx="2">
+              <a:schemeClr val="accent1">
+                <a:shade val="50000"/>
+              </a:schemeClr>
+            </a:lnRef>
+            <a:fillRef idx="1">
+              <a:schemeClr val="accent1"/>
+            </a:fillRef>
+            <a:effectRef idx="0">
+              <a:schemeClr val="accent1"/>
+            </a:effectRef>
+            <a:fontRef idx="minor">
+              <a:schemeClr val="lt1"/>
+            </a:fontRef>
+          </p:style>
+          <p:txBody>
+            <a:bodyPr rtlCol="0" anchor="ctr"/>
+            <a:lstStyle/>
+            <a:p>
+              <a:pPr algn="ctr"/>
+              <a:endParaRPr lang="ko-KR" altLang="en-US"/>
+            </a:p>
+          </p:txBody>
+        </p:sp>
+        <p:cxnSp>
+          <p:nvCxnSpPr>
+            <p:cNvPr id="66" name="직선 연결선 65">
+              <a:extLst>
+                <a:ext uri="{FF2B5EF4-FFF2-40B4-BE49-F238E27FC236}">
+                  <a16:creationId xmlns:a16="http://schemas.microsoft.com/office/drawing/2014/main" id="{F73F3830-D953-93DD-1C88-E68750EEDC86}"/>
+                </a:ext>
+              </a:extLst>
+            </p:cNvPr>
+            <p:cNvCxnSpPr>
+              <a:cxnSpLocks/>
+            </p:cNvCxnSpPr>
+            <p:nvPr/>
+          </p:nvCxnSpPr>
+          <p:spPr>
+            <a:xfrm>
+              <a:off x="4646759" y="4454554"/>
+              <a:ext cx="1009212" cy="0"/>
+            </a:xfrm>
+            <a:prstGeom prst="line">
+              <a:avLst/>
+            </a:prstGeom>
+            <a:ln w="57150">
+              <a:solidFill>
+                <a:srgbClr val="FF0000"/>
+              </a:solidFill>
+            </a:ln>
+          </p:spPr>
+          <p:style>
+            <a:lnRef idx="1">
+              <a:schemeClr val="accent1"/>
+            </a:lnRef>
+            <a:fillRef idx="0">
+              <a:schemeClr val="accent1"/>
+            </a:fillRef>
+            <a:effectRef idx="0">
+              <a:schemeClr val="accent1"/>
+            </a:effectRef>
+            <a:fontRef idx="minor">
+              <a:schemeClr val="tx1"/>
+            </a:fontRef>
+          </p:style>
+        </p:cxnSp>
+        <p:cxnSp>
+          <p:nvCxnSpPr>
+            <p:cNvPr id="67" name="직선 연결선 66">
+              <a:extLst>
+                <a:ext uri="{FF2B5EF4-FFF2-40B4-BE49-F238E27FC236}">
+                  <a16:creationId xmlns:a16="http://schemas.microsoft.com/office/drawing/2014/main" id="{B94AAAA0-AE5E-FC5E-4733-D32D6B3536A8}"/>
+                </a:ext>
+              </a:extLst>
+            </p:cNvPr>
+            <p:cNvCxnSpPr>
+              <a:cxnSpLocks/>
+            </p:cNvCxnSpPr>
+            <p:nvPr/>
+          </p:nvCxnSpPr>
+          <p:spPr>
+            <a:xfrm>
+              <a:off x="4646759" y="1719528"/>
+              <a:ext cx="1009212" cy="0"/>
+            </a:xfrm>
+            <a:prstGeom prst="line">
+              <a:avLst/>
+            </a:prstGeom>
+            <a:ln w="57150">
+              <a:solidFill>
+                <a:srgbClr val="FF0000"/>
+              </a:solidFill>
+            </a:ln>
+          </p:spPr>
+          <p:style>
+            <a:lnRef idx="1">
+              <a:schemeClr val="accent1"/>
+            </a:lnRef>
+            <a:fillRef idx="0">
+              <a:schemeClr val="accent1"/>
+            </a:fillRef>
+            <a:effectRef idx="0">
+              <a:schemeClr val="accent1"/>
+            </a:effectRef>
+            <a:fontRef idx="minor">
+              <a:schemeClr val="tx1"/>
+            </a:fontRef>
+          </p:style>
+        </p:cxnSp>
+      </p:grpSp>
+      <p:grpSp>
+        <p:nvGrpSpPr>
+          <p:cNvPr id="59" name="그룹 58">
+            <a:extLst>
+              <a:ext uri="{FF2B5EF4-FFF2-40B4-BE49-F238E27FC236}">
+                <a16:creationId xmlns:a16="http://schemas.microsoft.com/office/drawing/2014/main" id="{53A0E670-9157-C760-CA4B-0B17B34B7DE6}"/>
+              </a:ext>
+            </a:extLst>
+          </p:cNvPr>
+          <p:cNvGrpSpPr/>
+          <p:nvPr/>
+        </p:nvGrpSpPr>
+        <p:grpSpPr>
+          <a:xfrm>
+            <a:off x="6479098" y="3298781"/>
+            <a:ext cx="996892" cy="499523"/>
+            <a:chOff x="6479097" y="3321089"/>
+            <a:chExt cx="996892" cy="499523"/>
+          </a:xfrm>
+        </p:grpSpPr>
+        <p:sp>
+          <p:nvSpPr>
+            <p:cNvPr id="6" name="말풍선: 사각형 5">
+              <a:extLst>
+                <a:ext uri="{FF2B5EF4-FFF2-40B4-BE49-F238E27FC236}">
+                  <a16:creationId xmlns:a16="http://schemas.microsoft.com/office/drawing/2014/main" id="{F0999651-C005-E1F0-1555-635B197F1514}"/>
+                </a:ext>
+              </a:extLst>
+            </p:cNvPr>
+            <p:cNvSpPr/>
+            <p:nvPr/>
+          </p:nvSpPr>
+          <p:spPr>
+            <a:xfrm>
+              <a:off x="6479097" y="3321089"/>
+              <a:ext cx="996892" cy="499523"/>
+            </a:xfrm>
+            <a:prstGeom prst="wedgeRectCallout">
+              <a:avLst>
+                <a:gd name="adj1" fmla="val 45741"/>
+                <a:gd name="adj2" fmla="val 106990"/>
+              </a:avLst>
+            </a:prstGeom>
+            <a:solidFill>
+              <a:schemeClr val="tx2">
+                <a:lumMod val="60000"/>
+                <a:lumOff val="40000"/>
+              </a:schemeClr>
+            </a:solidFill>
+            <a:ln>
+              <a:noFill/>
+            </a:ln>
+          </p:spPr>
+          <p:style>
+            <a:lnRef idx="2">
+              <a:schemeClr val="accent1">
+                <a:shade val="50000"/>
+              </a:schemeClr>
+            </a:lnRef>
+            <a:fillRef idx="1">
+              <a:schemeClr val="accent1"/>
+            </a:fillRef>
+            <a:effectRef idx="0">
+              <a:schemeClr val="accent1"/>
+            </a:effectRef>
+            <a:fontRef idx="minor">
+              <a:schemeClr val="lt1"/>
+            </a:fontRef>
+          </p:style>
+          <p:txBody>
+            <a:bodyPr rtlCol="0" anchor="ctr"/>
+            <a:lstStyle/>
+            <a:p>
+              <a:pPr algn="ctr"/>
+              <a:endParaRPr lang="ko-KR" altLang="en-US"/>
+            </a:p>
+          </p:txBody>
+        </p:sp>
+        <p:pic>
+          <p:nvPicPr>
+            <p:cNvPr id="13" name="그림 12">
+              <a:extLst>
+                <a:ext uri="{FF2B5EF4-FFF2-40B4-BE49-F238E27FC236}">
+                  <a16:creationId xmlns:a16="http://schemas.microsoft.com/office/drawing/2014/main" id="{B6B75929-0FCF-18CD-33E4-D7914A1AE0E9}"/>
+                </a:ext>
+              </a:extLst>
+            </p:cNvPr>
+            <p:cNvPicPr>
+              <a:picLocks noChangeAspect="1"/>
+            </p:cNvPicPr>
+            <p:nvPr/>
+          </p:nvPicPr>
+          <p:blipFill>
+            <a:blip r:embed="rId2">
+              <a:alphaModFix amt="50000"/>
+              <a:extLst>
+                <a:ext uri="{28A0092B-C50C-407E-A947-70E740481C1C}">
+                  <a14:useLocalDpi xmlns:a14="http://schemas.microsoft.com/office/drawing/2010/main" val="0"/>
+                </a:ext>
+              </a:extLst>
+            </a:blip>
+            <a:stretch>
+              <a:fillRect/>
+            </a:stretch>
+          </p:blipFill>
+          <p:spPr>
+            <a:xfrm rot="10800000">
+              <a:off x="6780829" y="3439353"/>
+              <a:ext cx="393428" cy="262993"/>
+            </a:xfrm>
+            <a:prstGeom prst="rect">
+              <a:avLst/>
+            </a:prstGeom>
+          </p:spPr>
+        </p:pic>
+      </p:grpSp>
+      <p:sp>
+        <p:nvSpPr>
+          <p:cNvPr id="26" name="말풍선: 사각형 25">
+            <a:extLst>
+              <a:ext uri="{FF2B5EF4-FFF2-40B4-BE49-F238E27FC236}">
+                <a16:creationId xmlns:a16="http://schemas.microsoft.com/office/drawing/2014/main" id="{50A6EB53-69B6-DB36-ADBD-1F1677202FEB}"/>
+              </a:ext>
+            </a:extLst>
+          </p:cNvPr>
+          <p:cNvSpPr/>
+          <p:nvPr/>
+        </p:nvSpPr>
+        <p:spPr>
+          <a:xfrm>
+            <a:off x="4658077" y="2915066"/>
+            <a:ext cx="996892" cy="499523"/>
+          </a:xfrm>
+          <a:prstGeom prst="wedgeRectCallout">
+            <a:avLst>
+              <a:gd name="adj1" fmla="val -50191"/>
+              <a:gd name="adj2" fmla="val 88517"/>
+            </a:avLst>
+          </a:prstGeom>
+          <a:solidFill>
+            <a:schemeClr val="tx2">
+              <a:lumMod val="60000"/>
+              <a:lumOff val="40000"/>
+            </a:schemeClr>
+          </a:solidFill>
+          <a:ln>
+            <a:noFill/>
+          </a:ln>
+        </p:spPr>
+        <p:style>
+          <a:lnRef idx="2">
+            <a:schemeClr val="accent1">
+              <a:shade val="50000"/>
+            </a:schemeClr>
+          </a:lnRef>
+          <a:fillRef idx="1">
+            <a:schemeClr val="accent1"/>
+          </a:fillRef>
+          <a:effectRef idx="0">
+            <a:schemeClr val="accent1"/>
+          </a:effectRef>
+          <a:fontRef idx="minor">
+            <a:schemeClr val="lt1"/>
+          </a:fontRef>
+        </p:style>
+        <p:txBody>
+          <a:bodyPr rtlCol="0" anchor="ctr"/>
+          <a:lstStyle/>
+          <a:p>
+            <a:pPr algn="ctr"/>
+            <a:endParaRPr lang="ko-KR" altLang="en-US"/>
+          </a:p>
+        </p:txBody>
+      </p:sp>
+      <p:sp>
+        <p:nvSpPr>
+          <p:cNvPr id="27" name="말풍선: 사각형 26">
+            <a:extLst>
+              <a:ext uri="{FF2B5EF4-FFF2-40B4-BE49-F238E27FC236}">
+                <a16:creationId xmlns:a16="http://schemas.microsoft.com/office/drawing/2014/main" id="{931A8689-7A74-E543-0D13-C8CC60F1A33F}"/>
+              </a:ext>
+            </a:extLst>
+          </p:cNvPr>
+          <p:cNvSpPr/>
+          <p:nvPr/>
+        </p:nvSpPr>
+        <p:spPr>
+          <a:xfrm>
+            <a:off x="4658077" y="2148140"/>
+            <a:ext cx="996892" cy="499523"/>
+          </a:xfrm>
+          <a:prstGeom prst="wedgeRectCallout">
+            <a:avLst>
+              <a:gd name="adj1" fmla="val -50191"/>
+              <a:gd name="adj2" fmla="val 88517"/>
+            </a:avLst>
+          </a:prstGeom>
+          <a:solidFill>
+            <a:schemeClr val="tx2">
+              <a:lumMod val="60000"/>
+              <a:lumOff val="40000"/>
+              <a:alpha val="65000"/>
+            </a:schemeClr>
+          </a:solidFill>
+          <a:ln>
+            <a:noFill/>
+          </a:ln>
+        </p:spPr>
+        <p:style>
+          <a:lnRef idx="2">
+            <a:schemeClr val="accent1">
+              <a:shade val="50000"/>
+            </a:schemeClr>
+          </a:lnRef>
+          <a:fillRef idx="1">
+            <a:schemeClr val="accent1"/>
+          </a:fillRef>
+          <a:effectRef idx="0">
+            <a:schemeClr val="accent1"/>
+          </a:effectRef>
+          <a:fontRef idx="minor">
+            <a:schemeClr val="lt1"/>
+          </a:fontRef>
+        </p:style>
+        <p:txBody>
+          <a:bodyPr rtlCol="0" anchor="ctr"/>
+          <a:lstStyle/>
+          <a:p>
+            <a:pPr algn="ctr"/>
+            <a:endParaRPr lang="ko-KR" altLang="en-US"/>
+          </a:p>
+        </p:txBody>
+      </p:sp>
+      <p:pic>
+        <p:nvPicPr>
+          <p:cNvPr id="28" name="그림 27">
+            <a:extLst>
+              <a:ext uri="{FF2B5EF4-FFF2-40B4-BE49-F238E27FC236}">
+                <a16:creationId xmlns:a16="http://schemas.microsoft.com/office/drawing/2014/main" id="{7B5E4683-282A-9DCA-E623-CA9208EC825D}"/>
+              </a:ext>
+            </a:extLst>
+          </p:cNvPr>
+          <p:cNvPicPr>
+            <a:picLocks noChangeAspect="1"/>
+          </p:cNvPicPr>
+          <p:nvPr/>
+        </p:nvPicPr>
+        <p:blipFill>
+          <a:blip r:embed="rId2">
+            <a:alphaModFix amt="65000"/>
+            <a:extLst>
+              <a:ext uri="{28A0092B-C50C-407E-A947-70E740481C1C}">
+                <a14:useLocalDpi xmlns:a14="http://schemas.microsoft.com/office/drawing/2010/main" val="0"/>
+              </a:ext>
+            </a:extLst>
+          </a:blip>
+          <a:stretch>
+            <a:fillRect/>
+          </a:stretch>
+        </p:blipFill>
+        <p:spPr>
+          <a:xfrm>
+            <a:off x="4959809" y="2278878"/>
+            <a:ext cx="393428" cy="262993"/>
+          </a:xfrm>
+          <a:prstGeom prst="rect">
+            <a:avLst/>
+          </a:prstGeom>
+          <a:noFill/>
+        </p:spPr>
+      </p:pic>
+      <p:pic>
+        <p:nvPicPr>
+          <p:cNvPr id="29" name="그림 28">
+            <a:extLst>
+              <a:ext uri="{FF2B5EF4-FFF2-40B4-BE49-F238E27FC236}">
+                <a16:creationId xmlns:a16="http://schemas.microsoft.com/office/drawing/2014/main" id="{2620023B-E56E-E704-B4FC-EC0A45789BD5}"/>
+              </a:ext>
+            </a:extLst>
+          </p:cNvPr>
+          <p:cNvPicPr>
+            <a:picLocks noChangeAspect="1"/>
+          </p:cNvPicPr>
+          <p:nvPr/>
+        </p:nvPicPr>
+        <p:blipFill>
+          <a:blip r:embed="rId2">
+            <a:alphaModFix amt="50000"/>
+            <a:extLst>
+              <a:ext uri="{28A0092B-C50C-407E-A947-70E740481C1C}">
+                <a14:useLocalDpi xmlns:a14="http://schemas.microsoft.com/office/drawing/2010/main" val="0"/>
+              </a:ext>
+            </a:extLst>
+          </a:blip>
+          <a:stretch>
+            <a:fillRect/>
+          </a:stretch>
+        </p:blipFill>
+        <p:spPr>
+          <a:xfrm>
+            <a:off x="4959809" y="3046562"/>
+            <a:ext cx="393428" cy="262993"/>
+          </a:xfrm>
+          <a:prstGeom prst="rect">
+            <a:avLst/>
+          </a:prstGeom>
+        </p:spPr>
+      </p:pic>
+      <p:cxnSp>
+        <p:nvCxnSpPr>
+          <p:cNvPr id="69" name="직선 화살표 연결선 68">
+            <a:extLst>
+              <a:ext uri="{FF2B5EF4-FFF2-40B4-BE49-F238E27FC236}">
+                <a16:creationId xmlns:a16="http://schemas.microsoft.com/office/drawing/2014/main" id="{9D7D17FF-5B74-8367-9FFF-496076D43F9D}"/>
+              </a:ext>
+            </a:extLst>
+          </p:cNvPr>
+          <p:cNvCxnSpPr>
+            <a:cxnSpLocks/>
+            <a:stCxn id="29" idx="2"/>
+            <a:endCxn id="14" idx="0"/>
+          </p:cNvCxnSpPr>
+          <p:nvPr/>
+        </p:nvCxnSpPr>
+        <p:spPr>
+          <a:xfrm>
+            <a:off x="5156523" y="3309555"/>
+            <a:ext cx="118844" cy="1701730"/>
+          </a:xfrm>
+          <a:prstGeom prst="straightConnector1">
+            <a:avLst/>
+          </a:prstGeom>
+          <a:ln w="38100">
+            <a:solidFill>
+              <a:srgbClr val="FF0000"/>
+            </a:solidFill>
+            <a:prstDash val="dash"/>
+            <a:tailEnd type="triangle"/>
+          </a:ln>
+        </p:spPr>
+        <p:style>
+          <a:lnRef idx="1">
+            <a:schemeClr val="accent1"/>
+          </a:lnRef>
+          <a:fillRef idx="0">
+            <a:schemeClr val="accent1"/>
+          </a:fillRef>
+          <a:effectRef idx="0">
+            <a:schemeClr val="accent1"/>
+          </a:effectRef>
+          <a:fontRef idx="minor">
+            <a:schemeClr val="tx1"/>
+          </a:fontRef>
+        </p:style>
+      </p:cxnSp>
+      <p:cxnSp>
+        <p:nvCxnSpPr>
+          <p:cNvPr id="70" name="직선 화살표 연결선 69">
+            <a:extLst>
+              <a:ext uri="{FF2B5EF4-FFF2-40B4-BE49-F238E27FC236}">
+                <a16:creationId xmlns:a16="http://schemas.microsoft.com/office/drawing/2014/main" id="{6798D2C2-4753-3209-F09C-13C74B85C4CC}"/>
+              </a:ext>
+            </a:extLst>
+          </p:cNvPr>
+          <p:cNvCxnSpPr>
+            <a:cxnSpLocks/>
+            <a:stCxn id="13" idx="0"/>
+            <a:endCxn id="15" idx="2"/>
+          </p:cNvCxnSpPr>
+          <p:nvPr/>
+        </p:nvCxnSpPr>
+        <p:spPr>
+          <a:xfrm flipH="1">
+            <a:off x="5646580" y="3680038"/>
+            <a:ext cx="1330964" cy="1344869"/>
+          </a:xfrm>
+          <a:prstGeom prst="straightConnector1">
+            <a:avLst/>
+          </a:prstGeom>
+          <a:ln w="38100">
+            <a:solidFill>
+              <a:srgbClr val="FF0000"/>
+            </a:solidFill>
+            <a:prstDash val="dash"/>
+            <a:tailEnd type="triangle"/>
+          </a:ln>
+        </p:spPr>
+        <p:style>
+          <a:lnRef idx="1">
+            <a:schemeClr val="accent1"/>
+          </a:lnRef>
+          <a:fillRef idx="0">
+            <a:schemeClr val="accent1"/>
+          </a:fillRef>
+          <a:effectRef idx="0">
+            <a:schemeClr val="accent1"/>
+          </a:effectRef>
+          <a:fontRef idx="minor">
+            <a:schemeClr val="tx1"/>
+          </a:fontRef>
+        </p:style>
+      </p:cxnSp>
+      <p:sp>
+        <p:nvSpPr>
+          <p:cNvPr id="75" name="말풍선: 사각형 74">
+            <a:extLst>
+              <a:ext uri="{FF2B5EF4-FFF2-40B4-BE49-F238E27FC236}">
+                <a16:creationId xmlns:a16="http://schemas.microsoft.com/office/drawing/2014/main" id="{DD78FD9F-1B1B-CF0C-465E-232046636AB7}"/>
+              </a:ext>
+            </a:extLst>
+          </p:cNvPr>
+          <p:cNvSpPr/>
+          <p:nvPr/>
+        </p:nvSpPr>
+        <p:spPr>
+          <a:xfrm>
+            <a:off x="3436334" y="1074492"/>
+            <a:ext cx="1642319" cy="463382"/>
+          </a:xfrm>
+          <a:prstGeom prst="wedgeRectCallout">
+            <a:avLst>
+              <a:gd name="adj1" fmla="val 31778"/>
+              <a:gd name="adj2" fmla="val 88526"/>
+            </a:avLst>
+          </a:prstGeom>
+          <a:solidFill>
+            <a:schemeClr val="accent3">
+              <a:lumMod val="75000"/>
+            </a:schemeClr>
+          </a:solidFill>
+          <a:ln>
+            <a:noFill/>
+          </a:ln>
+        </p:spPr>
+        <p:style>
+          <a:lnRef idx="2">
+            <a:schemeClr val="accent1">
+              <a:shade val="50000"/>
+            </a:schemeClr>
+          </a:lnRef>
+          <a:fillRef idx="1">
+            <a:schemeClr val="accent1"/>
+          </a:fillRef>
+          <a:effectRef idx="0">
+            <a:schemeClr val="accent1"/>
+          </a:effectRef>
+          <a:fontRef idx="minor">
+            <a:schemeClr val="lt1"/>
+          </a:fontRef>
+        </p:style>
+        <p:txBody>
+          <a:bodyPr rtlCol="0" anchor="ctr"/>
+          <a:lstStyle/>
+          <a:p>
+            <a:pPr algn="ctr"/>
+            <a:r>
+              <a:rPr lang="ko-KR" altLang="en-US" sz="1000" dirty="0">
+                <a:solidFill>
+                  <a:schemeClr val="bg1"/>
+                </a:solidFill>
+              </a:rPr>
+              <a:t>말풍선이 사라지는 위치</a:t>
+            </a:r>
+            <a:endParaRPr lang="en-US" altLang="ko-KR" sz="1000" dirty="0">
+              <a:solidFill>
+                <a:schemeClr val="bg1"/>
+              </a:solidFill>
+            </a:endParaRPr>
+          </a:p>
+        </p:txBody>
+      </p:sp>
+      <p:sp>
+        <p:nvSpPr>
+          <p:cNvPr id="76" name="말풍선: 사각형 75">
+            <a:extLst>
+              <a:ext uri="{FF2B5EF4-FFF2-40B4-BE49-F238E27FC236}">
+                <a16:creationId xmlns:a16="http://schemas.microsoft.com/office/drawing/2014/main" id="{A4490902-3E0B-971B-AB23-2FFB43F320FC}"/>
+              </a:ext>
+            </a:extLst>
+          </p:cNvPr>
+          <p:cNvSpPr/>
+          <p:nvPr/>
+        </p:nvSpPr>
+        <p:spPr>
+          <a:xfrm>
+            <a:off x="2817867" y="4306971"/>
+            <a:ext cx="1642319" cy="463382"/>
+          </a:xfrm>
+          <a:prstGeom prst="wedgeRectCallout">
+            <a:avLst>
+              <a:gd name="adj1" fmla="val 61405"/>
+              <a:gd name="adj2" fmla="val -14666"/>
+            </a:avLst>
+          </a:prstGeom>
+          <a:solidFill>
+            <a:schemeClr val="accent3">
+              <a:lumMod val="75000"/>
+            </a:schemeClr>
+          </a:solidFill>
+          <a:ln>
+            <a:noFill/>
+          </a:ln>
+        </p:spPr>
+        <p:style>
+          <a:lnRef idx="2">
+            <a:schemeClr val="accent1">
+              <a:shade val="50000"/>
+            </a:schemeClr>
+          </a:lnRef>
+          <a:fillRef idx="1">
+            <a:schemeClr val="accent1"/>
+          </a:fillRef>
+          <a:effectRef idx="0">
+            <a:schemeClr val="accent1"/>
+          </a:effectRef>
+          <a:fontRef idx="minor">
+            <a:schemeClr val="lt1"/>
+          </a:fontRef>
+        </p:style>
+        <p:txBody>
+          <a:bodyPr rtlCol="0" anchor="ctr"/>
+          <a:lstStyle/>
+          <a:p>
+            <a:pPr algn="ctr"/>
+            <a:r>
+              <a:rPr lang="ko-KR" altLang="en-US" sz="1000" dirty="0">
+                <a:solidFill>
+                  <a:schemeClr val="bg1"/>
+                </a:solidFill>
+              </a:rPr>
+              <a:t>말풍선이 나타나는 위치</a:t>
+            </a:r>
+            <a:endParaRPr lang="en-US" altLang="ko-KR" sz="1000" dirty="0">
+              <a:solidFill>
+                <a:schemeClr val="bg1"/>
+              </a:solidFill>
+            </a:endParaRPr>
+          </a:p>
+        </p:txBody>
+      </p:sp>
+      <p:sp>
+        <p:nvSpPr>
+          <p:cNvPr id="77" name="말풍선: 사각형 76">
+            <a:extLst>
+              <a:ext uri="{FF2B5EF4-FFF2-40B4-BE49-F238E27FC236}">
+                <a16:creationId xmlns:a16="http://schemas.microsoft.com/office/drawing/2014/main" id="{6B87CBB6-B95D-5F00-6CEB-CE80DF8BA76D}"/>
+              </a:ext>
+            </a:extLst>
+          </p:cNvPr>
+          <p:cNvSpPr/>
+          <p:nvPr/>
+        </p:nvSpPr>
+        <p:spPr>
+          <a:xfrm>
+            <a:off x="1845302" y="2141009"/>
+            <a:ext cx="2539854" cy="891465"/>
+          </a:xfrm>
+          <a:prstGeom prst="wedgeRectCallout">
+            <a:avLst>
+              <a:gd name="adj1" fmla="val 74056"/>
+              <a:gd name="adj2" fmla="val 65941"/>
+            </a:avLst>
+          </a:prstGeom>
+          <a:solidFill>
+            <a:schemeClr val="accent3">
+              <a:lumMod val="75000"/>
+            </a:schemeClr>
+          </a:solidFill>
+          <a:ln>
+            <a:noFill/>
+          </a:ln>
+        </p:spPr>
+        <p:style>
+          <a:lnRef idx="2">
+            <a:schemeClr val="accent1">
+              <a:shade val="50000"/>
+            </a:schemeClr>
+          </a:lnRef>
+          <a:fillRef idx="1">
+            <a:schemeClr val="accent1"/>
+          </a:fillRef>
+          <a:effectRef idx="0">
+            <a:schemeClr val="accent1"/>
+          </a:effectRef>
+          <a:fontRef idx="minor">
+            <a:schemeClr val="lt1"/>
+          </a:fontRef>
+        </p:style>
+        <p:txBody>
+          <a:bodyPr rtlCol="0" anchor="ctr"/>
+          <a:lstStyle/>
+          <a:p>
+            <a:pPr algn="ctr"/>
+            <a:r>
+              <a:rPr lang="ko-KR" altLang="en-US" sz="1000" dirty="0">
+                <a:solidFill>
+                  <a:schemeClr val="bg1"/>
+                </a:solidFill>
+              </a:rPr>
+              <a:t>합쳤을 때 모양이 같은 말풍선 조각을</a:t>
+            </a:r>
+            <a:endParaRPr lang="en-US" altLang="ko-KR" sz="1000" dirty="0">
+              <a:solidFill>
+                <a:schemeClr val="bg1"/>
+              </a:solidFill>
+            </a:endParaRPr>
+          </a:p>
+          <a:p>
+            <a:pPr algn="ctr"/>
+            <a:r>
+              <a:rPr lang="ko-KR" altLang="en-US" sz="1000" dirty="0">
+                <a:solidFill>
+                  <a:schemeClr val="bg1"/>
+                </a:solidFill>
+              </a:rPr>
+              <a:t>대답 칸으로 끌어 당긴다</a:t>
+            </a:r>
+            <a:r>
+              <a:rPr lang="en-US" altLang="ko-KR" sz="1000" dirty="0">
+                <a:solidFill>
+                  <a:schemeClr val="bg1"/>
+                </a:solidFill>
+              </a:rPr>
+              <a:t>.</a:t>
+            </a:r>
+          </a:p>
+        </p:txBody>
+      </p:sp>
+    </p:spTree>
+    <p:extLst>
+      <p:ext uri="{BB962C8B-B14F-4D97-AF65-F5344CB8AC3E}">
+        <p14:creationId xmlns:p14="http://schemas.microsoft.com/office/powerpoint/2010/main" val="833161218"/>
+      </p:ext>
+    </p:extLst>
+  </p:cSld>
+  <p:clrMapOvr>
+    <a:masterClrMapping/>
+  </p:clrMapOvr>
+</p:sld>
+</file>
+
+<file path=ppt/slides/slide22.xml><?xml version="1.0" encoding="utf-8"?>
+<p:sld xmlns:a="http://schemas.openxmlformats.org/drawingml/2006/main" xmlns:r="http://schemas.openxmlformats.org/officeDocument/2006/relationships" xmlns:p="http://schemas.openxmlformats.org/presentationml/2006/main">
+  <p:cSld>
+    <p:spTree>
+      <p:nvGrpSpPr>
+        <p:cNvPr id="1" name=""/>
+        <p:cNvGrpSpPr/>
+        <p:nvPr/>
+      </p:nvGrpSpPr>
+      <p:grpSpPr>
+        <a:xfrm>
+          <a:off x="0" y="0"/>
+          <a:ext cx="0" cy="0"/>
+          <a:chOff x="0" y="0"/>
+          <a:chExt cx="0" cy="0"/>
+        </a:xfrm>
+      </p:grpSpPr>
+      <p:sp>
+        <p:nvSpPr>
+          <p:cNvPr id="2" name="TextBox 1">
+            <a:extLst>
+              <a:ext uri="{FF2B5EF4-FFF2-40B4-BE49-F238E27FC236}">
+                <a16:creationId xmlns:a16="http://schemas.microsoft.com/office/drawing/2014/main" id="{DCDFEA4E-C854-52B1-D93C-D7C8C138C5D9}"/>
+              </a:ext>
+            </a:extLst>
+          </p:cNvPr>
+          <p:cNvSpPr txBox="1"/>
+          <p:nvPr/>
+        </p:nvSpPr>
+        <p:spPr>
+          <a:xfrm>
+            <a:off x="285226" y="243281"/>
+            <a:ext cx="2783134" cy="369332"/>
+          </a:xfrm>
+          <a:prstGeom prst="rect">
+            <a:avLst/>
+          </a:prstGeom>
+          <a:noFill/>
+        </p:spPr>
+        <p:txBody>
+          <a:bodyPr wrap="none" rtlCol="0">
+            <a:spAutoFit/>
+          </a:bodyPr>
+          <a:lstStyle/>
+          <a:p>
+            <a:r>
+              <a:rPr lang="ko-KR" altLang="en-US" dirty="0"/>
+              <a:t>대화 의뢰 </a:t>
+            </a:r>
+            <a:r>
+              <a:rPr lang="en-US" altLang="ko-KR" dirty="0"/>
+              <a:t>UI – </a:t>
+            </a:r>
+            <a:r>
+              <a:rPr lang="ko-KR" altLang="en-US" dirty="0"/>
               <a:t>위치 표기</a:t>
             </a:r>
           </a:p>
@@ -14897,7 +18057,7 @@
 </p:sld>
 </file>
 
-<file path=ppt/slides/slide21.xml><?xml version="1.0" encoding="utf-8"?>
+<file path=ppt/slides/slide23.xml><?xml version="1.0" encoding="utf-8"?>
 <p:sld xmlns:a="http://schemas.openxmlformats.org/drawingml/2006/main" xmlns:r="http://schemas.openxmlformats.org/officeDocument/2006/relationships" xmlns:p="http://schemas.openxmlformats.org/presentationml/2006/main">
   <p:cSld>
     <p:spTree>
@@ -16020,7 +19180,7 @@
 </p:sld>
 </file>
 
-<file path=ppt/slides/slide22.xml><?xml version="1.0" encoding="utf-8"?>
+<file path=ppt/slides/slide24.xml><?xml version="1.0" encoding="utf-8"?>
 <p:sld xmlns:a="http://schemas.openxmlformats.org/drawingml/2006/main" xmlns:r="http://schemas.openxmlformats.org/officeDocument/2006/relationships" xmlns:p="http://schemas.openxmlformats.org/presentationml/2006/main">
   <p:cSld>
     <p:spTree>
@@ -17486,7 +20646,7 @@
 </p:sld>
 </file>
 
-<file path=ppt/slides/slide23.xml><?xml version="1.0" encoding="utf-8"?>
+<file path=ppt/slides/slide25.xml><?xml version="1.0" encoding="utf-8"?>
 <p:sld xmlns:a="http://schemas.openxmlformats.org/drawingml/2006/main" xmlns:r="http://schemas.openxmlformats.org/officeDocument/2006/relationships" xmlns:p="http://schemas.openxmlformats.org/presentationml/2006/main">
   <p:cSld>
     <p:spTree>
@@ -18148,7 +21308,7 @@
 </p:sld>
 </file>
 
-<file path=ppt/slides/slide24.xml><?xml version="1.0" encoding="utf-8"?>
+<file path=ppt/slides/slide26.xml><?xml version="1.0" encoding="utf-8"?>
 <p:sld xmlns:a="http://schemas.openxmlformats.org/drawingml/2006/main" xmlns:r="http://schemas.openxmlformats.org/officeDocument/2006/relationships" xmlns:p="http://schemas.openxmlformats.org/presentationml/2006/main">
   <p:cSld>
     <p:spTree>
@@ -18845,7 +22005,7 @@
 </p:sld>
 </file>
 
-<file path=ppt/slides/slide25.xml><?xml version="1.0" encoding="utf-8"?>
+<file path=ppt/slides/slide27.xml><?xml version="1.0" encoding="utf-8"?>
 <p:sld xmlns:a="http://schemas.openxmlformats.org/drawingml/2006/main" xmlns:r="http://schemas.openxmlformats.org/officeDocument/2006/relationships" xmlns:p="http://schemas.openxmlformats.org/presentationml/2006/main">
   <p:cSld>
     <p:spTree>
@@ -19655,7 +22815,7 @@
 </p:sld>
 </file>
 
-<file path=ppt/slides/slide26.xml><?xml version="1.0" encoding="utf-8"?>
+<file path=ppt/slides/slide28.xml><?xml version="1.0" encoding="utf-8"?>
 <p:sld xmlns:a="http://schemas.openxmlformats.org/drawingml/2006/main" xmlns:r="http://schemas.openxmlformats.org/officeDocument/2006/relationships" xmlns:p="http://schemas.openxmlformats.org/presentationml/2006/main">
   <p:cSld>
     <p:spTree>
@@ -20876,7 +24036,7 @@
 </p:sld>
 </file>
 
-<file path=ppt/slides/slide27.xml><?xml version="1.0" encoding="utf-8"?>
+<file path=ppt/slides/slide29.xml><?xml version="1.0" encoding="utf-8"?>
 <p:sld xmlns:a="http://schemas.openxmlformats.org/drawingml/2006/main" xmlns:r="http://schemas.openxmlformats.org/officeDocument/2006/relationships" xmlns:p="http://schemas.openxmlformats.org/presentationml/2006/main">
   <p:cSld>
     <p:spTree>
@@ -22143,7 +25303,221 @@
 </p:sld>
 </file>
 
-<file path=ppt/slides/slide28.xml><?xml version="1.0" encoding="utf-8"?>
+<file path=ppt/slides/slide3.xml><?xml version="1.0" encoding="utf-8"?>
+<p:sld xmlns:a="http://schemas.openxmlformats.org/drawingml/2006/main" xmlns:r="http://schemas.openxmlformats.org/officeDocument/2006/relationships" xmlns:p="http://schemas.openxmlformats.org/presentationml/2006/main">
+  <p:cSld>
+    <p:spTree>
+      <p:nvGrpSpPr>
+        <p:cNvPr id="1" name=""/>
+        <p:cNvGrpSpPr/>
+        <p:nvPr/>
+      </p:nvGrpSpPr>
+      <p:grpSpPr>
+        <a:xfrm>
+          <a:off x="0" y="0"/>
+          <a:ext cx="0" cy="0"/>
+          <a:chOff x="0" y="0"/>
+          <a:chExt cx="0" cy="0"/>
+        </a:xfrm>
+      </p:grpSpPr>
+      <p:sp>
+        <p:nvSpPr>
+          <p:cNvPr id="2" name="TextBox 1">
+            <a:extLst>
+              <a:ext uri="{FF2B5EF4-FFF2-40B4-BE49-F238E27FC236}">
+                <a16:creationId xmlns:a16="http://schemas.microsoft.com/office/drawing/2014/main" id="{DCDFEA4E-C854-52B1-D93C-D7C8C138C5D9}"/>
+              </a:ext>
+            </a:extLst>
+          </p:cNvPr>
+          <p:cNvSpPr txBox="1"/>
+          <p:nvPr/>
+        </p:nvSpPr>
+        <p:spPr>
+          <a:xfrm>
+            <a:off x="285226" y="243281"/>
+            <a:ext cx="1696298" cy="369332"/>
+          </a:xfrm>
+          <a:prstGeom prst="rect">
+            <a:avLst/>
+          </a:prstGeom>
+          <a:noFill/>
+        </p:spPr>
+        <p:txBody>
+          <a:bodyPr wrap="none" rtlCol="0">
+            <a:spAutoFit/>
+          </a:bodyPr>
+          <a:lstStyle/>
+          <a:p>
+            <a:r>
+              <a:rPr lang="ko-KR" altLang="en-US" dirty="0"/>
+              <a:t>마을 </a:t>
+            </a:r>
+            <a:r>
+              <a:rPr lang="en-US" altLang="ko-KR" dirty="0"/>
+              <a:t>UI – </a:t>
+            </a:r>
+            <a:r>
+              <a:rPr lang="ko-KR" altLang="en-US" dirty="0"/>
+              <a:t>개요</a:t>
+            </a:r>
+          </a:p>
+        </p:txBody>
+      </p:sp>
+      <p:sp>
+        <p:nvSpPr>
+          <p:cNvPr id="9" name="직사각형 8">
+            <a:extLst>
+              <a:ext uri="{FF2B5EF4-FFF2-40B4-BE49-F238E27FC236}">
+                <a16:creationId xmlns:a16="http://schemas.microsoft.com/office/drawing/2014/main" id="{E4430CF9-58BE-7BFD-040E-ECA6C9AC9A4B}"/>
+              </a:ext>
+            </a:extLst>
+          </p:cNvPr>
+          <p:cNvSpPr>
+            <a:spLocks noChangeAspect="1"/>
+          </p:cNvSpPr>
+          <p:nvPr/>
+        </p:nvSpPr>
+        <p:spPr>
+          <a:xfrm>
+            <a:off x="2466363" y="847288"/>
+            <a:ext cx="7259274" cy="4083341"/>
+          </a:xfrm>
+          <a:prstGeom prst="rect">
+            <a:avLst/>
+          </a:prstGeom>
+          <a:solidFill>
+            <a:schemeClr val="bg1">
+              <a:lumMod val="75000"/>
+            </a:schemeClr>
+          </a:solidFill>
+          <a:ln>
+            <a:noFill/>
+          </a:ln>
+        </p:spPr>
+        <p:style>
+          <a:lnRef idx="2">
+            <a:schemeClr val="accent1">
+              <a:shade val="50000"/>
+            </a:schemeClr>
+          </a:lnRef>
+          <a:fillRef idx="1">
+            <a:schemeClr val="accent1"/>
+          </a:fillRef>
+          <a:effectRef idx="0">
+            <a:schemeClr val="accent1"/>
+          </a:effectRef>
+          <a:fontRef idx="minor">
+            <a:schemeClr val="lt1"/>
+          </a:fontRef>
+        </p:style>
+        <p:txBody>
+          <a:bodyPr rtlCol="0" anchor="ctr"/>
+          <a:lstStyle/>
+          <a:p>
+            <a:pPr algn="ctr"/>
+            <a:endParaRPr lang="ko-KR" altLang="en-US" dirty="0"/>
+          </a:p>
+        </p:txBody>
+      </p:sp>
+      <p:sp>
+        <p:nvSpPr>
+          <p:cNvPr id="3" name="TextBox 2">
+            <a:extLst>
+              <a:ext uri="{FF2B5EF4-FFF2-40B4-BE49-F238E27FC236}">
+                <a16:creationId xmlns:a16="http://schemas.microsoft.com/office/drawing/2014/main" id="{719F6B75-B388-35F5-4A64-0E3B8D6F8BD8}"/>
+              </a:ext>
+            </a:extLst>
+          </p:cNvPr>
+          <p:cNvSpPr txBox="1"/>
+          <p:nvPr/>
+        </p:nvSpPr>
+        <p:spPr>
+          <a:xfrm>
+            <a:off x="469784" y="5209563"/>
+            <a:ext cx="5636479" cy="830997"/>
+          </a:xfrm>
+          <a:prstGeom prst="rect">
+            <a:avLst/>
+          </a:prstGeom>
+          <a:noFill/>
+        </p:spPr>
+        <p:txBody>
+          <a:bodyPr wrap="none" rtlCol="0">
+            <a:spAutoFit/>
+          </a:bodyPr>
+          <a:lstStyle/>
+          <a:p>
+            <a:pPr marL="285750" indent="-285750">
+              <a:buFontTx/>
+              <a:buChar char="-"/>
+            </a:pPr>
+            <a:r>
+              <a:rPr lang="ko-KR" altLang="en-US" sz="1600" dirty="0"/>
+              <a:t>시간외에는 아무 </a:t>
+            </a:r>
+            <a:r>
+              <a:rPr lang="en-US" altLang="ko-KR" sz="1600" dirty="0"/>
+              <a:t>UI</a:t>
+            </a:r>
+            <a:r>
+              <a:rPr lang="ko-KR" altLang="en-US" sz="1600" dirty="0"/>
+              <a:t>가 보이지 않는 형태</a:t>
+            </a:r>
+            <a:endParaRPr lang="en-US" altLang="ko-KR" sz="1600" dirty="0"/>
+          </a:p>
+          <a:p>
+            <a:pPr marL="285750" indent="-285750">
+              <a:buFontTx/>
+              <a:buChar char="-"/>
+            </a:pPr>
+            <a:r>
+              <a:rPr lang="ko-KR" altLang="en-US" sz="1600" dirty="0" err="1"/>
+              <a:t>의뢰주</a:t>
+            </a:r>
+            <a:r>
+              <a:rPr lang="ko-KR" altLang="en-US" sz="1600" dirty="0"/>
+              <a:t> 위에 화살표로 표기가 되어 알아 볼 수 있는 형태</a:t>
+            </a:r>
+            <a:endParaRPr lang="en-US" altLang="ko-KR" sz="1600" dirty="0"/>
+          </a:p>
+          <a:p>
+            <a:pPr marL="285750" indent="-285750">
+              <a:buFontTx/>
+              <a:buChar char="-"/>
+            </a:pPr>
+            <a:r>
+              <a:rPr lang="ko-KR" altLang="en-US" sz="1600" dirty="0"/>
+              <a:t>그 외의 </a:t>
+            </a:r>
+            <a:r>
+              <a:rPr lang="en-US" altLang="ko-KR" sz="1600" dirty="0"/>
+              <a:t>UI</a:t>
+            </a:r>
+            <a:r>
+              <a:rPr lang="ko-KR" altLang="en-US" sz="1600" dirty="0"/>
+              <a:t>는 인벤토리 창을 통해서 확인이 가능하다</a:t>
+            </a:r>
+            <a:r>
+              <a:rPr lang="en-US" altLang="ko-KR" sz="1600" dirty="0"/>
+              <a:t>.</a:t>
+            </a:r>
+          </a:p>
+        </p:txBody>
+      </p:sp>
+    </p:spTree>
+    <p:extLst>
+      <p:ext uri="{BB962C8B-B14F-4D97-AF65-F5344CB8AC3E}">
+        <p14:creationId xmlns:p14="http://schemas.microsoft.com/office/powerpoint/2010/main" val="3326380689"/>
+      </p:ext>
+    </p:extLst>
+  </p:cSld>
+  <p:clrMapOvr>
+    <a:masterClrMapping/>
+  </p:clrMapOvr>
+</p:sld>
+</file>
+
+<file path=ppt/slides/slide30.xml><?xml version="1.0" encoding="utf-8"?>
 <p:sld xmlns:a="http://schemas.openxmlformats.org/drawingml/2006/main" xmlns:r="http://schemas.openxmlformats.org/officeDocument/2006/relationships" xmlns:p="http://schemas.openxmlformats.org/presentationml/2006/main">
   <p:cSld>
     <p:spTree>
@@ -23410,7 +26784,7 @@
 </p:sld>
 </file>
 
-<file path=ppt/slides/slide29.xml><?xml version="1.0" encoding="utf-8"?>
+<file path=ppt/slides/slide31.xml><?xml version="1.0" encoding="utf-8"?>
 <p:sld xmlns:a="http://schemas.openxmlformats.org/drawingml/2006/main" xmlns:r="http://schemas.openxmlformats.org/officeDocument/2006/relationships" xmlns:p="http://schemas.openxmlformats.org/presentationml/2006/main">
   <p:cSld>
     <p:spTree>
@@ -24631,7 +28005,7 @@
 </p:sld>
 </file>
 
-<file path=ppt/slides/slide3.xml><?xml version="1.0" encoding="utf-8"?>
+<file path=ppt/slides/slide32.xml><?xml version="1.0" encoding="utf-8"?>
 <p:sld xmlns:a="http://schemas.openxmlformats.org/drawingml/2006/main" xmlns:r="http://schemas.openxmlformats.org/officeDocument/2006/relationships" xmlns:p="http://schemas.openxmlformats.org/presentationml/2006/main">
   <p:cSld>
     <p:spTree>
@@ -24650,53 +28024,10 @@
       </p:grpSpPr>
       <p:sp>
         <p:nvSpPr>
-          <p:cNvPr id="2" name="TextBox 1">
-            <a:extLst>
-              <a:ext uri="{FF2B5EF4-FFF2-40B4-BE49-F238E27FC236}">
-                <a16:creationId xmlns:a16="http://schemas.microsoft.com/office/drawing/2014/main" id="{DCDFEA4E-C854-52B1-D93C-D7C8C138C5D9}"/>
-              </a:ext>
-            </a:extLst>
-          </p:cNvPr>
-          <p:cNvSpPr txBox="1"/>
-          <p:nvPr/>
-        </p:nvSpPr>
-        <p:spPr>
-          <a:xfrm>
-            <a:off x="285226" y="243281"/>
-            <a:ext cx="1696298" cy="369332"/>
-          </a:xfrm>
-          <a:prstGeom prst="rect">
-            <a:avLst/>
-          </a:prstGeom>
-          <a:noFill/>
-        </p:spPr>
-        <p:txBody>
-          <a:bodyPr wrap="none" rtlCol="0">
-            <a:spAutoFit/>
-          </a:bodyPr>
-          <a:lstStyle/>
-          <a:p>
-            <a:r>
-              <a:rPr lang="ko-KR" altLang="en-US" dirty="0"/>
-              <a:t>마을 </a:t>
-            </a:r>
-            <a:r>
-              <a:rPr lang="en-US" altLang="ko-KR" dirty="0"/>
-              <a:t>UI – </a:t>
-            </a:r>
-            <a:r>
-              <a:rPr lang="ko-KR" altLang="en-US" dirty="0"/>
-              <a:t>개요</a:t>
-            </a:r>
-          </a:p>
-        </p:txBody>
-      </p:sp>
-      <p:sp>
-        <p:nvSpPr>
-          <p:cNvPr id="9" name="직사각형 8">
-            <a:extLst>
-              <a:ext uri="{FF2B5EF4-FFF2-40B4-BE49-F238E27FC236}">
-                <a16:creationId xmlns:a16="http://schemas.microsoft.com/office/drawing/2014/main" id="{E4430CF9-58BE-7BFD-040E-ECA6C9AC9A4B}"/>
+          <p:cNvPr id="2" name="직사각형 1">
+            <a:extLst>
+              <a:ext uri="{FF2B5EF4-FFF2-40B4-BE49-F238E27FC236}">
+                <a16:creationId xmlns:a16="http://schemas.microsoft.com/office/drawing/2014/main" id="{9012275E-74F4-B35D-5309-F21177EBEF00}"/>
               </a:ext>
             </a:extLst>
           </p:cNvPr>
@@ -24707,8 +28038,8 @@
         </p:nvSpPr>
         <p:spPr>
           <a:xfrm>
-            <a:off x="2466363" y="847288"/>
-            <a:ext cx="7259274" cy="4083341"/>
+            <a:off x="1054216" y="830510"/>
+            <a:ext cx="10083567" cy="5672006"/>
           </a:xfrm>
           <a:prstGeom prst="rect">
             <a:avLst/>
@@ -24743,7 +28074,7 @@
           <a:lstStyle/>
           <a:p>
             <a:pPr algn="ctr"/>
-            <a:endParaRPr lang="ko-KR" altLang="en-US" dirty="0"/>
+            <a:endParaRPr lang="ko-KR" altLang="en-US"/>
           </a:p>
         </p:txBody>
       </p:sp>
@@ -24752,7 +28083,7 @@
           <p:cNvPr id="3" name="TextBox 2">
             <a:extLst>
               <a:ext uri="{FF2B5EF4-FFF2-40B4-BE49-F238E27FC236}">
-                <a16:creationId xmlns:a16="http://schemas.microsoft.com/office/drawing/2014/main" id="{719F6B75-B388-35F5-4A64-0E3B8D6F8BD8}"/>
+                <a16:creationId xmlns:a16="http://schemas.microsoft.com/office/drawing/2014/main" id="{F867792B-DF3B-E7E6-9AFA-1B758C57F902}"/>
               </a:ext>
             </a:extLst>
           </p:cNvPr>
@@ -24761,8 +28092,8 @@
         </p:nvSpPr>
         <p:spPr>
           <a:xfrm>
-            <a:off x="469784" y="5209563"/>
-            <a:ext cx="5636479" cy="830997"/>
+            <a:off x="285226" y="243281"/>
+            <a:ext cx="3357009" cy="369332"/>
           </a:xfrm>
           <a:prstGeom prst="rect">
             <a:avLst/>
@@ -24775,67 +28106,859 @@
           </a:bodyPr>
           <a:lstStyle/>
           <a:p>
-            <a:pPr marL="285750" indent="-285750">
-              <a:buFontTx/>
-              <a:buChar char="-"/>
-            </a:pPr>
-            <a:r>
-              <a:rPr lang="ko-KR" altLang="en-US" sz="1600" dirty="0"/>
-              <a:t>시간외에는 아무 </a:t>
-            </a:r>
-            <a:r>
-              <a:rPr lang="en-US" altLang="ko-KR" sz="1600" dirty="0"/>
+            <a:r>
+              <a:rPr lang="ko-KR" altLang="en-US" dirty="0"/>
+              <a:t>비행선 출발 직전 장비 확인 </a:t>
+            </a:r>
+            <a:r>
+              <a:rPr lang="en-US" altLang="ko-KR" dirty="0"/>
               <a:t>UI</a:t>
             </a:r>
-            <a:r>
-              <a:rPr lang="ko-KR" altLang="en-US" sz="1600" dirty="0"/>
-              <a:t>가 보이지 않는 형태</a:t>
-            </a:r>
-            <a:endParaRPr lang="en-US" altLang="ko-KR" sz="1600" dirty="0"/>
-          </a:p>
-          <a:p>
-            <a:pPr marL="285750" indent="-285750">
-              <a:buFontTx/>
-              <a:buChar char="-"/>
-            </a:pPr>
-            <a:r>
-              <a:rPr lang="ko-KR" altLang="en-US" sz="1600" dirty="0" err="1"/>
-              <a:t>의뢰주</a:t>
-            </a:r>
-            <a:r>
-              <a:rPr lang="ko-KR" altLang="en-US" sz="1600" dirty="0"/>
-              <a:t> 위에 화살표로 표기가 되어 알아 볼 수 있는 형태</a:t>
-            </a:r>
-            <a:endParaRPr lang="en-US" altLang="ko-KR" sz="1600" dirty="0"/>
-          </a:p>
-          <a:p>
-            <a:pPr marL="285750" indent="-285750">
-              <a:buFontTx/>
-              <a:buChar char="-"/>
-            </a:pPr>
-            <a:r>
-              <a:rPr lang="ko-KR" altLang="en-US" sz="1600" dirty="0"/>
-              <a:t>그 외의 </a:t>
-            </a:r>
-            <a:r>
-              <a:rPr lang="en-US" altLang="ko-KR" sz="1600" dirty="0"/>
-              <a:t>UI</a:t>
-            </a:r>
-            <a:r>
-              <a:rPr lang="ko-KR" altLang="en-US" sz="1600" dirty="0"/>
-              <a:t>는 인벤토리 창을 통해서 확인이 가능하다</a:t>
-            </a:r>
-            <a:r>
-              <a:rPr lang="en-US" altLang="ko-KR" sz="1600" dirty="0"/>
-              <a:t>.</a:t>
-            </a:r>
+            <a:endParaRPr lang="ko-KR" altLang="en-US" dirty="0"/>
+          </a:p>
+        </p:txBody>
+      </p:sp>
+      <p:sp>
+        <p:nvSpPr>
+          <p:cNvPr id="5" name="직사각형 4">
+            <a:extLst>
+              <a:ext uri="{FF2B5EF4-FFF2-40B4-BE49-F238E27FC236}">
+                <a16:creationId xmlns:a16="http://schemas.microsoft.com/office/drawing/2014/main" id="{5B955FBC-9DDF-BC22-5C66-C0843BFD4A67}"/>
+              </a:ext>
+            </a:extLst>
+          </p:cNvPr>
+          <p:cNvSpPr>
+            <a:spLocks noChangeAspect="1"/>
+          </p:cNvSpPr>
+          <p:nvPr/>
+        </p:nvSpPr>
+        <p:spPr>
+          <a:xfrm>
+            <a:off x="4517471" y="1291904"/>
+            <a:ext cx="3157057" cy="4735586"/>
+          </a:xfrm>
+          <a:prstGeom prst="rect">
+            <a:avLst/>
+          </a:prstGeom>
+          <a:solidFill>
+            <a:schemeClr val="accent1">
+              <a:lumMod val="60000"/>
+              <a:lumOff val="40000"/>
+            </a:schemeClr>
+          </a:solidFill>
+        </p:spPr>
+        <p:style>
+          <a:lnRef idx="2">
+            <a:schemeClr val="accent1">
+              <a:shade val="50000"/>
+            </a:schemeClr>
+          </a:lnRef>
+          <a:fillRef idx="1">
+            <a:schemeClr val="accent1"/>
+          </a:fillRef>
+          <a:effectRef idx="0">
+            <a:schemeClr val="accent1"/>
+          </a:effectRef>
+          <a:fontRef idx="minor">
+            <a:schemeClr val="lt1"/>
+          </a:fontRef>
+        </p:style>
+        <p:txBody>
+          <a:bodyPr rtlCol="0" anchor="ctr"/>
+          <a:lstStyle/>
+          <a:p>
+            <a:pPr algn="ctr"/>
+            <a:r>
+              <a:rPr lang="ko-KR" altLang="en-US" dirty="0">
+                <a:solidFill>
+                  <a:schemeClr val="tx1"/>
+                </a:solidFill>
+              </a:rPr>
+              <a:t>캐릭터</a:t>
+            </a:r>
+          </a:p>
+        </p:txBody>
+      </p:sp>
+      <p:sp>
+        <p:nvSpPr>
+          <p:cNvPr id="11" name="직사각형 10">
+            <a:extLst>
+              <a:ext uri="{FF2B5EF4-FFF2-40B4-BE49-F238E27FC236}">
+                <a16:creationId xmlns:a16="http://schemas.microsoft.com/office/drawing/2014/main" id="{B929CFB1-9C5A-C934-7AC4-77D39EFF731C}"/>
+              </a:ext>
+            </a:extLst>
+          </p:cNvPr>
+          <p:cNvSpPr/>
+          <p:nvPr/>
+        </p:nvSpPr>
+        <p:spPr>
+          <a:xfrm>
+            <a:off x="1373698" y="1845577"/>
+            <a:ext cx="1770077" cy="872455"/>
+          </a:xfrm>
+          <a:prstGeom prst="rect">
+            <a:avLst/>
+          </a:prstGeom>
+        </p:spPr>
+        <p:style>
+          <a:lnRef idx="2">
+            <a:schemeClr val="accent1">
+              <a:shade val="50000"/>
+            </a:schemeClr>
+          </a:lnRef>
+          <a:fillRef idx="1">
+            <a:schemeClr val="accent1"/>
+          </a:fillRef>
+          <a:effectRef idx="0">
+            <a:schemeClr val="accent1"/>
+          </a:effectRef>
+          <a:fontRef idx="minor">
+            <a:schemeClr val="lt1"/>
+          </a:fontRef>
+        </p:style>
+        <p:txBody>
+          <a:bodyPr rtlCol="0" anchor="ctr"/>
+          <a:lstStyle/>
+          <a:p>
+            <a:pPr algn="ctr"/>
+            <a:endParaRPr lang="ko-KR" altLang="en-US" dirty="0"/>
+          </a:p>
+        </p:txBody>
+      </p:sp>
+      <p:sp>
+        <p:nvSpPr>
+          <p:cNvPr id="13" name="직사각형 12">
+            <a:extLst>
+              <a:ext uri="{FF2B5EF4-FFF2-40B4-BE49-F238E27FC236}">
+                <a16:creationId xmlns:a16="http://schemas.microsoft.com/office/drawing/2014/main" id="{EDD753A9-AAA9-9C61-AE80-0F0D7E7973D8}"/>
+              </a:ext>
+            </a:extLst>
+          </p:cNvPr>
+          <p:cNvSpPr/>
+          <p:nvPr/>
+        </p:nvSpPr>
+        <p:spPr>
+          <a:xfrm>
+            <a:off x="1506530" y="2015806"/>
+            <a:ext cx="531995" cy="531995"/>
+          </a:xfrm>
+          <a:prstGeom prst="rect">
+            <a:avLst/>
+          </a:prstGeom>
+          <a:solidFill>
+            <a:srgbClr val="FFFF00"/>
+          </a:solidFill>
+        </p:spPr>
+        <p:style>
+          <a:lnRef idx="2">
+            <a:schemeClr val="accent1">
+              <a:shade val="50000"/>
+            </a:schemeClr>
+          </a:lnRef>
+          <a:fillRef idx="1">
+            <a:schemeClr val="accent1"/>
+          </a:fillRef>
+          <a:effectRef idx="0">
+            <a:schemeClr val="accent1"/>
+          </a:effectRef>
+          <a:fontRef idx="minor">
+            <a:schemeClr val="lt1"/>
+          </a:fontRef>
+        </p:style>
+        <p:txBody>
+          <a:bodyPr rtlCol="0" anchor="ctr"/>
+          <a:lstStyle/>
+          <a:p>
+            <a:pPr algn="ctr"/>
+            <a:r>
+              <a:rPr lang="ko-KR" altLang="en-US" sz="1200" dirty="0">
+                <a:solidFill>
+                  <a:schemeClr val="tx1"/>
+                </a:solidFill>
+              </a:rPr>
+              <a:t>무기</a:t>
+            </a:r>
+          </a:p>
+        </p:txBody>
+      </p:sp>
+      <p:cxnSp>
+        <p:nvCxnSpPr>
+          <p:cNvPr id="15" name="직선 연결선 14">
+            <a:extLst>
+              <a:ext uri="{FF2B5EF4-FFF2-40B4-BE49-F238E27FC236}">
+                <a16:creationId xmlns:a16="http://schemas.microsoft.com/office/drawing/2014/main" id="{FB353EB7-1895-083B-677F-DEA335341EBA}"/>
+              </a:ext>
+            </a:extLst>
+          </p:cNvPr>
+          <p:cNvCxnSpPr>
+            <a:cxnSpLocks/>
+            <a:stCxn id="11" idx="3"/>
+          </p:cNvCxnSpPr>
+          <p:nvPr/>
+        </p:nvCxnSpPr>
+        <p:spPr>
+          <a:xfrm>
+            <a:off x="3143775" y="2281805"/>
+            <a:ext cx="1713451" cy="1468074"/>
+          </a:xfrm>
+          <a:prstGeom prst="line">
+            <a:avLst/>
+          </a:prstGeom>
+          <a:ln w="38100">
+            <a:solidFill>
+              <a:srgbClr val="FF0000"/>
+            </a:solidFill>
+          </a:ln>
+        </p:spPr>
+        <p:style>
+          <a:lnRef idx="1">
+            <a:schemeClr val="accent1"/>
+          </a:lnRef>
+          <a:fillRef idx="0">
+            <a:schemeClr val="accent1"/>
+          </a:fillRef>
+          <a:effectRef idx="0">
+            <a:schemeClr val="accent1"/>
+          </a:effectRef>
+          <a:fontRef idx="minor">
+            <a:schemeClr val="tx1"/>
+          </a:fontRef>
+        </p:style>
+      </p:cxnSp>
+      <p:sp>
+        <p:nvSpPr>
+          <p:cNvPr id="17" name="직사각형 16">
+            <a:extLst>
+              <a:ext uri="{FF2B5EF4-FFF2-40B4-BE49-F238E27FC236}">
+                <a16:creationId xmlns:a16="http://schemas.microsoft.com/office/drawing/2014/main" id="{4D0AD465-2F3A-0DC7-9ABC-AA5255D304D5}"/>
+              </a:ext>
+            </a:extLst>
+          </p:cNvPr>
+          <p:cNvSpPr/>
+          <p:nvPr/>
+        </p:nvSpPr>
+        <p:spPr>
+          <a:xfrm>
+            <a:off x="8245680" y="1754696"/>
+            <a:ext cx="1770077" cy="872455"/>
+          </a:xfrm>
+          <a:prstGeom prst="rect">
+            <a:avLst/>
+          </a:prstGeom>
+        </p:spPr>
+        <p:style>
+          <a:lnRef idx="2">
+            <a:schemeClr val="accent1">
+              <a:shade val="50000"/>
+            </a:schemeClr>
+          </a:lnRef>
+          <a:fillRef idx="1">
+            <a:schemeClr val="accent1"/>
+          </a:fillRef>
+          <a:effectRef idx="0">
+            <a:schemeClr val="accent1"/>
+          </a:effectRef>
+          <a:fontRef idx="minor">
+            <a:schemeClr val="lt1"/>
+          </a:fontRef>
+        </p:style>
+        <p:txBody>
+          <a:bodyPr rtlCol="0" anchor="ctr"/>
+          <a:lstStyle/>
+          <a:p>
+            <a:pPr algn="ctr"/>
+            <a:endParaRPr lang="ko-KR" altLang="en-US" dirty="0"/>
+          </a:p>
+        </p:txBody>
+      </p:sp>
+      <p:sp>
+        <p:nvSpPr>
+          <p:cNvPr id="18" name="직사각형 17">
+            <a:extLst>
+              <a:ext uri="{FF2B5EF4-FFF2-40B4-BE49-F238E27FC236}">
+                <a16:creationId xmlns:a16="http://schemas.microsoft.com/office/drawing/2014/main" id="{062FEC37-0B97-4548-FDDF-FD9EBB4AB069}"/>
+              </a:ext>
+            </a:extLst>
+          </p:cNvPr>
+          <p:cNvSpPr/>
+          <p:nvPr/>
+        </p:nvSpPr>
+        <p:spPr>
+          <a:xfrm>
+            <a:off x="8357896" y="1924925"/>
+            <a:ext cx="531995" cy="531995"/>
+          </a:xfrm>
+          <a:prstGeom prst="rect">
+            <a:avLst/>
+          </a:prstGeom>
+          <a:solidFill>
+            <a:srgbClr val="FFFF00"/>
+          </a:solidFill>
+        </p:spPr>
+        <p:style>
+          <a:lnRef idx="2">
+            <a:schemeClr val="accent1">
+              <a:shade val="50000"/>
+            </a:schemeClr>
+          </a:lnRef>
+          <a:fillRef idx="1">
+            <a:schemeClr val="accent1"/>
+          </a:fillRef>
+          <a:effectRef idx="0">
+            <a:schemeClr val="accent1"/>
+          </a:effectRef>
+          <a:fontRef idx="minor">
+            <a:schemeClr val="lt1"/>
+          </a:fontRef>
+        </p:style>
+        <p:txBody>
+          <a:bodyPr rtlCol="0" anchor="ctr"/>
+          <a:lstStyle/>
+          <a:p>
+            <a:pPr algn="ctr"/>
+            <a:r>
+              <a:rPr lang="ko-KR" altLang="en-US" sz="900" dirty="0">
+                <a:solidFill>
+                  <a:schemeClr val="tx1"/>
+                </a:solidFill>
+              </a:rPr>
+              <a:t>장신구</a:t>
+            </a:r>
+            <a:endParaRPr lang="ko-KR" altLang="en-US" sz="900" dirty="0"/>
+          </a:p>
+        </p:txBody>
+      </p:sp>
+      <p:cxnSp>
+        <p:nvCxnSpPr>
+          <p:cNvPr id="19" name="직선 연결선 18">
+            <a:extLst>
+              <a:ext uri="{FF2B5EF4-FFF2-40B4-BE49-F238E27FC236}">
+                <a16:creationId xmlns:a16="http://schemas.microsoft.com/office/drawing/2014/main" id="{892EE138-D321-F4CE-90C8-999F862C6A1F}"/>
+              </a:ext>
+            </a:extLst>
+          </p:cNvPr>
+          <p:cNvCxnSpPr>
+            <a:cxnSpLocks/>
+            <a:stCxn id="17" idx="1"/>
+          </p:cNvCxnSpPr>
+          <p:nvPr/>
+        </p:nvCxnSpPr>
+        <p:spPr>
+          <a:xfrm flipH="1">
+            <a:off x="7248088" y="2190924"/>
+            <a:ext cx="997592" cy="762001"/>
+          </a:xfrm>
+          <a:prstGeom prst="line">
+            <a:avLst/>
+          </a:prstGeom>
+          <a:ln w="38100">
+            <a:solidFill>
+              <a:srgbClr val="FF0000"/>
+            </a:solidFill>
+          </a:ln>
+        </p:spPr>
+        <p:style>
+          <a:lnRef idx="1">
+            <a:schemeClr val="accent1"/>
+          </a:lnRef>
+          <a:fillRef idx="0">
+            <a:schemeClr val="accent1"/>
+          </a:fillRef>
+          <a:effectRef idx="0">
+            <a:schemeClr val="accent1"/>
+          </a:effectRef>
+          <a:fontRef idx="minor">
+            <a:schemeClr val="tx1"/>
+          </a:fontRef>
+        </p:style>
+      </p:cxnSp>
+      <p:sp>
+        <p:nvSpPr>
+          <p:cNvPr id="22" name="직사각형 21">
+            <a:extLst>
+              <a:ext uri="{FF2B5EF4-FFF2-40B4-BE49-F238E27FC236}">
+                <a16:creationId xmlns:a16="http://schemas.microsoft.com/office/drawing/2014/main" id="{C3CB25FB-89C0-3091-3F4D-85BBF4325ECA}"/>
+              </a:ext>
+            </a:extLst>
+          </p:cNvPr>
+          <p:cNvSpPr/>
+          <p:nvPr/>
+        </p:nvSpPr>
+        <p:spPr>
+          <a:xfrm>
+            <a:off x="8245680" y="3355940"/>
+            <a:ext cx="1770077" cy="872455"/>
+          </a:xfrm>
+          <a:prstGeom prst="rect">
+            <a:avLst/>
+          </a:prstGeom>
+        </p:spPr>
+        <p:style>
+          <a:lnRef idx="2">
+            <a:schemeClr val="accent1">
+              <a:shade val="50000"/>
+            </a:schemeClr>
+          </a:lnRef>
+          <a:fillRef idx="1">
+            <a:schemeClr val="accent1"/>
+          </a:fillRef>
+          <a:effectRef idx="0">
+            <a:schemeClr val="accent1"/>
+          </a:effectRef>
+          <a:fontRef idx="minor">
+            <a:schemeClr val="lt1"/>
+          </a:fontRef>
+        </p:style>
+        <p:txBody>
+          <a:bodyPr rtlCol="0" anchor="ctr"/>
+          <a:lstStyle/>
+          <a:p>
+            <a:pPr algn="ctr"/>
+            <a:endParaRPr lang="ko-KR" altLang="en-US" dirty="0"/>
+          </a:p>
+        </p:txBody>
+      </p:sp>
+      <p:cxnSp>
+        <p:nvCxnSpPr>
+          <p:cNvPr id="23" name="직선 연결선 22">
+            <a:extLst>
+              <a:ext uri="{FF2B5EF4-FFF2-40B4-BE49-F238E27FC236}">
+                <a16:creationId xmlns:a16="http://schemas.microsoft.com/office/drawing/2014/main" id="{1923DC9B-30CA-D7E3-057F-140FBE982E49}"/>
+              </a:ext>
+            </a:extLst>
+          </p:cNvPr>
+          <p:cNvCxnSpPr>
+            <a:cxnSpLocks/>
+            <a:stCxn id="22" idx="1"/>
+          </p:cNvCxnSpPr>
+          <p:nvPr/>
+        </p:nvCxnSpPr>
+        <p:spPr>
+          <a:xfrm flipH="1">
+            <a:off x="7248088" y="3792168"/>
+            <a:ext cx="997592" cy="762001"/>
+          </a:xfrm>
+          <a:prstGeom prst="line">
+            <a:avLst/>
+          </a:prstGeom>
+          <a:ln w="38100">
+            <a:solidFill>
+              <a:srgbClr val="FF0000"/>
+            </a:solidFill>
+          </a:ln>
+        </p:spPr>
+        <p:style>
+          <a:lnRef idx="1">
+            <a:schemeClr val="accent1"/>
+          </a:lnRef>
+          <a:fillRef idx="0">
+            <a:schemeClr val="accent1"/>
+          </a:fillRef>
+          <a:effectRef idx="0">
+            <a:schemeClr val="accent1"/>
+          </a:effectRef>
+          <a:fontRef idx="minor">
+            <a:schemeClr val="tx1"/>
+          </a:fontRef>
+        </p:style>
+      </p:cxnSp>
+      <p:sp>
+        <p:nvSpPr>
+          <p:cNvPr id="24" name="직사각형 23">
+            <a:extLst>
+              <a:ext uri="{FF2B5EF4-FFF2-40B4-BE49-F238E27FC236}">
+                <a16:creationId xmlns:a16="http://schemas.microsoft.com/office/drawing/2014/main" id="{347A3D23-C709-D1C5-F939-AACA88A7D3F7}"/>
+              </a:ext>
+            </a:extLst>
+          </p:cNvPr>
+          <p:cNvSpPr/>
+          <p:nvPr/>
+        </p:nvSpPr>
+        <p:spPr>
+          <a:xfrm>
+            <a:off x="8357895" y="3519885"/>
+            <a:ext cx="531995" cy="531995"/>
+          </a:xfrm>
+          <a:prstGeom prst="rect">
+            <a:avLst/>
+          </a:prstGeom>
+          <a:solidFill>
+            <a:srgbClr val="FFFF00"/>
+          </a:solidFill>
+        </p:spPr>
+        <p:style>
+          <a:lnRef idx="2">
+            <a:schemeClr val="accent1">
+              <a:shade val="50000"/>
+            </a:schemeClr>
+          </a:lnRef>
+          <a:fillRef idx="1">
+            <a:schemeClr val="accent1"/>
+          </a:fillRef>
+          <a:effectRef idx="0">
+            <a:schemeClr val="accent1"/>
+          </a:effectRef>
+          <a:fontRef idx="minor">
+            <a:schemeClr val="lt1"/>
+          </a:fontRef>
+        </p:style>
+        <p:txBody>
+          <a:bodyPr rtlCol="0" anchor="ctr"/>
+          <a:lstStyle/>
+          <a:p>
+            <a:pPr algn="ctr"/>
+            <a:r>
+              <a:rPr lang="ko-KR" altLang="en-US" sz="900" dirty="0">
+                <a:solidFill>
+                  <a:schemeClr val="tx1"/>
+                </a:solidFill>
+              </a:rPr>
+              <a:t>장신구</a:t>
+            </a:r>
+            <a:endParaRPr lang="ko-KR" altLang="en-US" sz="900" dirty="0"/>
+          </a:p>
+        </p:txBody>
+      </p:sp>
+      <p:sp>
+        <p:nvSpPr>
+          <p:cNvPr id="26" name="TextBox 25">
+            <a:extLst>
+              <a:ext uri="{FF2B5EF4-FFF2-40B4-BE49-F238E27FC236}">
+                <a16:creationId xmlns:a16="http://schemas.microsoft.com/office/drawing/2014/main" id="{FD8435DC-BEE3-AD0D-B58B-F7956F43B269}"/>
+              </a:ext>
+            </a:extLst>
+          </p:cNvPr>
+          <p:cNvSpPr txBox="1"/>
+          <p:nvPr/>
+        </p:nvSpPr>
+        <p:spPr>
+          <a:xfrm>
+            <a:off x="2038525" y="2047168"/>
+            <a:ext cx="1008609" cy="276999"/>
+          </a:xfrm>
+          <a:prstGeom prst="rect">
+            <a:avLst/>
+          </a:prstGeom>
+          <a:noFill/>
+        </p:spPr>
+        <p:txBody>
+          <a:bodyPr wrap="none" rtlCol="0">
+            <a:spAutoFit/>
+          </a:bodyPr>
+          <a:lstStyle/>
+          <a:p>
+            <a:r>
+              <a:rPr lang="ko-KR" altLang="en-US" sz="1200">
+                <a:solidFill>
+                  <a:schemeClr val="bg1"/>
+                </a:solidFill>
+              </a:rPr>
+              <a:t>아이템 이름</a:t>
+            </a:r>
+            <a:endParaRPr lang="ko-KR" altLang="en-US" sz="1200" dirty="0">
+              <a:solidFill>
+                <a:schemeClr val="bg1"/>
+              </a:solidFill>
+            </a:endParaRPr>
+          </a:p>
+        </p:txBody>
+      </p:sp>
+      <p:sp>
+        <p:nvSpPr>
+          <p:cNvPr id="27" name="TextBox 26">
+            <a:extLst>
+              <a:ext uri="{FF2B5EF4-FFF2-40B4-BE49-F238E27FC236}">
+                <a16:creationId xmlns:a16="http://schemas.microsoft.com/office/drawing/2014/main" id="{02EA5039-1EFA-3FA5-D07E-9D0DD13C4FF9}"/>
+              </a:ext>
+            </a:extLst>
+          </p:cNvPr>
+          <p:cNvSpPr txBox="1"/>
+          <p:nvPr/>
+        </p:nvSpPr>
+        <p:spPr>
+          <a:xfrm>
+            <a:off x="8895568" y="1930303"/>
+            <a:ext cx="1008609" cy="276999"/>
+          </a:xfrm>
+          <a:prstGeom prst="rect">
+            <a:avLst/>
+          </a:prstGeom>
+          <a:noFill/>
+        </p:spPr>
+        <p:txBody>
+          <a:bodyPr wrap="none" rtlCol="0">
+            <a:spAutoFit/>
+          </a:bodyPr>
+          <a:lstStyle/>
+          <a:p>
+            <a:r>
+              <a:rPr lang="ko-KR" altLang="en-US" sz="1200">
+                <a:solidFill>
+                  <a:schemeClr val="bg1"/>
+                </a:solidFill>
+              </a:rPr>
+              <a:t>아이템 이름</a:t>
+            </a:r>
+            <a:endParaRPr lang="ko-KR" altLang="en-US" sz="1200" dirty="0">
+              <a:solidFill>
+                <a:schemeClr val="bg1"/>
+              </a:solidFill>
+            </a:endParaRPr>
+          </a:p>
+        </p:txBody>
+      </p:sp>
+      <p:sp>
+        <p:nvSpPr>
+          <p:cNvPr id="28" name="TextBox 27">
+            <a:extLst>
+              <a:ext uri="{FF2B5EF4-FFF2-40B4-BE49-F238E27FC236}">
+                <a16:creationId xmlns:a16="http://schemas.microsoft.com/office/drawing/2014/main" id="{1AC45FEF-FEA5-3B30-C30A-9B93D245A864}"/>
+              </a:ext>
+            </a:extLst>
+          </p:cNvPr>
+          <p:cNvSpPr txBox="1"/>
+          <p:nvPr/>
+        </p:nvSpPr>
+        <p:spPr>
+          <a:xfrm>
+            <a:off x="8901851" y="3518688"/>
+            <a:ext cx="1008609" cy="276999"/>
+          </a:xfrm>
+          <a:prstGeom prst="rect">
+            <a:avLst/>
+          </a:prstGeom>
+          <a:noFill/>
+        </p:spPr>
+        <p:txBody>
+          <a:bodyPr wrap="none" rtlCol="0">
+            <a:spAutoFit/>
+          </a:bodyPr>
+          <a:lstStyle/>
+          <a:p>
+            <a:r>
+              <a:rPr lang="ko-KR" altLang="en-US" sz="1200">
+                <a:solidFill>
+                  <a:schemeClr val="bg1"/>
+                </a:solidFill>
+              </a:rPr>
+              <a:t>아이템 이름</a:t>
+            </a:r>
+            <a:endParaRPr lang="ko-KR" altLang="en-US" sz="1200" dirty="0">
+              <a:solidFill>
+                <a:schemeClr val="bg1"/>
+              </a:solidFill>
+            </a:endParaRPr>
+          </a:p>
+        </p:txBody>
+      </p:sp>
+      <p:sp>
+        <p:nvSpPr>
+          <p:cNvPr id="46" name="직사각형 45">
+            <a:extLst>
+              <a:ext uri="{FF2B5EF4-FFF2-40B4-BE49-F238E27FC236}">
+                <a16:creationId xmlns:a16="http://schemas.microsoft.com/office/drawing/2014/main" id="{73536CB2-281B-AAFA-80CD-CAE3958A93F2}"/>
+              </a:ext>
+            </a:extLst>
+          </p:cNvPr>
+          <p:cNvSpPr/>
+          <p:nvPr/>
+        </p:nvSpPr>
+        <p:spPr>
+          <a:xfrm>
+            <a:off x="2188395" y="2339278"/>
+            <a:ext cx="708869" cy="260488"/>
+          </a:xfrm>
+          <a:prstGeom prst="rect">
+            <a:avLst/>
+          </a:prstGeom>
+          <a:solidFill>
+            <a:srgbClr val="92D050"/>
+          </a:solidFill>
+          <a:ln>
+            <a:solidFill>
+              <a:schemeClr val="bg2">
+                <a:lumMod val="75000"/>
+              </a:schemeClr>
+            </a:solidFill>
+          </a:ln>
+        </p:spPr>
+        <p:style>
+          <a:lnRef idx="2">
+            <a:schemeClr val="accent1">
+              <a:shade val="50000"/>
+            </a:schemeClr>
+          </a:lnRef>
+          <a:fillRef idx="1">
+            <a:schemeClr val="accent1"/>
+          </a:fillRef>
+          <a:effectRef idx="0">
+            <a:schemeClr val="accent1"/>
+          </a:effectRef>
+          <a:fontRef idx="minor">
+            <a:schemeClr val="lt1"/>
+          </a:fontRef>
+        </p:style>
+        <p:txBody>
+          <a:bodyPr rtlCol="0" anchor="ctr"/>
+          <a:lstStyle/>
+          <a:p>
+            <a:pPr algn="ctr"/>
+            <a:r>
+              <a:rPr lang="ko-KR" altLang="en-US" sz="1000">
+                <a:solidFill>
+                  <a:schemeClr val="tx1"/>
+                </a:solidFill>
+              </a:rPr>
+              <a:t>변경</a:t>
+            </a:r>
+            <a:endParaRPr lang="ko-KR" altLang="en-US" sz="1000" dirty="0">
+              <a:solidFill>
+                <a:schemeClr val="tx1"/>
+              </a:solidFill>
+            </a:endParaRPr>
+          </a:p>
+        </p:txBody>
+      </p:sp>
+      <p:sp>
+        <p:nvSpPr>
+          <p:cNvPr id="48" name="직사각형 47">
+            <a:extLst>
+              <a:ext uri="{FF2B5EF4-FFF2-40B4-BE49-F238E27FC236}">
+                <a16:creationId xmlns:a16="http://schemas.microsoft.com/office/drawing/2014/main" id="{92B40DE8-A79A-4750-FC74-3FE5230B2AE3}"/>
+              </a:ext>
+            </a:extLst>
+          </p:cNvPr>
+          <p:cNvSpPr/>
+          <p:nvPr/>
+        </p:nvSpPr>
+        <p:spPr>
+          <a:xfrm>
+            <a:off x="9049189" y="2205493"/>
+            <a:ext cx="708869" cy="260488"/>
+          </a:xfrm>
+          <a:prstGeom prst="rect">
+            <a:avLst/>
+          </a:prstGeom>
+          <a:solidFill>
+            <a:srgbClr val="92D050"/>
+          </a:solidFill>
+          <a:ln>
+            <a:solidFill>
+              <a:schemeClr val="bg2">
+                <a:lumMod val="75000"/>
+              </a:schemeClr>
+            </a:solidFill>
+          </a:ln>
+        </p:spPr>
+        <p:style>
+          <a:lnRef idx="2">
+            <a:schemeClr val="accent1">
+              <a:shade val="50000"/>
+            </a:schemeClr>
+          </a:lnRef>
+          <a:fillRef idx="1">
+            <a:schemeClr val="accent1"/>
+          </a:fillRef>
+          <a:effectRef idx="0">
+            <a:schemeClr val="accent1"/>
+          </a:effectRef>
+          <a:fontRef idx="minor">
+            <a:schemeClr val="lt1"/>
+          </a:fontRef>
+        </p:style>
+        <p:txBody>
+          <a:bodyPr rtlCol="0" anchor="ctr"/>
+          <a:lstStyle/>
+          <a:p>
+            <a:pPr algn="ctr"/>
+            <a:r>
+              <a:rPr lang="ko-KR" altLang="en-US" sz="1000">
+                <a:solidFill>
+                  <a:schemeClr val="tx1"/>
+                </a:solidFill>
+              </a:rPr>
+              <a:t>변경</a:t>
+            </a:r>
+            <a:endParaRPr lang="ko-KR" altLang="en-US" sz="1000" dirty="0">
+              <a:solidFill>
+                <a:schemeClr val="tx1"/>
+              </a:solidFill>
+            </a:endParaRPr>
+          </a:p>
+        </p:txBody>
+      </p:sp>
+      <p:sp>
+        <p:nvSpPr>
+          <p:cNvPr id="49" name="직사각형 48">
+            <a:extLst>
+              <a:ext uri="{FF2B5EF4-FFF2-40B4-BE49-F238E27FC236}">
+                <a16:creationId xmlns:a16="http://schemas.microsoft.com/office/drawing/2014/main" id="{AF84815B-91CC-D7EF-E3AF-C877DE70990B}"/>
+              </a:ext>
+            </a:extLst>
+          </p:cNvPr>
+          <p:cNvSpPr/>
+          <p:nvPr/>
+        </p:nvSpPr>
+        <p:spPr>
+          <a:xfrm>
+            <a:off x="9044029" y="3792064"/>
+            <a:ext cx="708869" cy="260488"/>
+          </a:xfrm>
+          <a:prstGeom prst="rect">
+            <a:avLst/>
+          </a:prstGeom>
+          <a:solidFill>
+            <a:srgbClr val="92D050"/>
+          </a:solidFill>
+          <a:ln>
+            <a:solidFill>
+              <a:schemeClr val="bg2">
+                <a:lumMod val="75000"/>
+              </a:schemeClr>
+            </a:solidFill>
+          </a:ln>
+        </p:spPr>
+        <p:style>
+          <a:lnRef idx="2">
+            <a:schemeClr val="accent1">
+              <a:shade val="50000"/>
+            </a:schemeClr>
+          </a:lnRef>
+          <a:fillRef idx="1">
+            <a:schemeClr val="accent1"/>
+          </a:fillRef>
+          <a:effectRef idx="0">
+            <a:schemeClr val="accent1"/>
+          </a:effectRef>
+          <a:fontRef idx="minor">
+            <a:schemeClr val="lt1"/>
+          </a:fontRef>
+        </p:style>
+        <p:txBody>
+          <a:bodyPr rtlCol="0" anchor="ctr"/>
+          <a:lstStyle/>
+          <a:p>
+            <a:pPr algn="ctr"/>
+            <a:r>
+              <a:rPr lang="ko-KR" altLang="en-US" sz="1000">
+                <a:solidFill>
+                  <a:schemeClr val="tx1"/>
+                </a:solidFill>
+              </a:rPr>
+              <a:t>변경</a:t>
+            </a:r>
+            <a:endParaRPr lang="ko-KR" altLang="en-US" sz="1000" dirty="0">
+              <a:solidFill>
+                <a:schemeClr val="tx1"/>
+              </a:solidFill>
+            </a:endParaRPr>
           </a:p>
         </p:txBody>
       </p:sp>
     </p:spTree>
     <p:extLst>
       <p:ext uri="{BB962C8B-B14F-4D97-AF65-F5344CB8AC3E}">
-        <p14:creationId xmlns:p14="http://schemas.microsoft.com/office/powerpoint/2010/main" val="3326380689"/>
+        <p14:creationId xmlns:p14="http://schemas.microsoft.com/office/powerpoint/2010/main" val="3391775122"/>
       </p:ext>
     </p:extLst>
   </p:cSld>
@@ -24845,7 +28968,7 @@
 </p:sld>
 </file>
 
-<file path=ppt/slides/slide30.xml><?xml version="1.0" encoding="utf-8"?>
+<file path=ppt/slides/slide33.xml><?xml version="1.0" encoding="utf-8"?>
 <p:sld xmlns:a="http://schemas.openxmlformats.org/drawingml/2006/main" xmlns:r="http://schemas.openxmlformats.org/officeDocument/2006/relationships" xmlns:p="http://schemas.openxmlformats.org/presentationml/2006/main">
   <p:cSld>
     <p:spTree>
@@ -24933,969 +29056,6 @@
         <p:spPr>
           <a:xfrm>
             <a:off x="285226" y="243281"/>
-            <a:ext cx="3357009" cy="369332"/>
-          </a:xfrm>
-          <a:prstGeom prst="rect">
-            <a:avLst/>
-          </a:prstGeom>
-          <a:noFill/>
-        </p:spPr>
-        <p:txBody>
-          <a:bodyPr wrap="none" rtlCol="0">
-            <a:spAutoFit/>
-          </a:bodyPr>
-          <a:lstStyle/>
-          <a:p>
-            <a:r>
-              <a:rPr lang="ko-KR" altLang="en-US" dirty="0"/>
-              <a:t>비행선 출발 직전 장비 확인 </a:t>
-            </a:r>
-            <a:r>
-              <a:rPr lang="en-US" altLang="ko-KR" dirty="0"/>
-              <a:t>UI</a:t>
-            </a:r>
-            <a:endParaRPr lang="ko-KR" altLang="en-US" dirty="0"/>
-          </a:p>
-        </p:txBody>
-      </p:sp>
-      <p:sp>
-        <p:nvSpPr>
-          <p:cNvPr id="5" name="직사각형 4">
-            <a:extLst>
-              <a:ext uri="{FF2B5EF4-FFF2-40B4-BE49-F238E27FC236}">
-                <a16:creationId xmlns:a16="http://schemas.microsoft.com/office/drawing/2014/main" id="{5B955FBC-9DDF-BC22-5C66-C0843BFD4A67}"/>
-              </a:ext>
-            </a:extLst>
-          </p:cNvPr>
-          <p:cNvSpPr>
-            <a:spLocks noChangeAspect="1"/>
-          </p:cNvSpPr>
-          <p:nvPr/>
-        </p:nvSpPr>
-        <p:spPr>
-          <a:xfrm>
-            <a:off x="4517471" y="1291904"/>
-            <a:ext cx="3157057" cy="4735586"/>
-          </a:xfrm>
-          <a:prstGeom prst="rect">
-            <a:avLst/>
-          </a:prstGeom>
-          <a:solidFill>
-            <a:schemeClr val="accent1">
-              <a:lumMod val="60000"/>
-              <a:lumOff val="40000"/>
-            </a:schemeClr>
-          </a:solidFill>
-        </p:spPr>
-        <p:style>
-          <a:lnRef idx="2">
-            <a:schemeClr val="accent1">
-              <a:shade val="50000"/>
-            </a:schemeClr>
-          </a:lnRef>
-          <a:fillRef idx="1">
-            <a:schemeClr val="accent1"/>
-          </a:fillRef>
-          <a:effectRef idx="0">
-            <a:schemeClr val="accent1"/>
-          </a:effectRef>
-          <a:fontRef idx="minor">
-            <a:schemeClr val="lt1"/>
-          </a:fontRef>
-        </p:style>
-        <p:txBody>
-          <a:bodyPr rtlCol="0" anchor="ctr"/>
-          <a:lstStyle/>
-          <a:p>
-            <a:pPr algn="ctr"/>
-            <a:r>
-              <a:rPr lang="ko-KR" altLang="en-US" dirty="0">
-                <a:solidFill>
-                  <a:schemeClr val="tx1"/>
-                </a:solidFill>
-              </a:rPr>
-              <a:t>캐릭터</a:t>
-            </a:r>
-          </a:p>
-        </p:txBody>
-      </p:sp>
-      <p:sp>
-        <p:nvSpPr>
-          <p:cNvPr id="11" name="직사각형 10">
-            <a:extLst>
-              <a:ext uri="{FF2B5EF4-FFF2-40B4-BE49-F238E27FC236}">
-                <a16:creationId xmlns:a16="http://schemas.microsoft.com/office/drawing/2014/main" id="{B929CFB1-9C5A-C934-7AC4-77D39EFF731C}"/>
-              </a:ext>
-            </a:extLst>
-          </p:cNvPr>
-          <p:cNvSpPr/>
-          <p:nvPr/>
-        </p:nvSpPr>
-        <p:spPr>
-          <a:xfrm>
-            <a:off x="1373698" y="1845577"/>
-            <a:ext cx="1770077" cy="872455"/>
-          </a:xfrm>
-          <a:prstGeom prst="rect">
-            <a:avLst/>
-          </a:prstGeom>
-        </p:spPr>
-        <p:style>
-          <a:lnRef idx="2">
-            <a:schemeClr val="accent1">
-              <a:shade val="50000"/>
-            </a:schemeClr>
-          </a:lnRef>
-          <a:fillRef idx="1">
-            <a:schemeClr val="accent1"/>
-          </a:fillRef>
-          <a:effectRef idx="0">
-            <a:schemeClr val="accent1"/>
-          </a:effectRef>
-          <a:fontRef idx="minor">
-            <a:schemeClr val="lt1"/>
-          </a:fontRef>
-        </p:style>
-        <p:txBody>
-          <a:bodyPr rtlCol="0" anchor="ctr"/>
-          <a:lstStyle/>
-          <a:p>
-            <a:pPr algn="ctr"/>
-            <a:endParaRPr lang="ko-KR" altLang="en-US" dirty="0"/>
-          </a:p>
-        </p:txBody>
-      </p:sp>
-      <p:sp>
-        <p:nvSpPr>
-          <p:cNvPr id="13" name="직사각형 12">
-            <a:extLst>
-              <a:ext uri="{FF2B5EF4-FFF2-40B4-BE49-F238E27FC236}">
-                <a16:creationId xmlns:a16="http://schemas.microsoft.com/office/drawing/2014/main" id="{EDD753A9-AAA9-9C61-AE80-0F0D7E7973D8}"/>
-              </a:ext>
-            </a:extLst>
-          </p:cNvPr>
-          <p:cNvSpPr/>
-          <p:nvPr/>
-        </p:nvSpPr>
-        <p:spPr>
-          <a:xfrm>
-            <a:off x="1506530" y="2015806"/>
-            <a:ext cx="531995" cy="531995"/>
-          </a:xfrm>
-          <a:prstGeom prst="rect">
-            <a:avLst/>
-          </a:prstGeom>
-          <a:solidFill>
-            <a:srgbClr val="FFFF00"/>
-          </a:solidFill>
-        </p:spPr>
-        <p:style>
-          <a:lnRef idx="2">
-            <a:schemeClr val="accent1">
-              <a:shade val="50000"/>
-            </a:schemeClr>
-          </a:lnRef>
-          <a:fillRef idx="1">
-            <a:schemeClr val="accent1"/>
-          </a:fillRef>
-          <a:effectRef idx="0">
-            <a:schemeClr val="accent1"/>
-          </a:effectRef>
-          <a:fontRef idx="minor">
-            <a:schemeClr val="lt1"/>
-          </a:fontRef>
-        </p:style>
-        <p:txBody>
-          <a:bodyPr rtlCol="0" anchor="ctr"/>
-          <a:lstStyle/>
-          <a:p>
-            <a:pPr algn="ctr"/>
-            <a:r>
-              <a:rPr lang="ko-KR" altLang="en-US" sz="1200" dirty="0">
-                <a:solidFill>
-                  <a:schemeClr val="tx1"/>
-                </a:solidFill>
-              </a:rPr>
-              <a:t>무기</a:t>
-            </a:r>
-          </a:p>
-        </p:txBody>
-      </p:sp>
-      <p:cxnSp>
-        <p:nvCxnSpPr>
-          <p:cNvPr id="15" name="직선 연결선 14">
-            <a:extLst>
-              <a:ext uri="{FF2B5EF4-FFF2-40B4-BE49-F238E27FC236}">
-                <a16:creationId xmlns:a16="http://schemas.microsoft.com/office/drawing/2014/main" id="{FB353EB7-1895-083B-677F-DEA335341EBA}"/>
-              </a:ext>
-            </a:extLst>
-          </p:cNvPr>
-          <p:cNvCxnSpPr>
-            <a:cxnSpLocks/>
-            <a:stCxn id="11" idx="3"/>
-          </p:cNvCxnSpPr>
-          <p:nvPr/>
-        </p:nvCxnSpPr>
-        <p:spPr>
-          <a:xfrm>
-            <a:off x="3143775" y="2281805"/>
-            <a:ext cx="1713451" cy="1468074"/>
-          </a:xfrm>
-          <a:prstGeom prst="line">
-            <a:avLst/>
-          </a:prstGeom>
-          <a:ln w="38100">
-            <a:solidFill>
-              <a:srgbClr val="FF0000"/>
-            </a:solidFill>
-          </a:ln>
-        </p:spPr>
-        <p:style>
-          <a:lnRef idx="1">
-            <a:schemeClr val="accent1"/>
-          </a:lnRef>
-          <a:fillRef idx="0">
-            <a:schemeClr val="accent1"/>
-          </a:fillRef>
-          <a:effectRef idx="0">
-            <a:schemeClr val="accent1"/>
-          </a:effectRef>
-          <a:fontRef idx="minor">
-            <a:schemeClr val="tx1"/>
-          </a:fontRef>
-        </p:style>
-      </p:cxnSp>
-      <p:sp>
-        <p:nvSpPr>
-          <p:cNvPr id="17" name="직사각형 16">
-            <a:extLst>
-              <a:ext uri="{FF2B5EF4-FFF2-40B4-BE49-F238E27FC236}">
-                <a16:creationId xmlns:a16="http://schemas.microsoft.com/office/drawing/2014/main" id="{4D0AD465-2F3A-0DC7-9ABC-AA5255D304D5}"/>
-              </a:ext>
-            </a:extLst>
-          </p:cNvPr>
-          <p:cNvSpPr/>
-          <p:nvPr/>
-        </p:nvSpPr>
-        <p:spPr>
-          <a:xfrm>
-            <a:off x="8245680" y="1754696"/>
-            <a:ext cx="1770077" cy="872455"/>
-          </a:xfrm>
-          <a:prstGeom prst="rect">
-            <a:avLst/>
-          </a:prstGeom>
-        </p:spPr>
-        <p:style>
-          <a:lnRef idx="2">
-            <a:schemeClr val="accent1">
-              <a:shade val="50000"/>
-            </a:schemeClr>
-          </a:lnRef>
-          <a:fillRef idx="1">
-            <a:schemeClr val="accent1"/>
-          </a:fillRef>
-          <a:effectRef idx="0">
-            <a:schemeClr val="accent1"/>
-          </a:effectRef>
-          <a:fontRef idx="minor">
-            <a:schemeClr val="lt1"/>
-          </a:fontRef>
-        </p:style>
-        <p:txBody>
-          <a:bodyPr rtlCol="0" anchor="ctr"/>
-          <a:lstStyle/>
-          <a:p>
-            <a:pPr algn="ctr"/>
-            <a:endParaRPr lang="ko-KR" altLang="en-US" dirty="0"/>
-          </a:p>
-        </p:txBody>
-      </p:sp>
-      <p:sp>
-        <p:nvSpPr>
-          <p:cNvPr id="18" name="직사각형 17">
-            <a:extLst>
-              <a:ext uri="{FF2B5EF4-FFF2-40B4-BE49-F238E27FC236}">
-                <a16:creationId xmlns:a16="http://schemas.microsoft.com/office/drawing/2014/main" id="{062FEC37-0B97-4548-FDDF-FD9EBB4AB069}"/>
-              </a:ext>
-            </a:extLst>
-          </p:cNvPr>
-          <p:cNvSpPr/>
-          <p:nvPr/>
-        </p:nvSpPr>
-        <p:spPr>
-          <a:xfrm>
-            <a:off x="8357896" y="1924925"/>
-            <a:ext cx="531995" cy="531995"/>
-          </a:xfrm>
-          <a:prstGeom prst="rect">
-            <a:avLst/>
-          </a:prstGeom>
-          <a:solidFill>
-            <a:srgbClr val="FFFF00"/>
-          </a:solidFill>
-        </p:spPr>
-        <p:style>
-          <a:lnRef idx="2">
-            <a:schemeClr val="accent1">
-              <a:shade val="50000"/>
-            </a:schemeClr>
-          </a:lnRef>
-          <a:fillRef idx="1">
-            <a:schemeClr val="accent1"/>
-          </a:fillRef>
-          <a:effectRef idx="0">
-            <a:schemeClr val="accent1"/>
-          </a:effectRef>
-          <a:fontRef idx="minor">
-            <a:schemeClr val="lt1"/>
-          </a:fontRef>
-        </p:style>
-        <p:txBody>
-          <a:bodyPr rtlCol="0" anchor="ctr"/>
-          <a:lstStyle/>
-          <a:p>
-            <a:pPr algn="ctr"/>
-            <a:r>
-              <a:rPr lang="ko-KR" altLang="en-US" sz="900" dirty="0">
-                <a:solidFill>
-                  <a:schemeClr val="tx1"/>
-                </a:solidFill>
-              </a:rPr>
-              <a:t>장신구</a:t>
-            </a:r>
-            <a:endParaRPr lang="ko-KR" altLang="en-US" sz="900" dirty="0"/>
-          </a:p>
-        </p:txBody>
-      </p:sp>
-      <p:cxnSp>
-        <p:nvCxnSpPr>
-          <p:cNvPr id="19" name="직선 연결선 18">
-            <a:extLst>
-              <a:ext uri="{FF2B5EF4-FFF2-40B4-BE49-F238E27FC236}">
-                <a16:creationId xmlns:a16="http://schemas.microsoft.com/office/drawing/2014/main" id="{892EE138-D321-F4CE-90C8-999F862C6A1F}"/>
-              </a:ext>
-            </a:extLst>
-          </p:cNvPr>
-          <p:cNvCxnSpPr>
-            <a:cxnSpLocks/>
-            <a:stCxn id="17" idx="1"/>
-          </p:cNvCxnSpPr>
-          <p:nvPr/>
-        </p:nvCxnSpPr>
-        <p:spPr>
-          <a:xfrm flipH="1">
-            <a:off x="7248088" y="2190924"/>
-            <a:ext cx="997592" cy="762001"/>
-          </a:xfrm>
-          <a:prstGeom prst="line">
-            <a:avLst/>
-          </a:prstGeom>
-          <a:ln w="38100">
-            <a:solidFill>
-              <a:srgbClr val="FF0000"/>
-            </a:solidFill>
-          </a:ln>
-        </p:spPr>
-        <p:style>
-          <a:lnRef idx="1">
-            <a:schemeClr val="accent1"/>
-          </a:lnRef>
-          <a:fillRef idx="0">
-            <a:schemeClr val="accent1"/>
-          </a:fillRef>
-          <a:effectRef idx="0">
-            <a:schemeClr val="accent1"/>
-          </a:effectRef>
-          <a:fontRef idx="minor">
-            <a:schemeClr val="tx1"/>
-          </a:fontRef>
-        </p:style>
-      </p:cxnSp>
-      <p:sp>
-        <p:nvSpPr>
-          <p:cNvPr id="22" name="직사각형 21">
-            <a:extLst>
-              <a:ext uri="{FF2B5EF4-FFF2-40B4-BE49-F238E27FC236}">
-                <a16:creationId xmlns:a16="http://schemas.microsoft.com/office/drawing/2014/main" id="{C3CB25FB-89C0-3091-3F4D-85BBF4325ECA}"/>
-              </a:ext>
-            </a:extLst>
-          </p:cNvPr>
-          <p:cNvSpPr/>
-          <p:nvPr/>
-        </p:nvSpPr>
-        <p:spPr>
-          <a:xfrm>
-            <a:off x="8245680" y="3355940"/>
-            <a:ext cx="1770077" cy="872455"/>
-          </a:xfrm>
-          <a:prstGeom prst="rect">
-            <a:avLst/>
-          </a:prstGeom>
-        </p:spPr>
-        <p:style>
-          <a:lnRef idx="2">
-            <a:schemeClr val="accent1">
-              <a:shade val="50000"/>
-            </a:schemeClr>
-          </a:lnRef>
-          <a:fillRef idx="1">
-            <a:schemeClr val="accent1"/>
-          </a:fillRef>
-          <a:effectRef idx="0">
-            <a:schemeClr val="accent1"/>
-          </a:effectRef>
-          <a:fontRef idx="minor">
-            <a:schemeClr val="lt1"/>
-          </a:fontRef>
-        </p:style>
-        <p:txBody>
-          <a:bodyPr rtlCol="0" anchor="ctr"/>
-          <a:lstStyle/>
-          <a:p>
-            <a:pPr algn="ctr"/>
-            <a:endParaRPr lang="ko-KR" altLang="en-US" dirty="0"/>
-          </a:p>
-        </p:txBody>
-      </p:sp>
-      <p:cxnSp>
-        <p:nvCxnSpPr>
-          <p:cNvPr id="23" name="직선 연결선 22">
-            <a:extLst>
-              <a:ext uri="{FF2B5EF4-FFF2-40B4-BE49-F238E27FC236}">
-                <a16:creationId xmlns:a16="http://schemas.microsoft.com/office/drawing/2014/main" id="{1923DC9B-30CA-D7E3-057F-140FBE982E49}"/>
-              </a:ext>
-            </a:extLst>
-          </p:cNvPr>
-          <p:cNvCxnSpPr>
-            <a:cxnSpLocks/>
-            <a:stCxn id="22" idx="1"/>
-          </p:cNvCxnSpPr>
-          <p:nvPr/>
-        </p:nvCxnSpPr>
-        <p:spPr>
-          <a:xfrm flipH="1">
-            <a:off x="7248088" y="3792168"/>
-            <a:ext cx="997592" cy="762001"/>
-          </a:xfrm>
-          <a:prstGeom prst="line">
-            <a:avLst/>
-          </a:prstGeom>
-          <a:ln w="38100">
-            <a:solidFill>
-              <a:srgbClr val="FF0000"/>
-            </a:solidFill>
-          </a:ln>
-        </p:spPr>
-        <p:style>
-          <a:lnRef idx="1">
-            <a:schemeClr val="accent1"/>
-          </a:lnRef>
-          <a:fillRef idx="0">
-            <a:schemeClr val="accent1"/>
-          </a:fillRef>
-          <a:effectRef idx="0">
-            <a:schemeClr val="accent1"/>
-          </a:effectRef>
-          <a:fontRef idx="minor">
-            <a:schemeClr val="tx1"/>
-          </a:fontRef>
-        </p:style>
-      </p:cxnSp>
-      <p:sp>
-        <p:nvSpPr>
-          <p:cNvPr id="24" name="직사각형 23">
-            <a:extLst>
-              <a:ext uri="{FF2B5EF4-FFF2-40B4-BE49-F238E27FC236}">
-                <a16:creationId xmlns:a16="http://schemas.microsoft.com/office/drawing/2014/main" id="{347A3D23-C709-D1C5-F939-AACA88A7D3F7}"/>
-              </a:ext>
-            </a:extLst>
-          </p:cNvPr>
-          <p:cNvSpPr/>
-          <p:nvPr/>
-        </p:nvSpPr>
-        <p:spPr>
-          <a:xfrm>
-            <a:off x="8357895" y="3519885"/>
-            <a:ext cx="531995" cy="531995"/>
-          </a:xfrm>
-          <a:prstGeom prst="rect">
-            <a:avLst/>
-          </a:prstGeom>
-          <a:solidFill>
-            <a:srgbClr val="FFFF00"/>
-          </a:solidFill>
-        </p:spPr>
-        <p:style>
-          <a:lnRef idx="2">
-            <a:schemeClr val="accent1">
-              <a:shade val="50000"/>
-            </a:schemeClr>
-          </a:lnRef>
-          <a:fillRef idx="1">
-            <a:schemeClr val="accent1"/>
-          </a:fillRef>
-          <a:effectRef idx="0">
-            <a:schemeClr val="accent1"/>
-          </a:effectRef>
-          <a:fontRef idx="minor">
-            <a:schemeClr val="lt1"/>
-          </a:fontRef>
-        </p:style>
-        <p:txBody>
-          <a:bodyPr rtlCol="0" anchor="ctr"/>
-          <a:lstStyle/>
-          <a:p>
-            <a:pPr algn="ctr"/>
-            <a:r>
-              <a:rPr lang="ko-KR" altLang="en-US" sz="900" dirty="0">
-                <a:solidFill>
-                  <a:schemeClr val="tx1"/>
-                </a:solidFill>
-              </a:rPr>
-              <a:t>장신구</a:t>
-            </a:r>
-            <a:endParaRPr lang="ko-KR" altLang="en-US" sz="900" dirty="0"/>
-          </a:p>
-        </p:txBody>
-      </p:sp>
-      <p:sp>
-        <p:nvSpPr>
-          <p:cNvPr id="26" name="TextBox 25">
-            <a:extLst>
-              <a:ext uri="{FF2B5EF4-FFF2-40B4-BE49-F238E27FC236}">
-                <a16:creationId xmlns:a16="http://schemas.microsoft.com/office/drawing/2014/main" id="{FD8435DC-BEE3-AD0D-B58B-F7956F43B269}"/>
-              </a:ext>
-            </a:extLst>
-          </p:cNvPr>
-          <p:cNvSpPr txBox="1"/>
-          <p:nvPr/>
-        </p:nvSpPr>
-        <p:spPr>
-          <a:xfrm>
-            <a:off x="2038525" y="2047168"/>
-            <a:ext cx="1008609" cy="276999"/>
-          </a:xfrm>
-          <a:prstGeom prst="rect">
-            <a:avLst/>
-          </a:prstGeom>
-          <a:noFill/>
-        </p:spPr>
-        <p:txBody>
-          <a:bodyPr wrap="none" rtlCol="0">
-            <a:spAutoFit/>
-          </a:bodyPr>
-          <a:lstStyle/>
-          <a:p>
-            <a:r>
-              <a:rPr lang="ko-KR" altLang="en-US" sz="1200">
-                <a:solidFill>
-                  <a:schemeClr val="bg1"/>
-                </a:solidFill>
-              </a:rPr>
-              <a:t>아이템 이름</a:t>
-            </a:r>
-            <a:endParaRPr lang="ko-KR" altLang="en-US" sz="1200" dirty="0">
-              <a:solidFill>
-                <a:schemeClr val="bg1"/>
-              </a:solidFill>
-            </a:endParaRPr>
-          </a:p>
-        </p:txBody>
-      </p:sp>
-      <p:sp>
-        <p:nvSpPr>
-          <p:cNvPr id="27" name="TextBox 26">
-            <a:extLst>
-              <a:ext uri="{FF2B5EF4-FFF2-40B4-BE49-F238E27FC236}">
-                <a16:creationId xmlns:a16="http://schemas.microsoft.com/office/drawing/2014/main" id="{02EA5039-1EFA-3FA5-D07E-9D0DD13C4FF9}"/>
-              </a:ext>
-            </a:extLst>
-          </p:cNvPr>
-          <p:cNvSpPr txBox="1"/>
-          <p:nvPr/>
-        </p:nvSpPr>
-        <p:spPr>
-          <a:xfrm>
-            <a:off x="8895568" y="1930303"/>
-            <a:ext cx="1008609" cy="276999"/>
-          </a:xfrm>
-          <a:prstGeom prst="rect">
-            <a:avLst/>
-          </a:prstGeom>
-          <a:noFill/>
-        </p:spPr>
-        <p:txBody>
-          <a:bodyPr wrap="none" rtlCol="0">
-            <a:spAutoFit/>
-          </a:bodyPr>
-          <a:lstStyle/>
-          <a:p>
-            <a:r>
-              <a:rPr lang="ko-KR" altLang="en-US" sz="1200">
-                <a:solidFill>
-                  <a:schemeClr val="bg1"/>
-                </a:solidFill>
-              </a:rPr>
-              <a:t>아이템 이름</a:t>
-            </a:r>
-            <a:endParaRPr lang="ko-KR" altLang="en-US" sz="1200" dirty="0">
-              <a:solidFill>
-                <a:schemeClr val="bg1"/>
-              </a:solidFill>
-            </a:endParaRPr>
-          </a:p>
-        </p:txBody>
-      </p:sp>
-      <p:sp>
-        <p:nvSpPr>
-          <p:cNvPr id="28" name="TextBox 27">
-            <a:extLst>
-              <a:ext uri="{FF2B5EF4-FFF2-40B4-BE49-F238E27FC236}">
-                <a16:creationId xmlns:a16="http://schemas.microsoft.com/office/drawing/2014/main" id="{1AC45FEF-FEA5-3B30-C30A-9B93D245A864}"/>
-              </a:ext>
-            </a:extLst>
-          </p:cNvPr>
-          <p:cNvSpPr txBox="1"/>
-          <p:nvPr/>
-        </p:nvSpPr>
-        <p:spPr>
-          <a:xfrm>
-            <a:off x="8901851" y="3518688"/>
-            <a:ext cx="1008609" cy="276999"/>
-          </a:xfrm>
-          <a:prstGeom prst="rect">
-            <a:avLst/>
-          </a:prstGeom>
-          <a:noFill/>
-        </p:spPr>
-        <p:txBody>
-          <a:bodyPr wrap="none" rtlCol="0">
-            <a:spAutoFit/>
-          </a:bodyPr>
-          <a:lstStyle/>
-          <a:p>
-            <a:r>
-              <a:rPr lang="ko-KR" altLang="en-US" sz="1200">
-                <a:solidFill>
-                  <a:schemeClr val="bg1"/>
-                </a:solidFill>
-              </a:rPr>
-              <a:t>아이템 이름</a:t>
-            </a:r>
-            <a:endParaRPr lang="ko-KR" altLang="en-US" sz="1200" dirty="0">
-              <a:solidFill>
-                <a:schemeClr val="bg1"/>
-              </a:solidFill>
-            </a:endParaRPr>
-          </a:p>
-        </p:txBody>
-      </p:sp>
-      <p:sp>
-        <p:nvSpPr>
-          <p:cNvPr id="46" name="직사각형 45">
-            <a:extLst>
-              <a:ext uri="{FF2B5EF4-FFF2-40B4-BE49-F238E27FC236}">
-                <a16:creationId xmlns:a16="http://schemas.microsoft.com/office/drawing/2014/main" id="{73536CB2-281B-AAFA-80CD-CAE3958A93F2}"/>
-              </a:ext>
-            </a:extLst>
-          </p:cNvPr>
-          <p:cNvSpPr/>
-          <p:nvPr/>
-        </p:nvSpPr>
-        <p:spPr>
-          <a:xfrm>
-            <a:off x="2188395" y="2339278"/>
-            <a:ext cx="708869" cy="260488"/>
-          </a:xfrm>
-          <a:prstGeom prst="rect">
-            <a:avLst/>
-          </a:prstGeom>
-          <a:solidFill>
-            <a:srgbClr val="92D050"/>
-          </a:solidFill>
-          <a:ln>
-            <a:solidFill>
-              <a:schemeClr val="bg2">
-                <a:lumMod val="75000"/>
-              </a:schemeClr>
-            </a:solidFill>
-          </a:ln>
-        </p:spPr>
-        <p:style>
-          <a:lnRef idx="2">
-            <a:schemeClr val="accent1">
-              <a:shade val="50000"/>
-            </a:schemeClr>
-          </a:lnRef>
-          <a:fillRef idx="1">
-            <a:schemeClr val="accent1"/>
-          </a:fillRef>
-          <a:effectRef idx="0">
-            <a:schemeClr val="accent1"/>
-          </a:effectRef>
-          <a:fontRef idx="minor">
-            <a:schemeClr val="lt1"/>
-          </a:fontRef>
-        </p:style>
-        <p:txBody>
-          <a:bodyPr rtlCol="0" anchor="ctr"/>
-          <a:lstStyle/>
-          <a:p>
-            <a:pPr algn="ctr"/>
-            <a:r>
-              <a:rPr lang="ko-KR" altLang="en-US" sz="1000">
-                <a:solidFill>
-                  <a:schemeClr val="tx1"/>
-                </a:solidFill>
-              </a:rPr>
-              <a:t>변경</a:t>
-            </a:r>
-            <a:endParaRPr lang="ko-KR" altLang="en-US" sz="1000" dirty="0">
-              <a:solidFill>
-                <a:schemeClr val="tx1"/>
-              </a:solidFill>
-            </a:endParaRPr>
-          </a:p>
-        </p:txBody>
-      </p:sp>
-      <p:sp>
-        <p:nvSpPr>
-          <p:cNvPr id="48" name="직사각형 47">
-            <a:extLst>
-              <a:ext uri="{FF2B5EF4-FFF2-40B4-BE49-F238E27FC236}">
-                <a16:creationId xmlns:a16="http://schemas.microsoft.com/office/drawing/2014/main" id="{92B40DE8-A79A-4750-FC74-3FE5230B2AE3}"/>
-              </a:ext>
-            </a:extLst>
-          </p:cNvPr>
-          <p:cNvSpPr/>
-          <p:nvPr/>
-        </p:nvSpPr>
-        <p:spPr>
-          <a:xfrm>
-            <a:off x="9049189" y="2205493"/>
-            <a:ext cx="708869" cy="260488"/>
-          </a:xfrm>
-          <a:prstGeom prst="rect">
-            <a:avLst/>
-          </a:prstGeom>
-          <a:solidFill>
-            <a:srgbClr val="92D050"/>
-          </a:solidFill>
-          <a:ln>
-            <a:solidFill>
-              <a:schemeClr val="bg2">
-                <a:lumMod val="75000"/>
-              </a:schemeClr>
-            </a:solidFill>
-          </a:ln>
-        </p:spPr>
-        <p:style>
-          <a:lnRef idx="2">
-            <a:schemeClr val="accent1">
-              <a:shade val="50000"/>
-            </a:schemeClr>
-          </a:lnRef>
-          <a:fillRef idx="1">
-            <a:schemeClr val="accent1"/>
-          </a:fillRef>
-          <a:effectRef idx="0">
-            <a:schemeClr val="accent1"/>
-          </a:effectRef>
-          <a:fontRef idx="minor">
-            <a:schemeClr val="lt1"/>
-          </a:fontRef>
-        </p:style>
-        <p:txBody>
-          <a:bodyPr rtlCol="0" anchor="ctr"/>
-          <a:lstStyle/>
-          <a:p>
-            <a:pPr algn="ctr"/>
-            <a:r>
-              <a:rPr lang="ko-KR" altLang="en-US" sz="1000">
-                <a:solidFill>
-                  <a:schemeClr val="tx1"/>
-                </a:solidFill>
-              </a:rPr>
-              <a:t>변경</a:t>
-            </a:r>
-            <a:endParaRPr lang="ko-KR" altLang="en-US" sz="1000" dirty="0">
-              <a:solidFill>
-                <a:schemeClr val="tx1"/>
-              </a:solidFill>
-            </a:endParaRPr>
-          </a:p>
-        </p:txBody>
-      </p:sp>
-      <p:sp>
-        <p:nvSpPr>
-          <p:cNvPr id="49" name="직사각형 48">
-            <a:extLst>
-              <a:ext uri="{FF2B5EF4-FFF2-40B4-BE49-F238E27FC236}">
-                <a16:creationId xmlns:a16="http://schemas.microsoft.com/office/drawing/2014/main" id="{AF84815B-91CC-D7EF-E3AF-C877DE70990B}"/>
-              </a:ext>
-            </a:extLst>
-          </p:cNvPr>
-          <p:cNvSpPr/>
-          <p:nvPr/>
-        </p:nvSpPr>
-        <p:spPr>
-          <a:xfrm>
-            <a:off x="9044029" y="3792064"/>
-            <a:ext cx="708869" cy="260488"/>
-          </a:xfrm>
-          <a:prstGeom prst="rect">
-            <a:avLst/>
-          </a:prstGeom>
-          <a:solidFill>
-            <a:srgbClr val="92D050"/>
-          </a:solidFill>
-          <a:ln>
-            <a:solidFill>
-              <a:schemeClr val="bg2">
-                <a:lumMod val="75000"/>
-              </a:schemeClr>
-            </a:solidFill>
-          </a:ln>
-        </p:spPr>
-        <p:style>
-          <a:lnRef idx="2">
-            <a:schemeClr val="accent1">
-              <a:shade val="50000"/>
-            </a:schemeClr>
-          </a:lnRef>
-          <a:fillRef idx="1">
-            <a:schemeClr val="accent1"/>
-          </a:fillRef>
-          <a:effectRef idx="0">
-            <a:schemeClr val="accent1"/>
-          </a:effectRef>
-          <a:fontRef idx="minor">
-            <a:schemeClr val="lt1"/>
-          </a:fontRef>
-        </p:style>
-        <p:txBody>
-          <a:bodyPr rtlCol="0" anchor="ctr"/>
-          <a:lstStyle/>
-          <a:p>
-            <a:pPr algn="ctr"/>
-            <a:r>
-              <a:rPr lang="ko-KR" altLang="en-US" sz="1000">
-                <a:solidFill>
-                  <a:schemeClr val="tx1"/>
-                </a:solidFill>
-              </a:rPr>
-              <a:t>변경</a:t>
-            </a:r>
-            <a:endParaRPr lang="ko-KR" altLang="en-US" sz="1000" dirty="0">
-              <a:solidFill>
-                <a:schemeClr val="tx1"/>
-              </a:solidFill>
-            </a:endParaRPr>
-          </a:p>
-        </p:txBody>
-      </p:sp>
-    </p:spTree>
-    <p:extLst>
-      <p:ext uri="{BB962C8B-B14F-4D97-AF65-F5344CB8AC3E}">
-        <p14:creationId xmlns:p14="http://schemas.microsoft.com/office/powerpoint/2010/main" val="3391775122"/>
-      </p:ext>
-    </p:extLst>
-  </p:cSld>
-  <p:clrMapOvr>
-    <a:masterClrMapping/>
-  </p:clrMapOvr>
-</p:sld>
-</file>
-
-<file path=ppt/slides/slide31.xml><?xml version="1.0" encoding="utf-8"?>
-<p:sld xmlns:a="http://schemas.openxmlformats.org/drawingml/2006/main" xmlns:r="http://schemas.openxmlformats.org/officeDocument/2006/relationships" xmlns:p="http://schemas.openxmlformats.org/presentationml/2006/main">
-  <p:cSld>
-    <p:spTree>
-      <p:nvGrpSpPr>
-        <p:cNvPr id="1" name=""/>
-        <p:cNvGrpSpPr/>
-        <p:nvPr/>
-      </p:nvGrpSpPr>
-      <p:grpSpPr>
-        <a:xfrm>
-          <a:off x="0" y="0"/>
-          <a:ext cx="0" cy="0"/>
-          <a:chOff x="0" y="0"/>
-          <a:chExt cx="0" cy="0"/>
-        </a:xfrm>
-      </p:grpSpPr>
-      <p:sp>
-        <p:nvSpPr>
-          <p:cNvPr id="2" name="직사각형 1">
-            <a:extLst>
-              <a:ext uri="{FF2B5EF4-FFF2-40B4-BE49-F238E27FC236}">
-                <a16:creationId xmlns:a16="http://schemas.microsoft.com/office/drawing/2014/main" id="{9012275E-74F4-B35D-5309-F21177EBEF00}"/>
-              </a:ext>
-            </a:extLst>
-          </p:cNvPr>
-          <p:cNvSpPr>
-            <a:spLocks noChangeAspect="1"/>
-          </p:cNvSpPr>
-          <p:nvPr/>
-        </p:nvSpPr>
-        <p:spPr>
-          <a:xfrm>
-            <a:off x="1054216" y="830510"/>
-            <a:ext cx="10083567" cy="5672006"/>
-          </a:xfrm>
-          <a:prstGeom prst="rect">
-            <a:avLst/>
-          </a:prstGeom>
-          <a:solidFill>
-            <a:schemeClr val="bg1">
-              <a:lumMod val="75000"/>
-            </a:schemeClr>
-          </a:solidFill>
-          <a:ln>
-            <a:noFill/>
-          </a:ln>
-        </p:spPr>
-        <p:style>
-          <a:lnRef idx="2">
-            <a:schemeClr val="accent1">
-              <a:shade val="50000"/>
-            </a:schemeClr>
-          </a:lnRef>
-          <a:fillRef idx="1">
-            <a:schemeClr val="accent1"/>
-          </a:fillRef>
-          <a:effectRef idx="0">
-            <a:schemeClr val="accent1"/>
-          </a:effectRef>
-          <a:fontRef idx="minor">
-            <a:schemeClr val="lt1"/>
-          </a:fontRef>
-        </p:style>
-        <p:txBody>
-          <a:bodyPr rtlCol="0" anchor="ctr"/>
-          <a:lstStyle/>
-          <a:p>
-            <a:pPr algn="ctr"/>
-            <a:endParaRPr lang="ko-KR" altLang="en-US"/>
-          </a:p>
-        </p:txBody>
-      </p:sp>
-      <p:sp>
-        <p:nvSpPr>
-          <p:cNvPr id="3" name="TextBox 2">
-            <a:extLst>
-              <a:ext uri="{FF2B5EF4-FFF2-40B4-BE49-F238E27FC236}">
-                <a16:creationId xmlns:a16="http://schemas.microsoft.com/office/drawing/2014/main" id="{F867792B-DF3B-E7E6-9AFA-1B758C57F902}"/>
-              </a:ext>
-            </a:extLst>
-          </p:cNvPr>
-          <p:cNvSpPr txBox="1"/>
-          <p:nvPr/>
-        </p:nvSpPr>
-        <p:spPr>
-          <a:xfrm>
-            <a:off x="285226" y="243281"/>
             <a:ext cx="4562467" cy="369332"/>
           </a:xfrm>
           <a:prstGeom prst="rect">
@@ -26862,7 +30022,7 @@
 </p:sld>
 </file>
 
-<file path=ppt/slides/slide32.xml><?xml version="1.0" encoding="utf-8"?>
+<file path=ppt/slides/slide34.xml><?xml version="1.0" encoding="utf-8"?>
 <p:sld xmlns:a="http://schemas.openxmlformats.org/drawingml/2006/main" xmlns:r="http://schemas.openxmlformats.org/officeDocument/2006/relationships" xmlns:p="http://schemas.openxmlformats.org/presentationml/2006/main">
   <p:cSld>
     <p:spTree>
@@ -28526,7 +31686,7 @@
 </p:sld>
 </file>
 
-<file path=ppt/slides/slide33.xml><?xml version="1.0" encoding="utf-8"?>
+<file path=ppt/slides/slide35.xml><?xml version="1.0" encoding="utf-8"?>
 <p:sld xmlns:a="http://schemas.openxmlformats.org/drawingml/2006/main" xmlns:r="http://schemas.openxmlformats.org/officeDocument/2006/relationships" xmlns:p="http://schemas.openxmlformats.org/presentationml/2006/main">
   <p:cSld>
     <p:spTree>
@@ -30438,7 +33598,7 @@
 </p:sld>
 </file>
 
-<file path=ppt/slides/slide34.xml><?xml version="1.0" encoding="utf-8"?>
+<file path=ppt/slides/slide36.xml><?xml version="1.0" encoding="utf-8"?>
 <p:sld xmlns:a="http://schemas.openxmlformats.org/drawingml/2006/main" xmlns:r="http://schemas.openxmlformats.org/officeDocument/2006/relationships" xmlns:p="http://schemas.openxmlformats.org/presentationml/2006/main">
   <p:cSld>
     <p:spTree>
@@ -31147,7 +34307,7 @@
 </p:sld>
 </file>
 
-<file path=ppt/slides/slide35.xml><?xml version="1.0" encoding="utf-8"?>
+<file path=ppt/slides/slide37.xml><?xml version="1.0" encoding="utf-8"?>
 <p:sld xmlns:a="http://schemas.openxmlformats.org/drawingml/2006/main" xmlns:r="http://schemas.openxmlformats.org/officeDocument/2006/relationships" xmlns:p="http://schemas.openxmlformats.org/presentationml/2006/main">
   <p:cSld>
     <p:spTree>
@@ -32117,7 +35277,7 @@
 </p:sld>
 </file>
 
-<file path=ppt/slides/slide36.xml><?xml version="1.0" encoding="utf-8"?>
+<file path=ppt/slides/slide38.xml><?xml version="1.0" encoding="utf-8"?>
 <p:sld xmlns:a="http://schemas.openxmlformats.org/drawingml/2006/main" xmlns:r="http://schemas.openxmlformats.org/officeDocument/2006/relationships" xmlns:p="http://schemas.openxmlformats.org/presentationml/2006/main">
   <p:cSld>
     <p:spTree>
@@ -33943,7 +37103,7 @@
 </p:sld>
 </file>
 
-<file path=ppt/slides/slide37.xml><?xml version="1.0" encoding="utf-8"?>
+<file path=ppt/slides/slide39.xml><?xml version="1.0" encoding="utf-8"?>
 <p:sld xmlns:a="http://schemas.openxmlformats.org/drawingml/2006/main" xmlns:r="http://schemas.openxmlformats.org/officeDocument/2006/relationships" xmlns:p="http://schemas.openxmlformats.org/presentationml/2006/main">
   <p:cSld>
     <p:spTree>
@@ -36629,7 +39789,13 @@
           <p:cNvGraphicFramePr>
             <a:graphicFrameLocks noGrp="1"/>
           </p:cNvGraphicFramePr>
-          <p:nvPr/>
+          <p:nvPr>
+            <p:extLst>
+              <p:ext uri="{D42A27DB-BD31-4B8C-83A1-F6EECF244321}">
+                <p14:modId xmlns:p14="http://schemas.microsoft.com/office/powerpoint/2010/main" val="313418722"/>
+              </p:ext>
+            </p:extLst>
+          </p:nvPr>
         </p:nvGraphicFramePr>
         <p:xfrm>
           <a:off x="1521205" y="2034328"/>

--- a/document/UI기획서초안_ver1.1.pptx
+++ b/document/UI기획서초안_ver1.1.pptx
@@ -29,21 +29,24 @@
     <p:sldId id="299" r:id="rId23"/>
     <p:sldId id="298" r:id="rId24"/>
     <p:sldId id="291" r:id="rId25"/>
-    <p:sldId id="260" r:id="rId26"/>
-    <p:sldId id="261" r:id="rId27"/>
-    <p:sldId id="262" r:id="rId28"/>
-    <p:sldId id="264" r:id="rId29"/>
-    <p:sldId id="263" r:id="rId30"/>
-    <p:sldId id="265" r:id="rId31"/>
-    <p:sldId id="266" r:id="rId32"/>
-    <p:sldId id="267" r:id="rId33"/>
-    <p:sldId id="268" r:id="rId34"/>
-    <p:sldId id="270" r:id="rId35"/>
-    <p:sldId id="271" r:id="rId36"/>
-    <p:sldId id="272" r:id="rId37"/>
-    <p:sldId id="273" r:id="rId38"/>
-    <p:sldId id="276" r:id="rId39"/>
-    <p:sldId id="277" r:id="rId40"/>
+    <p:sldId id="302" r:id="rId26"/>
+    <p:sldId id="303" r:id="rId27"/>
+    <p:sldId id="304" r:id="rId28"/>
+    <p:sldId id="260" r:id="rId29"/>
+    <p:sldId id="261" r:id="rId30"/>
+    <p:sldId id="262" r:id="rId31"/>
+    <p:sldId id="264" r:id="rId32"/>
+    <p:sldId id="263" r:id="rId33"/>
+    <p:sldId id="265" r:id="rId34"/>
+    <p:sldId id="266" r:id="rId35"/>
+    <p:sldId id="267" r:id="rId36"/>
+    <p:sldId id="268" r:id="rId37"/>
+    <p:sldId id="270" r:id="rId38"/>
+    <p:sldId id="271" r:id="rId39"/>
+    <p:sldId id="272" r:id="rId40"/>
+    <p:sldId id="273" r:id="rId41"/>
+    <p:sldId id="276" r:id="rId42"/>
+    <p:sldId id="277" r:id="rId43"/>
   </p:sldIdLst>
   <p:sldSz cx="12192000" cy="6858000"/>
   <p:notesSz cx="6858000" cy="9144000"/>
@@ -19533,6 +19536,2090 @@
       </p:grpSpPr>
       <p:sp>
         <p:nvSpPr>
+          <p:cNvPr id="2" name="TextBox 1">
+            <a:extLst>
+              <a:ext uri="{FF2B5EF4-FFF2-40B4-BE49-F238E27FC236}">
+                <a16:creationId xmlns:a16="http://schemas.microsoft.com/office/drawing/2014/main" id="{DCDFEA4E-C854-52B1-D93C-D7C8C138C5D9}"/>
+              </a:ext>
+            </a:extLst>
+          </p:cNvPr>
+          <p:cNvSpPr txBox="1"/>
+          <p:nvPr/>
+        </p:nvSpPr>
+        <p:spPr>
+          <a:xfrm>
+            <a:off x="285226" y="243281"/>
+            <a:ext cx="1927131" cy="369332"/>
+          </a:xfrm>
+          <a:prstGeom prst="rect">
+            <a:avLst/>
+          </a:prstGeom>
+          <a:noFill/>
+        </p:spPr>
+        <p:txBody>
+          <a:bodyPr wrap="none" rtlCol="0">
+            <a:spAutoFit/>
+          </a:bodyPr>
+          <a:lstStyle/>
+          <a:p>
+            <a:r>
+              <a:rPr lang="ko-KR" altLang="en-US" dirty="0" err="1"/>
+              <a:t>결과창</a:t>
+            </a:r>
+            <a:r>
+              <a:rPr lang="ko-KR" altLang="en-US" dirty="0"/>
+              <a:t> </a:t>
+            </a:r>
+            <a:r>
+              <a:rPr lang="en-US" altLang="ko-KR" dirty="0"/>
+              <a:t>UI – </a:t>
+            </a:r>
+            <a:r>
+              <a:rPr lang="ko-KR" altLang="en-US" dirty="0"/>
+              <a:t>개요</a:t>
+            </a:r>
+          </a:p>
+        </p:txBody>
+      </p:sp>
+      <p:sp>
+        <p:nvSpPr>
+          <p:cNvPr id="9" name="직사각형 8">
+            <a:extLst>
+              <a:ext uri="{FF2B5EF4-FFF2-40B4-BE49-F238E27FC236}">
+                <a16:creationId xmlns:a16="http://schemas.microsoft.com/office/drawing/2014/main" id="{E4430CF9-58BE-7BFD-040E-ECA6C9AC9A4B}"/>
+              </a:ext>
+            </a:extLst>
+          </p:cNvPr>
+          <p:cNvSpPr>
+            <a:spLocks noChangeAspect="1"/>
+          </p:cNvSpPr>
+          <p:nvPr/>
+        </p:nvSpPr>
+        <p:spPr>
+          <a:xfrm>
+            <a:off x="2466363" y="847288"/>
+            <a:ext cx="7259274" cy="4083341"/>
+          </a:xfrm>
+          <a:prstGeom prst="rect">
+            <a:avLst/>
+          </a:prstGeom>
+          <a:solidFill>
+            <a:schemeClr val="bg1">
+              <a:lumMod val="75000"/>
+            </a:schemeClr>
+          </a:solidFill>
+          <a:ln>
+            <a:noFill/>
+          </a:ln>
+        </p:spPr>
+        <p:style>
+          <a:lnRef idx="2">
+            <a:schemeClr val="accent1">
+              <a:shade val="50000"/>
+            </a:schemeClr>
+          </a:lnRef>
+          <a:fillRef idx="1">
+            <a:schemeClr val="accent1"/>
+          </a:fillRef>
+          <a:effectRef idx="0">
+            <a:schemeClr val="accent1"/>
+          </a:effectRef>
+          <a:fontRef idx="minor">
+            <a:schemeClr val="lt1"/>
+          </a:fontRef>
+        </p:style>
+        <p:txBody>
+          <a:bodyPr rtlCol="0" anchor="ctr"/>
+          <a:lstStyle/>
+          <a:p>
+            <a:pPr algn="ctr"/>
+            <a:endParaRPr lang="ko-KR" altLang="en-US" dirty="0"/>
+          </a:p>
+        </p:txBody>
+      </p:sp>
+      <p:sp>
+        <p:nvSpPr>
+          <p:cNvPr id="3" name="TextBox 2">
+            <a:extLst>
+              <a:ext uri="{FF2B5EF4-FFF2-40B4-BE49-F238E27FC236}">
+                <a16:creationId xmlns:a16="http://schemas.microsoft.com/office/drawing/2014/main" id="{719F6B75-B388-35F5-4A64-0E3B8D6F8BD8}"/>
+              </a:ext>
+            </a:extLst>
+          </p:cNvPr>
+          <p:cNvSpPr txBox="1"/>
+          <p:nvPr/>
+        </p:nvSpPr>
+        <p:spPr>
+          <a:xfrm>
+            <a:off x="469784" y="5209563"/>
+            <a:ext cx="6867586" cy="584775"/>
+          </a:xfrm>
+          <a:prstGeom prst="rect">
+            <a:avLst/>
+          </a:prstGeom>
+          <a:noFill/>
+        </p:spPr>
+        <p:txBody>
+          <a:bodyPr wrap="none" rtlCol="0">
+            <a:spAutoFit/>
+          </a:bodyPr>
+          <a:lstStyle/>
+          <a:p>
+            <a:pPr marL="285750" indent="-285750">
+              <a:buFontTx/>
+              <a:buChar char="-"/>
+            </a:pPr>
+            <a:r>
+              <a:rPr lang="ko-KR" altLang="en-US" sz="1600" dirty="0"/>
+              <a:t>체크리스트를 통해서 의뢰주와 확인하는 컨셉</a:t>
+            </a:r>
+            <a:endParaRPr lang="en-US" altLang="ko-KR" sz="1600" dirty="0"/>
+          </a:p>
+          <a:p>
+            <a:pPr marL="285750" indent="-285750">
+              <a:buFontTx/>
+              <a:buChar char="-"/>
+            </a:pPr>
+            <a:r>
+              <a:rPr lang="ko-KR" altLang="en-US" sz="1600" dirty="0"/>
+              <a:t>성공 혹은 실패에 대한 도장을 받으면서 의뢰가 끝나는 컨셉으로 제작</a:t>
+            </a:r>
+            <a:endParaRPr lang="en-US" altLang="ko-KR" sz="1600" dirty="0"/>
+          </a:p>
+        </p:txBody>
+      </p:sp>
+    </p:spTree>
+    <p:extLst>
+      <p:ext uri="{BB962C8B-B14F-4D97-AF65-F5344CB8AC3E}">
+        <p14:creationId xmlns:p14="http://schemas.microsoft.com/office/powerpoint/2010/main" val="2973426549"/>
+      </p:ext>
+    </p:extLst>
+  </p:cSld>
+  <p:clrMapOvr>
+    <a:masterClrMapping/>
+  </p:clrMapOvr>
+</p:sld>
+</file>
+
+<file path=ppt/slides/slide26.xml><?xml version="1.0" encoding="utf-8"?>
+<p:sld xmlns:a="http://schemas.openxmlformats.org/drawingml/2006/main" xmlns:r="http://schemas.openxmlformats.org/officeDocument/2006/relationships" xmlns:p="http://schemas.openxmlformats.org/presentationml/2006/main">
+  <p:cSld>
+    <p:spTree>
+      <p:nvGrpSpPr>
+        <p:cNvPr id="1" name=""/>
+        <p:cNvGrpSpPr/>
+        <p:nvPr/>
+      </p:nvGrpSpPr>
+      <p:grpSpPr>
+        <a:xfrm>
+          <a:off x="0" y="0"/>
+          <a:ext cx="0" cy="0"/>
+          <a:chOff x="0" y="0"/>
+          <a:chExt cx="0" cy="0"/>
+        </a:xfrm>
+      </p:grpSpPr>
+      <p:sp>
+        <p:nvSpPr>
+          <p:cNvPr id="2" name="TextBox 1">
+            <a:extLst>
+              <a:ext uri="{FF2B5EF4-FFF2-40B4-BE49-F238E27FC236}">
+                <a16:creationId xmlns:a16="http://schemas.microsoft.com/office/drawing/2014/main" id="{DCDFEA4E-C854-52B1-D93C-D7C8C138C5D9}"/>
+              </a:ext>
+            </a:extLst>
+          </p:cNvPr>
+          <p:cNvSpPr txBox="1"/>
+          <p:nvPr/>
+        </p:nvSpPr>
+        <p:spPr>
+          <a:xfrm>
+            <a:off x="285226" y="243281"/>
+            <a:ext cx="2470548" cy="369332"/>
+          </a:xfrm>
+          <a:prstGeom prst="rect">
+            <a:avLst/>
+          </a:prstGeom>
+          <a:noFill/>
+        </p:spPr>
+        <p:txBody>
+          <a:bodyPr wrap="none" rtlCol="0">
+            <a:spAutoFit/>
+          </a:bodyPr>
+          <a:lstStyle/>
+          <a:p>
+            <a:r>
+              <a:rPr lang="ko-KR" altLang="en-US" dirty="0" err="1"/>
+              <a:t>결과창</a:t>
+            </a:r>
+            <a:r>
+              <a:rPr lang="ko-KR" altLang="en-US" dirty="0"/>
+              <a:t> </a:t>
+            </a:r>
+            <a:r>
+              <a:rPr lang="en-US" altLang="ko-KR" dirty="0"/>
+              <a:t>UI – </a:t>
+            </a:r>
+            <a:r>
+              <a:rPr lang="ko-KR" altLang="en-US" dirty="0"/>
+              <a:t>위치 표기</a:t>
+            </a:r>
+          </a:p>
+        </p:txBody>
+      </p:sp>
+      <p:sp>
+        <p:nvSpPr>
+          <p:cNvPr id="3" name="직사각형 2">
+            <a:extLst>
+              <a:ext uri="{FF2B5EF4-FFF2-40B4-BE49-F238E27FC236}">
+                <a16:creationId xmlns:a16="http://schemas.microsoft.com/office/drawing/2014/main" id="{CD379BC4-74B7-AEF2-8697-A392A05BC871}"/>
+              </a:ext>
+            </a:extLst>
+          </p:cNvPr>
+          <p:cNvSpPr>
+            <a:spLocks noChangeAspect="1"/>
+          </p:cNvSpPr>
+          <p:nvPr/>
+        </p:nvSpPr>
+        <p:spPr>
+          <a:xfrm>
+            <a:off x="1054216" y="830510"/>
+            <a:ext cx="10083567" cy="5672006"/>
+          </a:xfrm>
+          <a:prstGeom prst="rect">
+            <a:avLst/>
+          </a:prstGeom>
+          <a:solidFill>
+            <a:schemeClr val="bg1">
+              <a:lumMod val="75000"/>
+            </a:schemeClr>
+          </a:solidFill>
+          <a:ln>
+            <a:noFill/>
+          </a:ln>
+        </p:spPr>
+        <p:style>
+          <a:lnRef idx="2">
+            <a:schemeClr val="accent1">
+              <a:shade val="50000"/>
+            </a:schemeClr>
+          </a:lnRef>
+          <a:fillRef idx="1">
+            <a:schemeClr val="accent1"/>
+          </a:fillRef>
+          <a:effectRef idx="0">
+            <a:schemeClr val="accent1"/>
+          </a:effectRef>
+          <a:fontRef idx="minor">
+            <a:schemeClr val="lt1"/>
+          </a:fontRef>
+        </p:style>
+        <p:txBody>
+          <a:bodyPr rtlCol="0" anchor="ctr"/>
+          <a:lstStyle/>
+          <a:p>
+            <a:pPr algn="ctr"/>
+            <a:endParaRPr lang="ko-KR" altLang="en-US" dirty="0"/>
+          </a:p>
+        </p:txBody>
+      </p:sp>
+      <p:sp>
+        <p:nvSpPr>
+          <p:cNvPr id="5" name="직사각형 4">
+            <a:extLst>
+              <a:ext uri="{FF2B5EF4-FFF2-40B4-BE49-F238E27FC236}">
+                <a16:creationId xmlns:a16="http://schemas.microsoft.com/office/drawing/2014/main" id="{56718CD9-CD66-177A-B7DB-C944C9420529}"/>
+              </a:ext>
+            </a:extLst>
+          </p:cNvPr>
+          <p:cNvSpPr/>
+          <p:nvPr/>
+        </p:nvSpPr>
+        <p:spPr>
+          <a:xfrm>
+            <a:off x="3273104" y="962637"/>
+            <a:ext cx="5645791" cy="5385732"/>
+          </a:xfrm>
+          <a:prstGeom prst="rect">
+            <a:avLst/>
+          </a:prstGeom>
+          <a:solidFill>
+            <a:schemeClr val="accent1">
+              <a:lumMod val="40000"/>
+              <a:lumOff val="60000"/>
+            </a:schemeClr>
+          </a:solidFill>
+          <a:ln>
+            <a:noFill/>
+          </a:ln>
+        </p:spPr>
+        <p:style>
+          <a:lnRef idx="2">
+            <a:schemeClr val="accent1">
+              <a:shade val="50000"/>
+            </a:schemeClr>
+          </a:lnRef>
+          <a:fillRef idx="1">
+            <a:schemeClr val="accent1"/>
+          </a:fillRef>
+          <a:effectRef idx="0">
+            <a:schemeClr val="accent1"/>
+          </a:effectRef>
+          <a:fontRef idx="minor">
+            <a:schemeClr val="lt1"/>
+          </a:fontRef>
+        </p:style>
+        <p:txBody>
+          <a:bodyPr rtlCol="0" anchor="ctr"/>
+          <a:lstStyle/>
+          <a:p>
+            <a:pPr algn="ctr"/>
+            <a:endParaRPr lang="ko-KR" altLang="en-US"/>
+          </a:p>
+        </p:txBody>
+      </p:sp>
+      <p:sp>
+        <p:nvSpPr>
+          <p:cNvPr id="7" name="TextBox 6">
+            <a:extLst>
+              <a:ext uri="{FF2B5EF4-FFF2-40B4-BE49-F238E27FC236}">
+                <a16:creationId xmlns:a16="http://schemas.microsoft.com/office/drawing/2014/main" id="{0097A051-157D-EBBE-61D3-4B7937FAB2D4}"/>
+              </a:ext>
+            </a:extLst>
+          </p:cNvPr>
+          <p:cNvSpPr txBox="1"/>
+          <p:nvPr/>
+        </p:nvSpPr>
+        <p:spPr>
+          <a:xfrm>
+            <a:off x="3993509" y="1262959"/>
+            <a:ext cx="1189749" cy="369332"/>
+          </a:xfrm>
+          <a:prstGeom prst="rect">
+            <a:avLst/>
+          </a:prstGeom>
+          <a:noFill/>
+        </p:spPr>
+        <p:txBody>
+          <a:bodyPr wrap="none" rtlCol="0">
+            <a:spAutoFit/>
+          </a:bodyPr>
+          <a:lstStyle/>
+          <a:p>
+            <a:r>
+              <a:rPr lang="ko-KR" altLang="en-US" b="1" dirty="0"/>
+              <a:t>의뢰 제목</a:t>
+            </a:r>
+          </a:p>
+        </p:txBody>
+      </p:sp>
+      <p:sp>
+        <p:nvSpPr>
+          <p:cNvPr id="8" name="타원 7">
+            <a:extLst>
+              <a:ext uri="{FF2B5EF4-FFF2-40B4-BE49-F238E27FC236}">
+                <a16:creationId xmlns:a16="http://schemas.microsoft.com/office/drawing/2014/main" id="{511C1B93-9206-BC72-C16A-EE641F98CB6C}"/>
+              </a:ext>
+            </a:extLst>
+          </p:cNvPr>
+          <p:cNvSpPr/>
+          <p:nvPr/>
+        </p:nvSpPr>
+        <p:spPr>
+          <a:xfrm>
+            <a:off x="3398939" y="1150340"/>
+            <a:ext cx="594570" cy="594570"/>
+          </a:xfrm>
+          <a:prstGeom prst="ellipse">
+            <a:avLst/>
+          </a:prstGeom>
+          <a:solidFill>
+            <a:srgbClr val="FFFF00"/>
+          </a:solidFill>
+          <a:ln>
+            <a:noFill/>
+          </a:ln>
+        </p:spPr>
+        <p:style>
+          <a:lnRef idx="2">
+            <a:schemeClr val="accent1">
+              <a:shade val="50000"/>
+            </a:schemeClr>
+          </a:lnRef>
+          <a:fillRef idx="1">
+            <a:schemeClr val="accent1"/>
+          </a:fillRef>
+          <a:effectRef idx="0">
+            <a:schemeClr val="accent1"/>
+          </a:effectRef>
+          <a:fontRef idx="minor">
+            <a:schemeClr val="lt1"/>
+          </a:fontRef>
+        </p:style>
+        <p:txBody>
+          <a:bodyPr rtlCol="0" anchor="ctr"/>
+          <a:lstStyle/>
+          <a:p>
+            <a:pPr algn="ctr"/>
+            <a:endParaRPr lang="ko-KR" altLang="en-US"/>
+          </a:p>
+        </p:txBody>
+      </p:sp>
+      <p:sp>
+        <p:nvSpPr>
+          <p:cNvPr id="9" name="직사각형 8">
+            <a:extLst>
+              <a:ext uri="{FF2B5EF4-FFF2-40B4-BE49-F238E27FC236}">
+                <a16:creationId xmlns:a16="http://schemas.microsoft.com/office/drawing/2014/main" id="{3214CC6F-B2D2-B640-0281-760BC8E1F767}"/>
+              </a:ext>
+            </a:extLst>
+          </p:cNvPr>
+          <p:cNvSpPr/>
+          <p:nvPr/>
+        </p:nvSpPr>
+        <p:spPr>
+          <a:xfrm>
+            <a:off x="3742888" y="2449585"/>
+            <a:ext cx="4688048" cy="3145456"/>
+          </a:xfrm>
+          <a:prstGeom prst="rect">
+            <a:avLst/>
+          </a:prstGeom>
+          <a:solidFill>
+            <a:schemeClr val="accent1">
+              <a:lumMod val="60000"/>
+              <a:lumOff val="40000"/>
+            </a:schemeClr>
+          </a:solidFill>
+          <a:ln>
+            <a:noFill/>
+          </a:ln>
+        </p:spPr>
+        <p:style>
+          <a:lnRef idx="2">
+            <a:schemeClr val="accent1">
+              <a:shade val="50000"/>
+            </a:schemeClr>
+          </a:lnRef>
+          <a:fillRef idx="1">
+            <a:schemeClr val="accent1"/>
+          </a:fillRef>
+          <a:effectRef idx="0">
+            <a:schemeClr val="accent1"/>
+          </a:effectRef>
+          <a:fontRef idx="minor">
+            <a:schemeClr val="lt1"/>
+          </a:fontRef>
+        </p:style>
+        <p:txBody>
+          <a:bodyPr rtlCol="0" anchor="ctr"/>
+          <a:lstStyle/>
+          <a:p>
+            <a:pPr algn="ctr"/>
+            <a:endParaRPr lang="ko-KR" altLang="en-US"/>
+          </a:p>
+        </p:txBody>
+      </p:sp>
+      <p:grpSp>
+        <p:nvGrpSpPr>
+          <p:cNvPr id="14" name="그룹 13">
+            <a:extLst>
+              <a:ext uri="{FF2B5EF4-FFF2-40B4-BE49-F238E27FC236}">
+                <a16:creationId xmlns:a16="http://schemas.microsoft.com/office/drawing/2014/main" id="{89CE2997-6099-FB8C-4079-3DF873ABC826}"/>
+              </a:ext>
+            </a:extLst>
+          </p:cNvPr>
+          <p:cNvGrpSpPr/>
+          <p:nvPr/>
+        </p:nvGrpSpPr>
+        <p:grpSpPr>
+          <a:xfrm>
+            <a:off x="3793788" y="2711656"/>
+            <a:ext cx="1553369" cy="434613"/>
+            <a:chOff x="2156537" y="2132815"/>
+            <a:chExt cx="1553369" cy="434613"/>
+          </a:xfrm>
+        </p:grpSpPr>
+        <p:sp>
+          <p:nvSpPr>
+            <p:cNvPr id="10" name="TextBox 9">
+              <a:extLst>
+                <a:ext uri="{FF2B5EF4-FFF2-40B4-BE49-F238E27FC236}">
+                  <a16:creationId xmlns:a16="http://schemas.microsoft.com/office/drawing/2014/main" id="{BD87563A-BF21-2328-5C80-34A873198E92}"/>
+                </a:ext>
+              </a:extLst>
+            </p:cNvPr>
+            <p:cNvSpPr txBox="1"/>
+            <p:nvPr/>
+          </p:nvSpPr>
+          <p:spPr>
+            <a:xfrm>
+              <a:off x="2582674" y="2196234"/>
+              <a:ext cx="1127232" cy="307777"/>
+            </a:xfrm>
+            <a:prstGeom prst="rect">
+              <a:avLst/>
+            </a:prstGeom>
+            <a:noFill/>
+          </p:spPr>
+          <p:txBody>
+            <a:bodyPr wrap="none" rtlCol="0">
+              <a:spAutoFit/>
+            </a:bodyPr>
+            <a:lstStyle/>
+            <a:p>
+              <a:r>
+                <a:rPr lang="ko-KR" altLang="en-US" sz="1400" strike="sngStrike" dirty="0"/>
+                <a:t>의뢰 목표 </a:t>
+              </a:r>
+              <a:r>
+                <a:rPr lang="en-US" altLang="ko-KR" sz="1400" strike="sngStrike" dirty="0"/>
+                <a:t>1</a:t>
+              </a:r>
+              <a:endParaRPr lang="ko-KR" altLang="en-US" sz="1400" strike="sngStrike" dirty="0"/>
+            </a:p>
+          </p:txBody>
+        </p:sp>
+        <p:pic>
+          <p:nvPicPr>
+            <p:cNvPr id="11" name="그래픽 10" descr="확인란 선택됨 윤곽선">
+              <a:extLst>
+                <a:ext uri="{FF2B5EF4-FFF2-40B4-BE49-F238E27FC236}">
+                  <a16:creationId xmlns:a16="http://schemas.microsoft.com/office/drawing/2014/main" id="{72FDD610-1E49-CF57-8C89-9F2DC14B23A2}"/>
+                </a:ext>
+              </a:extLst>
+            </p:cNvPr>
+            <p:cNvPicPr>
+              <a:picLocks noChangeAspect="1"/>
+            </p:cNvPicPr>
+            <p:nvPr/>
+          </p:nvPicPr>
+          <p:blipFill>
+            <a:blip r:embed="rId2">
+              <a:extLst>
+                <a:ext uri="{28A0092B-C50C-407E-A947-70E740481C1C}">
+                  <a14:useLocalDpi xmlns:a14="http://schemas.microsoft.com/office/drawing/2010/main" val="0"/>
+                </a:ext>
+                <a:ext uri="{96DAC541-7B7A-43D3-8B79-37D633B846F1}">
+                  <asvg:svgBlip xmlns:asvg="http://schemas.microsoft.com/office/drawing/2016/SVG/main" r:embed="rId3"/>
+                </a:ext>
+              </a:extLst>
+            </a:blip>
+            <a:stretch>
+              <a:fillRect/>
+            </a:stretch>
+          </p:blipFill>
+          <p:spPr>
+            <a:xfrm>
+              <a:off x="2156537" y="2132815"/>
+              <a:ext cx="434613" cy="434613"/>
+            </a:xfrm>
+            <a:prstGeom prst="rect">
+              <a:avLst/>
+            </a:prstGeom>
+          </p:spPr>
+        </p:pic>
+      </p:grpSp>
+      <p:grpSp>
+        <p:nvGrpSpPr>
+          <p:cNvPr id="15" name="그룹 14">
+            <a:extLst>
+              <a:ext uri="{FF2B5EF4-FFF2-40B4-BE49-F238E27FC236}">
+                <a16:creationId xmlns:a16="http://schemas.microsoft.com/office/drawing/2014/main" id="{76CE140D-B897-516E-64AD-A386B939B638}"/>
+              </a:ext>
+            </a:extLst>
+          </p:cNvPr>
+          <p:cNvGrpSpPr/>
+          <p:nvPr/>
+        </p:nvGrpSpPr>
+        <p:grpSpPr>
+          <a:xfrm>
+            <a:off x="3793788" y="3442651"/>
+            <a:ext cx="1553369" cy="434613"/>
+            <a:chOff x="2156537" y="2132815"/>
+            <a:chExt cx="1553369" cy="434613"/>
+          </a:xfrm>
+        </p:grpSpPr>
+        <p:sp>
+          <p:nvSpPr>
+            <p:cNvPr id="16" name="TextBox 15">
+              <a:extLst>
+                <a:ext uri="{FF2B5EF4-FFF2-40B4-BE49-F238E27FC236}">
+                  <a16:creationId xmlns:a16="http://schemas.microsoft.com/office/drawing/2014/main" id="{E09A5D2A-C801-2282-BD23-DD581B61628B}"/>
+                </a:ext>
+              </a:extLst>
+            </p:cNvPr>
+            <p:cNvSpPr txBox="1"/>
+            <p:nvPr/>
+          </p:nvSpPr>
+          <p:spPr>
+            <a:xfrm>
+              <a:off x="2582674" y="2196234"/>
+              <a:ext cx="1127232" cy="307777"/>
+            </a:xfrm>
+            <a:prstGeom prst="rect">
+              <a:avLst/>
+            </a:prstGeom>
+            <a:noFill/>
+          </p:spPr>
+          <p:txBody>
+            <a:bodyPr wrap="none" rtlCol="0">
+              <a:spAutoFit/>
+            </a:bodyPr>
+            <a:lstStyle/>
+            <a:p>
+              <a:r>
+                <a:rPr lang="ko-KR" altLang="en-US" sz="1400" strike="sngStrike" dirty="0"/>
+                <a:t>의뢰 목표 </a:t>
+              </a:r>
+              <a:r>
+                <a:rPr lang="en-US" altLang="ko-KR" sz="1400" strike="sngStrike" dirty="0"/>
+                <a:t>2</a:t>
+              </a:r>
+              <a:endParaRPr lang="ko-KR" altLang="en-US" sz="1400" strike="sngStrike" dirty="0"/>
+            </a:p>
+          </p:txBody>
+        </p:sp>
+        <p:pic>
+          <p:nvPicPr>
+            <p:cNvPr id="17" name="그래픽 16" descr="확인란 선택됨 윤곽선">
+              <a:extLst>
+                <a:ext uri="{FF2B5EF4-FFF2-40B4-BE49-F238E27FC236}">
+                  <a16:creationId xmlns:a16="http://schemas.microsoft.com/office/drawing/2014/main" id="{202D1E99-8F37-D8D6-1356-B0952D128C91}"/>
+                </a:ext>
+              </a:extLst>
+            </p:cNvPr>
+            <p:cNvPicPr>
+              <a:picLocks noChangeAspect="1"/>
+            </p:cNvPicPr>
+            <p:nvPr/>
+          </p:nvPicPr>
+          <p:blipFill>
+            <a:blip r:embed="rId2">
+              <a:extLst>
+                <a:ext uri="{28A0092B-C50C-407E-A947-70E740481C1C}">
+                  <a14:useLocalDpi xmlns:a14="http://schemas.microsoft.com/office/drawing/2010/main" val="0"/>
+                </a:ext>
+                <a:ext uri="{96DAC541-7B7A-43D3-8B79-37D633B846F1}">
+                  <asvg:svgBlip xmlns:asvg="http://schemas.microsoft.com/office/drawing/2016/SVG/main" r:embed="rId3"/>
+                </a:ext>
+              </a:extLst>
+            </a:blip>
+            <a:stretch>
+              <a:fillRect/>
+            </a:stretch>
+          </p:blipFill>
+          <p:spPr>
+            <a:xfrm>
+              <a:off x="2156537" y="2132815"/>
+              <a:ext cx="434613" cy="434613"/>
+            </a:xfrm>
+            <a:prstGeom prst="rect">
+              <a:avLst/>
+            </a:prstGeom>
+          </p:spPr>
+        </p:pic>
+      </p:grpSp>
+      <p:grpSp>
+        <p:nvGrpSpPr>
+          <p:cNvPr id="18" name="그룹 17">
+            <a:extLst>
+              <a:ext uri="{FF2B5EF4-FFF2-40B4-BE49-F238E27FC236}">
+                <a16:creationId xmlns:a16="http://schemas.microsoft.com/office/drawing/2014/main" id="{C039029B-DE4C-9A33-2500-BB8B294ED57C}"/>
+              </a:ext>
+            </a:extLst>
+          </p:cNvPr>
+          <p:cNvGrpSpPr/>
+          <p:nvPr/>
+        </p:nvGrpSpPr>
+        <p:grpSpPr>
+          <a:xfrm>
+            <a:off x="3793788" y="4173646"/>
+            <a:ext cx="1553369" cy="434613"/>
+            <a:chOff x="2156537" y="2132815"/>
+            <a:chExt cx="1553369" cy="434613"/>
+          </a:xfrm>
+        </p:grpSpPr>
+        <p:sp>
+          <p:nvSpPr>
+            <p:cNvPr id="19" name="TextBox 18">
+              <a:extLst>
+                <a:ext uri="{FF2B5EF4-FFF2-40B4-BE49-F238E27FC236}">
+                  <a16:creationId xmlns:a16="http://schemas.microsoft.com/office/drawing/2014/main" id="{F4EF739F-48B1-E67B-AE02-D83C8A23D30A}"/>
+                </a:ext>
+              </a:extLst>
+            </p:cNvPr>
+            <p:cNvSpPr txBox="1"/>
+            <p:nvPr/>
+          </p:nvSpPr>
+          <p:spPr>
+            <a:xfrm>
+              <a:off x="2582674" y="2196234"/>
+              <a:ext cx="1127232" cy="307777"/>
+            </a:xfrm>
+            <a:prstGeom prst="rect">
+              <a:avLst/>
+            </a:prstGeom>
+            <a:noFill/>
+          </p:spPr>
+          <p:txBody>
+            <a:bodyPr wrap="none" rtlCol="0">
+              <a:spAutoFit/>
+            </a:bodyPr>
+            <a:lstStyle/>
+            <a:p>
+              <a:r>
+                <a:rPr lang="ko-KR" altLang="en-US" sz="1400" dirty="0"/>
+                <a:t>의뢰 목표 </a:t>
+              </a:r>
+              <a:r>
+                <a:rPr lang="en-US" altLang="ko-KR" sz="1400" dirty="0"/>
+                <a:t>3</a:t>
+              </a:r>
+              <a:endParaRPr lang="ko-KR" altLang="en-US" sz="1400" dirty="0"/>
+            </a:p>
+          </p:txBody>
+        </p:sp>
+        <p:pic>
+          <p:nvPicPr>
+            <p:cNvPr id="20" name="그래픽 19" descr="확인란 선택됨 윤곽선">
+              <a:extLst>
+                <a:ext uri="{FF2B5EF4-FFF2-40B4-BE49-F238E27FC236}">
+                  <a16:creationId xmlns:a16="http://schemas.microsoft.com/office/drawing/2014/main" id="{ADFD26DA-4B31-CA82-6A84-D5B9BF602102}"/>
+                </a:ext>
+              </a:extLst>
+            </p:cNvPr>
+            <p:cNvPicPr>
+              <a:picLocks noChangeAspect="1"/>
+            </p:cNvPicPr>
+            <p:nvPr/>
+          </p:nvPicPr>
+          <p:blipFill>
+            <a:blip r:embed="rId2">
+              <a:extLst>
+                <a:ext uri="{28A0092B-C50C-407E-A947-70E740481C1C}">
+                  <a14:useLocalDpi xmlns:a14="http://schemas.microsoft.com/office/drawing/2010/main" val="0"/>
+                </a:ext>
+                <a:ext uri="{96DAC541-7B7A-43D3-8B79-37D633B846F1}">
+                  <asvg:svgBlip xmlns:asvg="http://schemas.microsoft.com/office/drawing/2016/SVG/main" r:embed="rId3"/>
+                </a:ext>
+              </a:extLst>
+            </a:blip>
+            <a:stretch>
+              <a:fillRect/>
+            </a:stretch>
+          </p:blipFill>
+          <p:spPr>
+            <a:xfrm>
+              <a:off x="2156537" y="2132815"/>
+              <a:ext cx="434613" cy="434613"/>
+            </a:xfrm>
+            <a:prstGeom prst="rect">
+              <a:avLst/>
+            </a:prstGeom>
+          </p:spPr>
+        </p:pic>
+      </p:grpSp>
+      <p:grpSp>
+        <p:nvGrpSpPr>
+          <p:cNvPr id="21" name="그룹 20">
+            <a:extLst>
+              <a:ext uri="{FF2B5EF4-FFF2-40B4-BE49-F238E27FC236}">
+                <a16:creationId xmlns:a16="http://schemas.microsoft.com/office/drawing/2014/main" id="{AB48BD18-5EEB-BC9B-14C8-6CCAB87FBF54}"/>
+              </a:ext>
+            </a:extLst>
+          </p:cNvPr>
+          <p:cNvGrpSpPr/>
+          <p:nvPr/>
+        </p:nvGrpSpPr>
+        <p:grpSpPr>
+          <a:xfrm>
+            <a:off x="3793788" y="4904640"/>
+            <a:ext cx="1553369" cy="434613"/>
+            <a:chOff x="2156537" y="2132815"/>
+            <a:chExt cx="1553369" cy="434613"/>
+          </a:xfrm>
+        </p:grpSpPr>
+        <p:sp>
+          <p:nvSpPr>
+            <p:cNvPr id="22" name="TextBox 21">
+              <a:extLst>
+                <a:ext uri="{FF2B5EF4-FFF2-40B4-BE49-F238E27FC236}">
+                  <a16:creationId xmlns:a16="http://schemas.microsoft.com/office/drawing/2014/main" id="{2C60CCCC-005D-9CFB-98D4-EB748A40B56E}"/>
+                </a:ext>
+              </a:extLst>
+            </p:cNvPr>
+            <p:cNvSpPr txBox="1"/>
+            <p:nvPr/>
+          </p:nvSpPr>
+          <p:spPr>
+            <a:xfrm>
+              <a:off x="2582674" y="2196234"/>
+              <a:ext cx="1127232" cy="307777"/>
+            </a:xfrm>
+            <a:prstGeom prst="rect">
+              <a:avLst/>
+            </a:prstGeom>
+            <a:noFill/>
+          </p:spPr>
+          <p:txBody>
+            <a:bodyPr wrap="none" rtlCol="0">
+              <a:spAutoFit/>
+            </a:bodyPr>
+            <a:lstStyle/>
+            <a:p>
+              <a:r>
+                <a:rPr lang="ko-KR" altLang="en-US" sz="1400" dirty="0"/>
+                <a:t>의뢰 목표 </a:t>
+              </a:r>
+              <a:r>
+                <a:rPr lang="en-US" altLang="ko-KR" sz="1400" dirty="0"/>
+                <a:t>4</a:t>
+              </a:r>
+              <a:endParaRPr lang="ko-KR" altLang="en-US" sz="1400" dirty="0"/>
+            </a:p>
+          </p:txBody>
+        </p:sp>
+        <p:pic>
+          <p:nvPicPr>
+            <p:cNvPr id="23" name="그래픽 22" descr="확인란 선택됨 윤곽선">
+              <a:extLst>
+                <a:ext uri="{FF2B5EF4-FFF2-40B4-BE49-F238E27FC236}">
+                  <a16:creationId xmlns:a16="http://schemas.microsoft.com/office/drawing/2014/main" id="{9CBF0F14-1252-061D-096F-900E36CAA532}"/>
+                </a:ext>
+              </a:extLst>
+            </p:cNvPr>
+            <p:cNvPicPr>
+              <a:picLocks noChangeAspect="1"/>
+            </p:cNvPicPr>
+            <p:nvPr/>
+          </p:nvPicPr>
+          <p:blipFill>
+            <a:blip r:embed="rId2">
+              <a:extLst>
+                <a:ext uri="{28A0092B-C50C-407E-A947-70E740481C1C}">
+                  <a14:useLocalDpi xmlns:a14="http://schemas.microsoft.com/office/drawing/2010/main" val="0"/>
+                </a:ext>
+                <a:ext uri="{96DAC541-7B7A-43D3-8B79-37D633B846F1}">
+                  <asvg:svgBlip xmlns:asvg="http://schemas.microsoft.com/office/drawing/2016/SVG/main" r:embed="rId3"/>
+                </a:ext>
+              </a:extLst>
+            </a:blip>
+            <a:stretch>
+              <a:fillRect/>
+            </a:stretch>
+          </p:blipFill>
+          <p:spPr>
+            <a:xfrm>
+              <a:off x="2156537" y="2132815"/>
+              <a:ext cx="434613" cy="434613"/>
+            </a:xfrm>
+            <a:prstGeom prst="rect">
+              <a:avLst/>
+            </a:prstGeom>
+          </p:spPr>
+        </p:pic>
+      </p:grpSp>
+      <p:sp>
+        <p:nvSpPr>
+          <p:cNvPr id="25" name="직사각형 24">
+            <a:extLst>
+              <a:ext uri="{FF2B5EF4-FFF2-40B4-BE49-F238E27FC236}">
+                <a16:creationId xmlns:a16="http://schemas.microsoft.com/office/drawing/2014/main" id="{12E1100E-981A-C16E-878E-573011CA3845}"/>
+              </a:ext>
+            </a:extLst>
+          </p:cNvPr>
+          <p:cNvSpPr/>
+          <p:nvPr/>
+        </p:nvSpPr>
+        <p:spPr>
+          <a:xfrm>
+            <a:off x="6904139" y="1263267"/>
+            <a:ext cx="1867948" cy="369332"/>
+          </a:xfrm>
+          <a:prstGeom prst="rect">
+            <a:avLst/>
+          </a:prstGeom>
+          <a:solidFill>
+            <a:schemeClr val="accent1">
+              <a:lumMod val="40000"/>
+              <a:lumOff val="60000"/>
+            </a:schemeClr>
+          </a:solidFill>
+          <a:ln>
+            <a:solidFill>
+              <a:schemeClr val="tx1"/>
+            </a:solidFill>
+          </a:ln>
+        </p:spPr>
+        <p:style>
+          <a:lnRef idx="2">
+            <a:schemeClr val="accent1">
+              <a:shade val="50000"/>
+            </a:schemeClr>
+          </a:lnRef>
+          <a:fillRef idx="1">
+            <a:schemeClr val="accent1"/>
+          </a:fillRef>
+          <a:effectRef idx="0">
+            <a:schemeClr val="accent1"/>
+          </a:effectRef>
+          <a:fontRef idx="minor">
+            <a:schemeClr val="lt1"/>
+          </a:fontRef>
+        </p:style>
+        <p:txBody>
+          <a:bodyPr rtlCol="0" anchor="ctr"/>
+          <a:lstStyle/>
+          <a:p>
+            <a:pPr algn="ctr"/>
+            <a:r>
+              <a:rPr lang="ko-KR" altLang="en-US" sz="1600" dirty="0">
+                <a:solidFill>
+                  <a:schemeClr val="tx1"/>
+                </a:solidFill>
+              </a:rPr>
+              <a:t>현재 시간 표시</a:t>
+            </a:r>
+            <a:endParaRPr lang="en-US" altLang="ko-KR" sz="1600" dirty="0">
+              <a:solidFill>
+                <a:schemeClr val="tx1"/>
+              </a:solidFill>
+            </a:endParaRPr>
+          </a:p>
+        </p:txBody>
+      </p:sp>
+      <p:sp>
+        <p:nvSpPr>
+          <p:cNvPr id="26" name="화살표: 오른쪽 25">
+            <a:extLst>
+              <a:ext uri="{FF2B5EF4-FFF2-40B4-BE49-F238E27FC236}">
+                <a16:creationId xmlns:a16="http://schemas.microsoft.com/office/drawing/2014/main" id="{5509C4CA-1E90-5F61-6003-4621E6B9E950}"/>
+              </a:ext>
+            </a:extLst>
+          </p:cNvPr>
+          <p:cNvSpPr/>
+          <p:nvPr/>
+        </p:nvSpPr>
+        <p:spPr>
+          <a:xfrm>
+            <a:off x="7838113" y="5809209"/>
+            <a:ext cx="978408" cy="484632"/>
+          </a:xfrm>
+          <a:prstGeom prst="rightArrow">
+            <a:avLst/>
+          </a:prstGeom>
+          <a:solidFill>
+            <a:srgbClr val="92D050"/>
+          </a:solidFill>
+        </p:spPr>
+        <p:style>
+          <a:lnRef idx="2">
+            <a:schemeClr val="accent1">
+              <a:shade val="50000"/>
+            </a:schemeClr>
+          </a:lnRef>
+          <a:fillRef idx="1">
+            <a:schemeClr val="accent1"/>
+          </a:fillRef>
+          <a:effectRef idx="0">
+            <a:schemeClr val="accent1"/>
+          </a:effectRef>
+          <a:fontRef idx="minor">
+            <a:schemeClr val="lt1"/>
+          </a:fontRef>
+        </p:style>
+        <p:txBody>
+          <a:bodyPr rtlCol="0" anchor="ctr"/>
+          <a:lstStyle/>
+          <a:p>
+            <a:pPr algn="ctr"/>
+            <a:r>
+              <a:rPr lang="ko-KR" altLang="en-US" sz="1000" dirty="0">
+                <a:solidFill>
+                  <a:schemeClr val="tx1"/>
+                </a:solidFill>
+              </a:rPr>
+              <a:t>다음으로</a:t>
+            </a:r>
+          </a:p>
+        </p:txBody>
+      </p:sp>
+      <p:sp>
+        <p:nvSpPr>
+          <p:cNvPr id="27" name="타원 26">
+            <a:extLst>
+              <a:ext uri="{FF2B5EF4-FFF2-40B4-BE49-F238E27FC236}">
+                <a16:creationId xmlns:a16="http://schemas.microsoft.com/office/drawing/2014/main" id="{C44AD021-B490-4826-98E5-E13FE9709602}"/>
+              </a:ext>
+            </a:extLst>
+          </p:cNvPr>
+          <p:cNvSpPr/>
+          <p:nvPr/>
+        </p:nvSpPr>
+        <p:spPr>
+          <a:xfrm>
+            <a:off x="7113864" y="4168905"/>
+            <a:ext cx="1658223" cy="1551963"/>
+          </a:xfrm>
+          <a:prstGeom prst="ellipse">
+            <a:avLst/>
+          </a:prstGeom>
+          <a:solidFill>
+            <a:srgbClr val="FFFF00"/>
+          </a:solidFill>
+          <a:ln>
+            <a:noFill/>
+          </a:ln>
+        </p:spPr>
+        <p:style>
+          <a:lnRef idx="2">
+            <a:schemeClr val="accent1">
+              <a:shade val="50000"/>
+            </a:schemeClr>
+          </a:lnRef>
+          <a:fillRef idx="1">
+            <a:schemeClr val="accent1"/>
+          </a:fillRef>
+          <a:effectRef idx="0">
+            <a:schemeClr val="accent1"/>
+          </a:effectRef>
+          <a:fontRef idx="minor">
+            <a:schemeClr val="lt1"/>
+          </a:fontRef>
+        </p:style>
+        <p:txBody>
+          <a:bodyPr rtlCol="0" anchor="ctr"/>
+          <a:lstStyle/>
+          <a:p>
+            <a:pPr algn="ctr"/>
+            <a:r>
+              <a:rPr lang="ko-KR" altLang="en-US" sz="1600" dirty="0">
+                <a:solidFill>
+                  <a:schemeClr val="tx1"/>
+                </a:solidFill>
+              </a:rPr>
+              <a:t>성공</a:t>
+            </a:r>
+            <a:r>
+              <a:rPr lang="en-US" altLang="ko-KR" sz="1600" dirty="0">
+                <a:solidFill>
+                  <a:schemeClr val="tx1"/>
+                </a:solidFill>
+              </a:rPr>
+              <a:t>/</a:t>
+            </a:r>
+            <a:r>
+              <a:rPr lang="ko-KR" altLang="en-US" sz="1600" dirty="0">
+                <a:solidFill>
+                  <a:schemeClr val="tx1"/>
+                </a:solidFill>
+              </a:rPr>
+              <a:t>실패</a:t>
+            </a:r>
+            <a:endParaRPr lang="en-US" altLang="ko-KR" sz="1600" dirty="0">
+              <a:solidFill>
+                <a:schemeClr val="tx1"/>
+              </a:solidFill>
+            </a:endParaRPr>
+          </a:p>
+          <a:p>
+            <a:pPr algn="ctr"/>
+            <a:r>
+              <a:rPr lang="ko-KR" altLang="en-US" sz="1600" dirty="0">
+                <a:solidFill>
+                  <a:schemeClr val="tx1"/>
+                </a:solidFill>
+              </a:rPr>
+              <a:t>여부</a:t>
+            </a:r>
+          </a:p>
+        </p:txBody>
+      </p:sp>
+    </p:spTree>
+    <p:extLst>
+      <p:ext uri="{BB962C8B-B14F-4D97-AF65-F5344CB8AC3E}">
+        <p14:creationId xmlns:p14="http://schemas.microsoft.com/office/powerpoint/2010/main" val="1233666201"/>
+      </p:ext>
+    </p:extLst>
+  </p:cSld>
+  <p:clrMapOvr>
+    <a:masterClrMapping/>
+  </p:clrMapOvr>
+</p:sld>
+</file>
+
+<file path=ppt/slides/slide27.xml><?xml version="1.0" encoding="utf-8"?>
+<p:sld xmlns:a="http://schemas.openxmlformats.org/drawingml/2006/main" xmlns:r="http://schemas.openxmlformats.org/officeDocument/2006/relationships" xmlns:p="http://schemas.openxmlformats.org/presentationml/2006/main">
+  <p:cSld>
+    <p:spTree>
+      <p:nvGrpSpPr>
+        <p:cNvPr id="1" name=""/>
+        <p:cNvGrpSpPr/>
+        <p:nvPr/>
+      </p:nvGrpSpPr>
+      <p:grpSpPr>
+        <a:xfrm>
+          <a:off x="0" y="0"/>
+          <a:ext cx="0" cy="0"/>
+          <a:chOff x="0" y="0"/>
+          <a:chExt cx="0" cy="0"/>
+        </a:xfrm>
+      </p:grpSpPr>
+      <p:sp>
+        <p:nvSpPr>
+          <p:cNvPr id="2" name="TextBox 1">
+            <a:extLst>
+              <a:ext uri="{FF2B5EF4-FFF2-40B4-BE49-F238E27FC236}">
+                <a16:creationId xmlns:a16="http://schemas.microsoft.com/office/drawing/2014/main" id="{DCDFEA4E-C854-52B1-D93C-D7C8C138C5D9}"/>
+              </a:ext>
+            </a:extLst>
+          </p:cNvPr>
+          <p:cNvSpPr txBox="1"/>
+          <p:nvPr/>
+        </p:nvSpPr>
+        <p:spPr>
+          <a:xfrm>
+            <a:off x="285226" y="243281"/>
+            <a:ext cx="2470548" cy="369332"/>
+          </a:xfrm>
+          <a:prstGeom prst="rect">
+            <a:avLst/>
+          </a:prstGeom>
+          <a:noFill/>
+        </p:spPr>
+        <p:txBody>
+          <a:bodyPr wrap="none" rtlCol="0">
+            <a:spAutoFit/>
+          </a:bodyPr>
+          <a:lstStyle/>
+          <a:p>
+            <a:r>
+              <a:rPr lang="ko-KR" altLang="en-US" dirty="0" err="1"/>
+              <a:t>결과창</a:t>
+            </a:r>
+            <a:r>
+              <a:rPr lang="ko-KR" altLang="en-US" dirty="0"/>
+              <a:t> </a:t>
+            </a:r>
+            <a:r>
+              <a:rPr lang="en-US" altLang="ko-KR" dirty="0"/>
+              <a:t>UI – </a:t>
+            </a:r>
+            <a:r>
+              <a:rPr lang="ko-KR" altLang="en-US" dirty="0"/>
+              <a:t>상세</a:t>
+            </a:r>
+            <a:r>
+              <a:rPr lang="en-US" altLang="ko-KR" dirty="0"/>
+              <a:t> </a:t>
+            </a:r>
+            <a:r>
+              <a:rPr lang="ko-KR" altLang="en-US" dirty="0"/>
+              <a:t>설명</a:t>
+            </a:r>
+          </a:p>
+        </p:txBody>
+      </p:sp>
+      <p:sp>
+        <p:nvSpPr>
+          <p:cNvPr id="3" name="직사각형 2">
+            <a:extLst>
+              <a:ext uri="{FF2B5EF4-FFF2-40B4-BE49-F238E27FC236}">
+                <a16:creationId xmlns:a16="http://schemas.microsoft.com/office/drawing/2014/main" id="{CD379BC4-74B7-AEF2-8697-A392A05BC871}"/>
+              </a:ext>
+            </a:extLst>
+          </p:cNvPr>
+          <p:cNvSpPr>
+            <a:spLocks noChangeAspect="1"/>
+          </p:cNvSpPr>
+          <p:nvPr/>
+        </p:nvSpPr>
+        <p:spPr>
+          <a:xfrm>
+            <a:off x="1054216" y="830510"/>
+            <a:ext cx="10083567" cy="5672006"/>
+          </a:xfrm>
+          <a:prstGeom prst="rect">
+            <a:avLst/>
+          </a:prstGeom>
+          <a:solidFill>
+            <a:schemeClr val="bg1">
+              <a:lumMod val="75000"/>
+            </a:schemeClr>
+          </a:solidFill>
+          <a:ln>
+            <a:noFill/>
+          </a:ln>
+        </p:spPr>
+        <p:style>
+          <a:lnRef idx="2">
+            <a:schemeClr val="accent1">
+              <a:shade val="50000"/>
+            </a:schemeClr>
+          </a:lnRef>
+          <a:fillRef idx="1">
+            <a:schemeClr val="accent1"/>
+          </a:fillRef>
+          <a:effectRef idx="0">
+            <a:schemeClr val="accent1"/>
+          </a:effectRef>
+          <a:fontRef idx="minor">
+            <a:schemeClr val="lt1"/>
+          </a:fontRef>
+        </p:style>
+        <p:txBody>
+          <a:bodyPr rtlCol="0" anchor="ctr"/>
+          <a:lstStyle/>
+          <a:p>
+            <a:pPr algn="ctr"/>
+            <a:endParaRPr lang="ko-KR" altLang="en-US" dirty="0"/>
+          </a:p>
+        </p:txBody>
+      </p:sp>
+      <p:sp>
+        <p:nvSpPr>
+          <p:cNvPr id="5" name="직사각형 4">
+            <a:extLst>
+              <a:ext uri="{FF2B5EF4-FFF2-40B4-BE49-F238E27FC236}">
+                <a16:creationId xmlns:a16="http://schemas.microsoft.com/office/drawing/2014/main" id="{56718CD9-CD66-177A-B7DB-C944C9420529}"/>
+              </a:ext>
+            </a:extLst>
+          </p:cNvPr>
+          <p:cNvSpPr/>
+          <p:nvPr/>
+        </p:nvSpPr>
+        <p:spPr>
+          <a:xfrm>
+            <a:off x="3273104" y="962637"/>
+            <a:ext cx="5645791" cy="5385732"/>
+          </a:xfrm>
+          <a:prstGeom prst="rect">
+            <a:avLst/>
+          </a:prstGeom>
+          <a:solidFill>
+            <a:schemeClr val="accent1">
+              <a:lumMod val="40000"/>
+              <a:lumOff val="60000"/>
+            </a:schemeClr>
+          </a:solidFill>
+          <a:ln>
+            <a:noFill/>
+          </a:ln>
+        </p:spPr>
+        <p:style>
+          <a:lnRef idx="2">
+            <a:schemeClr val="accent1">
+              <a:shade val="50000"/>
+            </a:schemeClr>
+          </a:lnRef>
+          <a:fillRef idx="1">
+            <a:schemeClr val="accent1"/>
+          </a:fillRef>
+          <a:effectRef idx="0">
+            <a:schemeClr val="accent1"/>
+          </a:effectRef>
+          <a:fontRef idx="minor">
+            <a:schemeClr val="lt1"/>
+          </a:fontRef>
+        </p:style>
+        <p:txBody>
+          <a:bodyPr rtlCol="0" anchor="ctr"/>
+          <a:lstStyle/>
+          <a:p>
+            <a:pPr algn="ctr"/>
+            <a:endParaRPr lang="ko-KR" altLang="en-US"/>
+          </a:p>
+        </p:txBody>
+      </p:sp>
+      <p:sp>
+        <p:nvSpPr>
+          <p:cNvPr id="7" name="TextBox 6">
+            <a:extLst>
+              <a:ext uri="{FF2B5EF4-FFF2-40B4-BE49-F238E27FC236}">
+                <a16:creationId xmlns:a16="http://schemas.microsoft.com/office/drawing/2014/main" id="{0097A051-157D-EBBE-61D3-4B7937FAB2D4}"/>
+              </a:ext>
+            </a:extLst>
+          </p:cNvPr>
+          <p:cNvSpPr txBox="1"/>
+          <p:nvPr/>
+        </p:nvSpPr>
+        <p:spPr>
+          <a:xfrm>
+            <a:off x="3993509" y="1262959"/>
+            <a:ext cx="1189749" cy="369332"/>
+          </a:xfrm>
+          <a:prstGeom prst="rect">
+            <a:avLst/>
+          </a:prstGeom>
+          <a:noFill/>
+        </p:spPr>
+        <p:txBody>
+          <a:bodyPr wrap="none" rtlCol="0">
+            <a:spAutoFit/>
+          </a:bodyPr>
+          <a:lstStyle/>
+          <a:p>
+            <a:r>
+              <a:rPr lang="ko-KR" altLang="en-US" b="1" dirty="0"/>
+              <a:t>의뢰 제목</a:t>
+            </a:r>
+          </a:p>
+        </p:txBody>
+      </p:sp>
+      <p:sp>
+        <p:nvSpPr>
+          <p:cNvPr id="8" name="타원 7">
+            <a:extLst>
+              <a:ext uri="{FF2B5EF4-FFF2-40B4-BE49-F238E27FC236}">
+                <a16:creationId xmlns:a16="http://schemas.microsoft.com/office/drawing/2014/main" id="{511C1B93-9206-BC72-C16A-EE641F98CB6C}"/>
+              </a:ext>
+            </a:extLst>
+          </p:cNvPr>
+          <p:cNvSpPr/>
+          <p:nvPr/>
+        </p:nvSpPr>
+        <p:spPr>
+          <a:xfrm>
+            <a:off x="3398939" y="1150340"/>
+            <a:ext cx="594570" cy="594570"/>
+          </a:xfrm>
+          <a:prstGeom prst="ellipse">
+            <a:avLst/>
+          </a:prstGeom>
+          <a:solidFill>
+            <a:srgbClr val="FFFF00"/>
+          </a:solidFill>
+          <a:ln>
+            <a:noFill/>
+          </a:ln>
+        </p:spPr>
+        <p:style>
+          <a:lnRef idx="2">
+            <a:schemeClr val="accent1">
+              <a:shade val="50000"/>
+            </a:schemeClr>
+          </a:lnRef>
+          <a:fillRef idx="1">
+            <a:schemeClr val="accent1"/>
+          </a:fillRef>
+          <a:effectRef idx="0">
+            <a:schemeClr val="accent1"/>
+          </a:effectRef>
+          <a:fontRef idx="minor">
+            <a:schemeClr val="lt1"/>
+          </a:fontRef>
+        </p:style>
+        <p:txBody>
+          <a:bodyPr rtlCol="0" anchor="ctr"/>
+          <a:lstStyle/>
+          <a:p>
+            <a:pPr algn="ctr"/>
+            <a:endParaRPr lang="ko-KR" altLang="en-US"/>
+          </a:p>
+        </p:txBody>
+      </p:sp>
+      <p:sp>
+        <p:nvSpPr>
+          <p:cNvPr id="9" name="직사각형 8">
+            <a:extLst>
+              <a:ext uri="{FF2B5EF4-FFF2-40B4-BE49-F238E27FC236}">
+                <a16:creationId xmlns:a16="http://schemas.microsoft.com/office/drawing/2014/main" id="{3214CC6F-B2D2-B640-0281-760BC8E1F767}"/>
+              </a:ext>
+            </a:extLst>
+          </p:cNvPr>
+          <p:cNvSpPr/>
+          <p:nvPr/>
+        </p:nvSpPr>
+        <p:spPr>
+          <a:xfrm>
+            <a:off x="3742888" y="2449585"/>
+            <a:ext cx="4688048" cy="3145456"/>
+          </a:xfrm>
+          <a:prstGeom prst="rect">
+            <a:avLst/>
+          </a:prstGeom>
+          <a:solidFill>
+            <a:schemeClr val="accent1">
+              <a:lumMod val="60000"/>
+              <a:lumOff val="40000"/>
+            </a:schemeClr>
+          </a:solidFill>
+          <a:ln>
+            <a:noFill/>
+          </a:ln>
+        </p:spPr>
+        <p:style>
+          <a:lnRef idx="2">
+            <a:schemeClr val="accent1">
+              <a:shade val="50000"/>
+            </a:schemeClr>
+          </a:lnRef>
+          <a:fillRef idx="1">
+            <a:schemeClr val="accent1"/>
+          </a:fillRef>
+          <a:effectRef idx="0">
+            <a:schemeClr val="accent1"/>
+          </a:effectRef>
+          <a:fontRef idx="minor">
+            <a:schemeClr val="lt1"/>
+          </a:fontRef>
+        </p:style>
+        <p:txBody>
+          <a:bodyPr rtlCol="0" anchor="ctr"/>
+          <a:lstStyle/>
+          <a:p>
+            <a:pPr algn="ctr"/>
+            <a:endParaRPr lang="ko-KR" altLang="en-US"/>
+          </a:p>
+        </p:txBody>
+      </p:sp>
+      <p:grpSp>
+        <p:nvGrpSpPr>
+          <p:cNvPr id="14" name="그룹 13">
+            <a:extLst>
+              <a:ext uri="{FF2B5EF4-FFF2-40B4-BE49-F238E27FC236}">
+                <a16:creationId xmlns:a16="http://schemas.microsoft.com/office/drawing/2014/main" id="{89CE2997-6099-FB8C-4079-3DF873ABC826}"/>
+              </a:ext>
+            </a:extLst>
+          </p:cNvPr>
+          <p:cNvGrpSpPr/>
+          <p:nvPr/>
+        </p:nvGrpSpPr>
+        <p:grpSpPr>
+          <a:xfrm>
+            <a:off x="3793788" y="2711656"/>
+            <a:ext cx="1553369" cy="434613"/>
+            <a:chOff x="2156537" y="2132815"/>
+            <a:chExt cx="1553369" cy="434613"/>
+          </a:xfrm>
+        </p:grpSpPr>
+        <p:sp>
+          <p:nvSpPr>
+            <p:cNvPr id="10" name="TextBox 9">
+              <a:extLst>
+                <a:ext uri="{FF2B5EF4-FFF2-40B4-BE49-F238E27FC236}">
+                  <a16:creationId xmlns:a16="http://schemas.microsoft.com/office/drawing/2014/main" id="{BD87563A-BF21-2328-5C80-34A873198E92}"/>
+                </a:ext>
+              </a:extLst>
+            </p:cNvPr>
+            <p:cNvSpPr txBox="1"/>
+            <p:nvPr/>
+          </p:nvSpPr>
+          <p:spPr>
+            <a:xfrm>
+              <a:off x="2582674" y="2196234"/>
+              <a:ext cx="1127232" cy="307777"/>
+            </a:xfrm>
+            <a:prstGeom prst="rect">
+              <a:avLst/>
+            </a:prstGeom>
+            <a:noFill/>
+          </p:spPr>
+          <p:txBody>
+            <a:bodyPr wrap="none" rtlCol="0">
+              <a:spAutoFit/>
+            </a:bodyPr>
+            <a:lstStyle/>
+            <a:p>
+              <a:r>
+                <a:rPr lang="ko-KR" altLang="en-US" sz="1400" strike="sngStrike" dirty="0"/>
+                <a:t>의뢰 목표 </a:t>
+              </a:r>
+              <a:r>
+                <a:rPr lang="en-US" altLang="ko-KR" sz="1400" strike="sngStrike" dirty="0"/>
+                <a:t>1</a:t>
+              </a:r>
+              <a:endParaRPr lang="ko-KR" altLang="en-US" sz="1400" strike="sngStrike" dirty="0"/>
+            </a:p>
+          </p:txBody>
+        </p:sp>
+        <p:pic>
+          <p:nvPicPr>
+            <p:cNvPr id="11" name="그래픽 10" descr="확인란 선택됨 윤곽선">
+              <a:extLst>
+                <a:ext uri="{FF2B5EF4-FFF2-40B4-BE49-F238E27FC236}">
+                  <a16:creationId xmlns:a16="http://schemas.microsoft.com/office/drawing/2014/main" id="{72FDD610-1E49-CF57-8C89-9F2DC14B23A2}"/>
+                </a:ext>
+              </a:extLst>
+            </p:cNvPr>
+            <p:cNvPicPr>
+              <a:picLocks noChangeAspect="1"/>
+            </p:cNvPicPr>
+            <p:nvPr/>
+          </p:nvPicPr>
+          <p:blipFill>
+            <a:blip r:embed="rId2">
+              <a:extLst>
+                <a:ext uri="{28A0092B-C50C-407E-A947-70E740481C1C}">
+                  <a14:useLocalDpi xmlns:a14="http://schemas.microsoft.com/office/drawing/2010/main" val="0"/>
+                </a:ext>
+                <a:ext uri="{96DAC541-7B7A-43D3-8B79-37D633B846F1}">
+                  <asvg:svgBlip xmlns:asvg="http://schemas.microsoft.com/office/drawing/2016/SVG/main" r:embed="rId3"/>
+                </a:ext>
+              </a:extLst>
+            </a:blip>
+            <a:stretch>
+              <a:fillRect/>
+            </a:stretch>
+          </p:blipFill>
+          <p:spPr>
+            <a:xfrm>
+              <a:off x="2156537" y="2132815"/>
+              <a:ext cx="434613" cy="434613"/>
+            </a:xfrm>
+            <a:prstGeom prst="rect">
+              <a:avLst/>
+            </a:prstGeom>
+          </p:spPr>
+        </p:pic>
+      </p:grpSp>
+      <p:grpSp>
+        <p:nvGrpSpPr>
+          <p:cNvPr id="15" name="그룹 14">
+            <a:extLst>
+              <a:ext uri="{FF2B5EF4-FFF2-40B4-BE49-F238E27FC236}">
+                <a16:creationId xmlns:a16="http://schemas.microsoft.com/office/drawing/2014/main" id="{76CE140D-B897-516E-64AD-A386B939B638}"/>
+              </a:ext>
+            </a:extLst>
+          </p:cNvPr>
+          <p:cNvGrpSpPr/>
+          <p:nvPr/>
+        </p:nvGrpSpPr>
+        <p:grpSpPr>
+          <a:xfrm>
+            <a:off x="3793788" y="3442651"/>
+            <a:ext cx="1553369" cy="434613"/>
+            <a:chOff x="2156537" y="2132815"/>
+            <a:chExt cx="1553369" cy="434613"/>
+          </a:xfrm>
+        </p:grpSpPr>
+        <p:sp>
+          <p:nvSpPr>
+            <p:cNvPr id="16" name="TextBox 15">
+              <a:extLst>
+                <a:ext uri="{FF2B5EF4-FFF2-40B4-BE49-F238E27FC236}">
+                  <a16:creationId xmlns:a16="http://schemas.microsoft.com/office/drawing/2014/main" id="{E09A5D2A-C801-2282-BD23-DD581B61628B}"/>
+                </a:ext>
+              </a:extLst>
+            </p:cNvPr>
+            <p:cNvSpPr txBox="1"/>
+            <p:nvPr/>
+          </p:nvSpPr>
+          <p:spPr>
+            <a:xfrm>
+              <a:off x="2582674" y="2196234"/>
+              <a:ext cx="1127232" cy="307777"/>
+            </a:xfrm>
+            <a:prstGeom prst="rect">
+              <a:avLst/>
+            </a:prstGeom>
+            <a:noFill/>
+          </p:spPr>
+          <p:txBody>
+            <a:bodyPr wrap="none" rtlCol="0">
+              <a:spAutoFit/>
+            </a:bodyPr>
+            <a:lstStyle/>
+            <a:p>
+              <a:r>
+                <a:rPr lang="ko-KR" altLang="en-US" sz="1400" strike="sngStrike" dirty="0"/>
+                <a:t>의뢰 목표 </a:t>
+              </a:r>
+              <a:r>
+                <a:rPr lang="en-US" altLang="ko-KR" sz="1400" strike="sngStrike" dirty="0"/>
+                <a:t>2</a:t>
+              </a:r>
+              <a:endParaRPr lang="ko-KR" altLang="en-US" sz="1400" strike="sngStrike" dirty="0"/>
+            </a:p>
+          </p:txBody>
+        </p:sp>
+        <p:pic>
+          <p:nvPicPr>
+            <p:cNvPr id="17" name="그래픽 16" descr="확인란 선택됨 윤곽선">
+              <a:extLst>
+                <a:ext uri="{FF2B5EF4-FFF2-40B4-BE49-F238E27FC236}">
+                  <a16:creationId xmlns:a16="http://schemas.microsoft.com/office/drawing/2014/main" id="{202D1E99-8F37-D8D6-1356-B0952D128C91}"/>
+                </a:ext>
+              </a:extLst>
+            </p:cNvPr>
+            <p:cNvPicPr>
+              <a:picLocks noChangeAspect="1"/>
+            </p:cNvPicPr>
+            <p:nvPr/>
+          </p:nvPicPr>
+          <p:blipFill>
+            <a:blip r:embed="rId2">
+              <a:extLst>
+                <a:ext uri="{28A0092B-C50C-407E-A947-70E740481C1C}">
+                  <a14:useLocalDpi xmlns:a14="http://schemas.microsoft.com/office/drawing/2010/main" val="0"/>
+                </a:ext>
+                <a:ext uri="{96DAC541-7B7A-43D3-8B79-37D633B846F1}">
+                  <asvg:svgBlip xmlns:asvg="http://schemas.microsoft.com/office/drawing/2016/SVG/main" r:embed="rId3"/>
+                </a:ext>
+              </a:extLst>
+            </a:blip>
+            <a:stretch>
+              <a:fillRect/>
+            </a:stretch>
+          </p:blipFill>
+          <p:spPr>
+            <a:xfrm>
+              <a:off x="2156537" y="2132815"/>
+              <a:ext cx="434613" cy="434613"/>
+            </a:xfrm>
+            <a:prstGeom prst="rect">
+              <a:avLst/>
+            </a:prstGeom>
+          </p:spPr>
+        </p:pic>
+      </p:grpSp>
+      <p:grpSp>
+        <p:nvGrpSpPr>
+          <p:cNvPr id="18" name="그룹 17">
+            <a:extLst>
+              <a:ext uri="{FF2B5EF4-FFF2-40B4-BE49-F238E27FC236}">
+                <a16:creationId xmlns:a16="http://schemas.microsoft.com/office/drawing/2014/main" id="{C039029B-DE4C-9A33-2500-BB8B294ED57C}"/>
+              </a:ext>
+            </a:extLst>
+          </p:cNvPr>
+          <p:cNvGrpSpPr/>
+          <p:nvPr/>
+        </p:nvGrpSpPr>
+        <p:grpSpPr>
+          <a:xfrm>
+            <a:off x="3793788" y="4173646"/>
+            <a:ext cx="1553369" cy="434613"/>
+            <a:chOff x="2156537" y="2132815"/>
+            <a:chExt cx="1553369" cy="434613"/>
+          </a:xfrm>
+        </p:grpSpPr>
+        <p:sp>
+          <p:nvSpPr>
+            <p:cNvPr id="19" name="TextBox 18">
+              <a:extLst>
+                <a:ext uri="{FF2B5EF4-FFF2-40B4-BE49-F238E27FC236}">
+                  <a16:creationId xmlns:a16="http://schemas.microsoft.com/office/drawing/2014/main" id="{F4EF739F-48B1-E67B-AE02-D83C8A23D30A}"/>
+                </a:ext>
+              </a:extLst>
+            </p:cNvPr>
+            <p:cNvSpPr txBox="1"/>
+            <p:nvPr/>
+          </p:nvSpPr>
+          <p:spPr>
+            <a:xfrm>
+              <a:off x="2582674" y="2196234"/>
+              <a:ext cx="1127232" cy="307777"/>
+            </a:xfrm>
+            <a:prstGeom prst="rect">
+              <a:avLst/>
+            </a:prstGeom>
+            <a:noFill/>
+          </p:spPr>
+          <p:txBody>
+            <a:bodyPr wrap="none" rtlCol="0">
+              <a:spAutoFit/>
+            </a:bodyPr>
+            <a:lstStyle/>
+            <a:p>
+              <a:r>
+                <a:rPr lang="ko-KR" altLang="en-US" sz="1400" dirty="0"/>
+                <a:t>의뢰 목표 </a:t>
+              </a:r>
+              <a:r>
+                <a:rPr lang="en-US" altLang="ko-KR" sz="1400" dirty="0"/>
+                <a:t>3</a:t>
+              </a:r>
+              <a:endParaRPr lang="ko-KR" altLang="en-US" sz="1400" dirty="0"/>
+            </a:p>
+          </p:txBody>
+        </p:sp>
+        <p:pic>
+          <p:nvPicPr>
+            <p:cNvPr id="20" name="그래픽 19" descr="확인란 선택됨 윤곽선">
+              <a:extLst>
+                <a:ext uri="{FF2B5EF4-FFF2-40B4-BE49-F238E27FC236}">
+                  <a16:creationId xmlns:a16="http://schemas.microsoft.com/office/drawing/2014/main" id="{ADFD26DA-4B31-CA82-6A84-D5B9BF602102}"/>
+                </a:ext>
+              </a:extLst>
+            </p:cNvPr>
+            <p:cNvPicPr>
+              <a:picLocks noChangeAspect="1"/>
+            </p:cNvPicPr>
+            <p:nvPr/>
+          </p:nvPicPr>
+          <p:blipFill>
+            <a:blip r:embed="rId2">
+              <a:extLst>
+                <a:ext uri="{28A0092B-C50C-407E-A947-70E740481C1C}">
+                  <a14:useLocalDpi xmlns:a14="http://schemas.microsoft.com/office/drawing/2010/main" val="0"/>
+                </a:ext>
+                <a:ext uri="{96DAC541-7B7A-43D3-8B79-37D633B846F1}">
+                  <asvg:svgBlip xmlns:asvg="http://schemas.microsoft.com/office/drawing/2016/SVG/main" r:embed="rId3"/>
+                </a:ext>
+              </a:extLst>
+            </a:blip>
+            <a:stretch>
+              <a:fillRect/>
+            </a:stretch>
+          </p:blipFill>
+          <p:spPr>
+            <a:xfrm>
+              <a:off x="2156537" y="2132815"/>
+              <a:ext cx="434613" cy="434613"/>
+            </a:xfrm>
+            <a:prstGeom prst="rect">
+              <a:avLst/>
+            </a:prstGeom>
+          </p:spPr>
+        </p:pic>
+      </p:grpSp>
+      <p:grpSp>
+        <p:nvGrpSpPr>
+          <p:cNvPr id="21" name="그룹 20">
+            <a:extLst>
+              <a:ext uri="{FF2B5EF4-FFF2-40B4-BE49-F238E27FC236}">
+                <a16:creationId xmlns:a16="http://schemas.microsoft.com/office/drawing/2014/main" id="{AB48BD18-5EEB-BC9B-14C8-6CCAB87FBF54}"/>
+              </a:ext>
+            </a:extLst>
+          </p:cNvPr>
+          <p:cNvGrpSpPr/>
+          <p:nvPr/>
+        </p:nvGrpSpPr>
+        <p:grpSpPr>
+          <a:xfrm>
+            <a:off x="3793788" y="4904640"/>
+            <a:ext cx="1553369" cy="434613"/>
+            <a:chOff x="2156537" y="2132815"/>
+            <a:chExt cx="1553369" cy="434613"/>
+          </a:xfrm>
+        </p:grpSpPr>
+        <p:sp>
+          <p:nvSpPr>
+            <p:cNvPr id="22" name="TextBox 21">
+              <a:extLst>
+                <a:ext uri="{FF2B5EF4-FFF2-40B4-BE49-F238E27FC236}">
+                  <a16:creationId xmlns:a16="http://schemas.microsoft.com/office/drawing/2014/main" id="{2C60CCCC-005D-9CFB-98D4-EB748A40B56E}"/>
+                </a:ext>
+              </a:extLst>
+            </p:cNvPr>
+            <p:cNvSpPr txBox="1"/>
+            <p:nvPr/>
+          </p:nvSpPr>
+          <p:spPr>
+            <a:xfrm>
+              <a:off x="2582674" y="2196234"/>
+              <a:ext cx="1127232" cy="307777"/>
+            </a:xfrm>
+            <a:prstGeom prst="rect">
+              <a:avLst/>
+            </a:prstGeom>
+            <a:noFill/>
+          </p:spPr>
+          <p:txBody>
+            <a:bodyPr wrap="none" rtlCol="0">
+              <a:spAutoFit/>
+            </a:bodyPr>
+            <a:lstStyle/>
+            <a:p>
+              <a:r>
+                <a:rPr lang="ko-KR" altLang="en-US" sz="1400" dirty="0"/>
+                <a:t>의뢰 목표 </a:t>
+              </a:r>
+              <a:r>
+                <a:rPr lang="en-US" altLang="ko-KR" sz="1400" dirty="0"/>
+                <a:t>4</a:t>
+              </a:r>
+              <a:endParaRPr lang="ko-KR" altLang="en-US" sz="1400" dirty="0"/>
+            </a:p>
+          </p:txBody>
+        </p:sp>
+        <p:pic>
+          <p:nvPicPr>
+            <p:cNvPr id="23" name="그래픽 22" descr="확인란 선택됨 윤곽선">
+              <a:extLst>
+                <a:ext uri="{FF2B5EF4-FFF2-40B4-BE49-F238E27FC236}">
+                  <a16:creationId xmlns:a16="http://schemas.microsoft.com/office/drawing/2014/main" id="{9CBF0F14-1252-061D-096F-900E36CAA532}"/>
+                </a:ext>
+              </a:extLst>
+            </p:cNvPr>
+            <p:cNvPicPr>
+              <a:picLocks noChangeAspect="1"/>
+            </p:cNvPicPr>
+            <p:nvPr/>
+          </p:nvPicPr>
+          <p:blipFill>
+            <a:blip r:embed="rId2">
+              <a:extLst>
+                <a:ext uri="{28A0092B-C50C-407E-A947-70E740481C1C}">
+                  <a14:useLocalDpi xmlns:a14="http://schemas.microsoft.com/office/drawing/2010/main" val="0"/>
+                </a:ext>
+                <a:ext uri="{96DAC541-7B7A-43D3-8B79-37D633B846F1}">
+                  <asvg:svgBlip xmlns:asvg="http://schemas.microsoft.com/office/drawing/2016/SVG/main" r:embed="rId3"/>
+                </a:ext>
+              </a:extLst>
+            </a:blip>
+            <a:stretch>
+              <a:fillRect/>
+            </a:stretch>
+          </p:blipFill>
+          <p:spPr>
+            <a:xfrm>
+              <a:off x="2156537" y="2132815"/>
+              <a:ext cx="434613" cy="434613"/>
+            </a:xfrm>
+            <a:prstGeom prst="rect">
+              <a:avLst/>
+            </a:prstGeom>
+          </p:spPr>
+        </p:pic>
+      </p:grpSp>
+      <p:sp>
+        <p:nvSpPr>
+          <p:cNvPr id="25" name="직사각형 24">
+            <a:extLst>
+              <a:ext uri="{FF2B5EF4-FFF2-40B4-BE49-F238E27FC236}">
+                <a16:creationId xmlns:a16="http://schemas.microsoft.com/office/drawing/2014/main" id="{12E1100E-981A-C16E-878E-573011CA3845}"/>
+              </a:ext>
+            </a:extLst>
+          </p:cNvPr>
+          <p:cNvSpPr/>
+          <p:nvPr/>
+        </p:nvSpPr>
+        <p:spPr>
+          <a:xfrm>
+            <a:off x="6904139" y="1263267"/>
+            <a:ext cx="1867948" cy="369332"/>
+          </a:xfrm>
+          <a:prstGeom prst="rect">
+            <a:avLst/>
+          </a:prstGeom>
+          <a:solidFill>
+            <a:schemeClr val="accent1">
+              <a:lumMod val="40000"/>
+              <a:lumOff val="60000"/>
+            </a:schemeClr>
+          </a:solidFill>
+          <a:ln>
+            <a:solidFill>
+              <a:schemeClr val="tx1"/>
+            </a:solidFill>
+          </a:ln>
+        </p:spPr>
+        <p:style>
+          <a:lnRef idx="2">
+            <a:schemeClr val="accent1">
+              <a:shade val="50000"/>
+            </a:schemeClr>
+          </a:lnRef>
+          <a:fillRef idx="1">
+            <a:schemeClr val="accent1"/>
+          </a:fillRef>
+          <a:effectRef idx="0">
+            <a:schemeClr val="accent1"/>
+          </a:effectRef>
+          <a:fontRef idx="minor">
+            <a:schemeClr val="lt1"/>
+          </a:fontRef>
+        </p:style>
+        <p:txBody>
+          <a:bodyPr rtlCol="0" anchor="ctr"/>
+          <a:lstStyle/>
+          <a:p>
+            <a:pPr algn="ctr"/>
+            <a:r>
+              <a:rPr lang="ko-KR" altLang="en-US" sz="1600" dirty="0">
+                <a:solidFill>
+                  <a:schemeClr val="tx1"/>
+                </a:solidFill>
+              </a:rPr>
+              <a:t>현재 시간 표시</a:t>
+            </a:r>
+            <a:endParaRPr lang="en-US" altLang="ko-KR" sz="1600" dirty="0">
+              <a:solidFill>
+                <a:schemeClr val="tx1"/>
+              </a:solidFill>
+            </a:endParaRPr>
+          </a:p>
+        </p:txBody>
+      </p:sp>
+      <p:sp>
+        <p:nvSpPr>
+          <p:cNvPr id="26" name="화살표: 오른쪽 25">
+            <a:extLst>
+              <a:ext uri="{FF2B5EF4-FFF2-40B4-BE49-F238E27FC236}">
+                <a16:creationId xmlns:a16="http://schemas.microsoft.com/office/drawing/2014/main" id="{5509C4CA-1E90-5F61-6003-4621E6B9E950}"/>
+              </a:ext>
+            </a:extLst>
+          </p:cNvPr>
+          <p:cNvSpPr/>
+          <p:nvPr/>
+        </p:nvSpPr>
+        <p:spPr>
+          <a:xfrm>
+            <a:off x="7838113" y="5809209"/>
+            <a:ext cx="978408" cy="484632"/>
+          </a:xfrm>
+          <a:prstGeom prst="rightArrow">
+            <a:avLst/>
+          </a:prstGeom>
+          <a:solidFill>
+            <a:srgbClr val="92D050"/>
+          </a:solidFill>
+        </p:spPr>
+        <p:style>
+          <a:lnRef idx="2">
+            <a:schemeClr val="accent1">
+              <a:shade val="50000"/>
+            </a:schemeClr>
+          </a:lnRef>
+          <a:fillRef idx="1">
+            <a:schemeClr val="accent1"/>
+          </a:fillRef>
+          <a:effectRef idx="0">
+            <a:schemeClr val="accent1"/>
+          </a:effectRef>
+          <a:fontRef idx="minor">
+            <a:schemeClr val="lt1"/>
+          </a:fontRef>
+        </p:style>
+        <p:txBody>
+          <a:bodyPr rtlCol="0" anchor="ctr"/>
+          <a:lstStyle/>
+          <a:p>
+            <a:pPr algn="ctr"/>
+            <a:r>
+              <a:rPr lang="ko-KR" altLang="en-US" sz="1000" dirty="0">
+                <a:solidFill>
+                  <a:schemeClr val="tx1"/>
+                </a:solidFill>
+              </a:rPr>
+              <a:t>다음으로</a:t>
+            </a:r>
+          </a:p>
+        </p:txBody>
+      </p:sp>
+      <p:sp>
+        <p:nvSpPr>
+          <p:cNvPr id="27" name="타원 26">
+            <a:extLst>
+              <a:ext uri="{FF2B5EF4-FFF2-40B4-BE49-F238E27FC236}">
+                <a16:creationId xmlns:a16="http://schemas.microsoft.com/office/drawing/2014/main" id="{C44AD021-B490-4826-98E5-E13FE9709602}"/>
+              </a:ext>
+            </a:extLst>
+          </p:cNvPr>
+          <p:cNvSpPr/>
+          <p:nvPr/>
+        </p:nvSpPr>
+        <p:spPr>
+          <a:xfrm>
+            <a:off x="7113864" y="4168905"/>
+            <a:ext cx="1658223" cy="1551963"/>
+          </a:xfrm>
+          <a:prstGeom prst="ellipse">
+            <a:avLst/>
+          </a:prstGeom>
+          <a:solidFill>
+            <a:srgbClr val="FFFF00"/>
+          </a:solidFill>
+          <a:ln>
+            <a:noFill/>
+          </a:ln>
+        </p:spPr>
+        <p:style>
+          <a:lnRef idx="2">
+            <a:schemeClr val="accent1">
+              <a:shade val="50000"/>
+            </a:schemeClr>
+          </a:lnRef>
+          <a:fillRef idx="1">
+            <a:schemeClr val="accent1"/>
+          </a:fillRef>
+          <a:effectRef idx="0">
+            <a:schemeClr val="accent1"/>
+          </a:effectRef>
+          <a:fontRef idx="minor">
+            <a:schemeClr val="lt1"/>
+          </a:fontRef>
+        </p:style>
+        <p:txBody>
+          <a:bodyPr rtlCol="0" anchor="ctr"/>
+          <a:lstStyle/>
+          <a:p>
+            <a:pPr algn="ctr"/>
+            <a:r>
+              <a:rPr lang="ko-KR" altLang="en-US" sz="1600" dirty="0">
+                <a:solidFill>
+                  <a:schemeClr val="tx1"/>
+                </a:solidFill>
+              </a:rPr>
+              <a:t>성공</a:t>
+            </a:r>
+            <a:r>
+              <a:rPr lang="en-US" altLang="ko-KR" sz="1600" dirty="0">
+                <a:solidFill>
+                  <a:schemeClr val="tx1"/>
+                </a:solidFill>
+              </a:rPr>
+              <a:t>/</a:t>
+            </a:r>
+            <a:r>
+              <a:rPr lang="ko-KR" altLang="en-US" sz="1600" dirty="0">
+                <a:solidFill>
+                  <a:schemeClr val="tx1"/>
+                </a:solidFill>
+              </a:rPr>
+              <a:t>실패</a:t>
+            </a:r>
+            <a:endParaRPr lang="en-US" altLang="ko-KR" sz="1600" dirty="0">
+              <a:solidFill>
+                <a:schemeClr val="tx1"/>
+              </a:solidFill>
+            </a:endParaRPr>
+          </a:p>
+          <a:p>
+            <a:pPr algn="ctr"/>
+            <a:r>
+              <a:rPr lang="ko-KR" altLang="en-US" sz="1600" dirty="0">
+                <a:solidFill>
+                  <a:schemeClr val="tx1"/>
+                </a:solidFill>
+              </a:rPr>
+              <a:t>여부</a:t>
+            </a:r>
+          </a:p>
+        </p:txBody>
+      </p:sp>
+    </p:spTree>
+    <p:extLst>
+      <p:ext uri="{BB962C8B-B14F-4D97-AF65-F5344CB8AC3E}">
+        <p14:creationId xmlns:p14="http://schemas.microsoft.com/office/powerpoint/2010/main" val="1601990340"/>
+      </p:ext>
+    </p:extLst>
+  </p:cSld>
+  <p:clrMapOvr>
+    <a:masterClrMapping/>
+  </p:clrMapOvr>
+</p:sld>
+</file>
+
+<file path=ppt/slides/slide28.xml><?xml version="1.0" encoding="utf-8"?>
+<p:sld xmlns:a="http://schemas.openxmlformats.org/drawingml/2006/main" xmlns:r="http://schemas.openxmlformats.org/officeDocument/2006/relationships" xmlns:p="http://schemas.openxmlformats.org/presentationml/2006/main">
+  <p:cSld>
+    <p:spTree>
+      <p:nvGrpSpPr>
+        <p:cNvPr id="1" name=""/>
+        <p:cNvGrpSpPr/>
+        <p:nvPr/>
+      </p:nvGrpSpPr>
+      <p:grpSpPr>
+        <a:xfrm>
+          <a:off x="0" y="0"/>
+          <a:ext cx="0" cy="0"/>
+          <a:chOff x="0" y="0"/>
+          <a:chExt cx="0" cy="0"/>
+        </a:xfrm>
+      </p:grpSpPr>
+      <p:sp>
+        <p:nvSpPr>
           <p:cNvPr id="2" name="직사각형 1">
             <a:extLst>
               <a:ext uri="{FF2B5EF4-FFF2-40B4-BE49-F238E27FC236}">
@@ -20637,7 +22724,7 @@
 </p:sld>
 </file>
 
-<file path=ppt/slides/slide26.xml><?xml version="1.0" encoding="utf-8"?>
+<file path=ppt/slides/slide29.xml><?xml version="1.0" encoding="utf-8"?>
 <p:sld xmlns:a="http://schemas.openxmlformats.org/drawingml/2006/main" xmlns:r="http://schemas.openxmlformats.org/officeDocument/2006/relationships" xmlns:p="http://schemas.openxmlformats.org/presentationml/2006/main">
   <p:cSld>
     <p:spTree>
@@ -22103,7 +24190,906 @@
 </p:sld>
 </file>
 
-<file path=ppt/slides/slide27.xml><?xml version="1.0" encoding="utf-8"?>
+<file path=ppt/slides/slide3.xml><?xml version="1.0" encoding="utf-8"?>
+<p:sld xmlns:a="http://schemas.openxmlformats.org/drawingml/2006/main" xmlns:r="http://schemas.openxmlformats.org/officeDocument/2006/relationships" xmlns:p="http://schemas.openxmlformats.org/presentationml/2006/main">
+  <p:cSld>
+    <p:spTree>
+      <p:nvGrpSpPr>
+        <p:cNvPr id="1" name=""/>
+        <p:cNvGrpSpPr/>
+        <p:nvPr/>
+      </p:nvGrpSpPr>
+      <p:grpSpPr>
+        <a:xfrm>
+          <a:off x="0" y="0"/>
+          <a:ext cx="0" cy="0"/>
+          <a:chOff x="0" y="0"/>
+          <a:chExt cx="0" cy="0"/>
+        </a:xfrm>
+      </p:grpSpPr>
+      <p:sp>
+        <p:nvSpPr>
+          <p:cNvPr id="2" name="직사각형 1">
+            <a:extLst>
+              <a:ext uri="{FF2B5EF4-FFF2-40B4-BE49-F238E27FC236}">
+                <a16:creationId xmlns:a16="http://schemas.microsoft.com/office/drawing/2014/main" id="{7FD071DD-FDC6-5ACA-F51B-5CB413EC2495}"/>
+              </a:ext>
+            </a:extLst>
+          </p:cNvPr>
+          <p:cNvSpPr/>
+          <p:nvPr/>
+        </p:nvSpPr>
+        <p:spPr>
+          <a:xfrm>
+            <a:off x="761478" y="1199842"/>
+            <a:ext cx="2927757" cy="4278386"/>
+          </a:xfrm>
+          <a:prstGeom prst="rect">
+            <a:avLst/>
+          </a:prstGeom>
+          <a:solidFill>
+            <a:schemeClr val="accent1">
+              <a:lumMod val="40000"/>
+              <a:lumOff val="60000"/>
+            </a:schemeClr>
+          </a:solidFill>
+          <a:ln>
+            <a:noFill/>
+          </a:ln>
+        </p:spPr>
+        <p:style>
+          <a:lnRef idx="2">
+            <a:schemeClr val="accent1">
+              <a:shade val="50000"/>
+            </a:schemeClr>
+          </a:lnRef>
+          <a:fillRef idx="1">
+            <a:schemeClr val="accent1"/>
+          </a:fillRef>
+          <a:effectRef idx="0">
+            <a:schemeClr val="accent1"/>
+          </a:effectRef>
+          <a:fontRef idx="minor">
+            <a:schemeClr val="lt1"/>
+          </a:fontRef>
+        </p:style>
+        <p:txBody>
+          <a:bodyPr rtlCol="0" anchor="ctr"/>
+          <a:lstStyle/>
+          <a:p>
+            <a:pPr algn="ctr"/>
+            <a:endParaRPr lang="ko-KR" altLang="en-US">
+              <a:solidFill>
+                <a:schemeClr val="tx1"/>
+              </a:solidFill>
+            </a:endParaRPr>
+          </a:p>
+        </p:txBody>
+      </p:sp>
+      <p:sp>
+        <p:nvSpPr>
+          <p:cNvPr id="3" name="TextBox 2">
+            <a:extLst>
+              <a:ext uri="{FF2B5EF4-FFF2-40B4-BE49-F238E27FC236}">
+                <a16:creationId xmlns:a16="http://schemas.microsoft.com/office/drawing/2014/main" id="{D9F3C9A9-3A80-7DAB-8708-130D87C0CA11}"/>
+              </a:ext>
+            </a:extLst>
+          </p:cNvPr>
+          <p:cNvSpPr txBox="1"/>
+          <p:nvPr/>
+        </p:nvSpPr>
+        <p:spPr>
+          <a:xfrm>
+            <a:off x="285226" y="243281"/>
+            <a:ext cx="952505" cy="369332"/>
+          </a:xfrm>
+          <a:prstGeom prst="rect">
+            <a:avLst/>
+          </a:prstGeom>
+          <a:noFill/>
+        </p:spPr>
+        <p:txBody>
+          <a:bodyPr wrap="none" rtlCol="0">
+            <a:spAutoFit/>
+          </a:bodyPr>
+          <a:lstStyle/>
+          <a:p>
+            <a:r>
+              <a:rPr lang="ko-KR" altLang="en-US" dirty="0"/>
+              <a:t>팝업 </a:t>
+            </a:r>
+            <a:r>
+              <a:rPr lang="en-US" altLang="ko-KR" dirty="0"/>
+              <a:t>UI</a:t>
+            </a:r>
+            <a:endParaRPr lang="ko-KR" altLang="en-US" dirty="0"/>
+          </a:p>
+        </p:txBody>
+      </p:sp>
+      <p:sp>
+        <p:nvSpPr>
+          <p:cNvPr id="4" name="직사각형 3">
+            <a:extLst>
+              <a:ext uri="{FF2B5EF4-FFF2-40B4-BE49-F238E27FC236}">
+                <a16:creationId xmlns:a16="http://schemas.microsoft.com/office/drawing/2014/main" id="{E4ADBB69-F382-407F-47D5-BDD63BBE9AC4}"/>
+              </a:ext>
+            </a:extLst>
+          </p:cNvPr>
+          <p:cNvSpPr/>
+          <p:nvPr/>
+        </p:nvSpPr>
+        <p:spPr>
+          <a:xfrm>
+            <a:off x="997068" y="1352243"/>
+            <a:ext cx="2456576" cy="434613"/>
+          </a:xfrm>
+          <a:prstGeom prst="rect">
+            <a:avLst/>
+          </a:prstGeom>
+          <a:solidFill>
+            <a:schemeClr val="accent1">
+              <a:lumMod val="60000"/>
+              <a:lumOff val="40000"/>
+            </a:schemeClr>
+          </a:solidFill>
+          <a:ln>
+            <a:solidFill>
+              <a:schemeClr val="tx2"/>
+            </a:solidFill>
+          </a:ln>
+        </p:spPr>
+        <p:style>
+          <a:lnRef idx="2">
+            <a:schemeClr val="accent1">
+              <a:shade val="50000"/>
+            </a:schemeClr>
+          </a:lnRef>
+          <a:fillRef idx="1">
+            <a:schemeClr val="accent1"/>
+          </a:fillRef>
+          <a:effectRef idx="0">
+            <a:schemeClr val="accent1"/>
+          </a:effectRef>
+          <a:fontRef idx="minor">
+            <a:schemeClr val="lt1"/>
+          </a:fontRef>
+        </p:style>
+        <p:txBody>
+          <a:bodyPr rtlCol="0" anchor="ctr"/>
+          <a:lstStyle/>
+          <a:p>
+            <a:pPr algn="ctr"/>
+            <a:r>
+              <a:rPr lang="en-US" altLang="ko-KR" sz="1500">
+                <a:solidFill>
+                  <a:schemeClr val="tx1"/>
+                </a:solidFill>
+              </a:rPr>
+              <a:t>#UI</a:t>
+            </a:r>
+            <a:r>
+              <a:rPr lang="ko-KR" altLang="en-US" sz="1500" dirty="0">
+                <a:solidFill>
+                  <a:schemeClr val="tx1"/>
+                </a:solidFill>
+              </a:rPr>
+              <a:t> 제목</a:t>
+            </a:r>
+          </a:p>
+        </p:txBody>
+      </p:sp>
+      <p:sp>
+        <p:nvSpPr>
+          <p:cNvPr id="5" name="직사각형 4">
+            <a:extLst>
+              <a:ext uri="{FF2B5EF4-FFF2-40B4-BE49-F238E27FC236}">
+                <a16:creationId xmlns:a16="http://schemas.microsoft.com/office/drawing/2014/main" id="{74302563-E5FB-3DB9-047D-9DDB95FCF8F7}"/>
+              </a:ext>
+            </a:extLst>
+          </p:cNvPr>
+          <p:cNvSpPr/>
+          <p:nvPr/>
+        </p:nvSpPr>
+        <p:spPr>
+          <a:xfrm>
+            <a:off x="997068" y="2083483"/>
+            <a:ext cx="2456576" cy="2635109"/>
+          </a:xfrm>
+          <a:prstGeom prst="rect">
+            <a:avLst/>
+          </a:prstGeom>
+          <a:solidFill>
+            <a:schemeClr val="accent1">
+              <a:lumMod val="60000"/>
+              <a:lumOff val="40000"/>
+            </a:schemeClr>
+          </a:solidFill>
+          <a:ln>
+            <a:solidFill>
+              <a:schemeClr val="tx2"/>
+            </a:solidFill>
+          </a:ln>
+        </p:spPr>
+        <p:style>
+          <a:lnRef idx="2">
+            <a:schemeClr val="accent1">
+              <a:shade val="50000"/>
+            </a:schemeClr>
+          </a:lnRef>
+          <a:fillRef idx="1">
+            <a:schemeClr val="accent1"/>
+          </a:fillRef>
+          <a:effectRef idx="0">
+            <a:schemeClr val="accent1"/>
+          </a:effectRef>
+          <a:fontRef idx="minor">
+            <a:schemeClr val="lt1"/>
+          </a:fontRef>
+        </p:style>
+        <p:txBody>
+          <a:bodyPr rtlCol="0" anchor="ctr"/>
+          <a:lstStyle/>
+          <a:p>
+            <a:pPr algn="ctr"/>
+            <a:r>
+              <a:rPr lang="en-US" altLang="ko-KR" sz="1500" dirty="0">
+                <a:solidFill>
+                  <a:schemeClr val="tx1"/>
+                </a:solidFill>
+              </a:rPr>
+              <a:t>#UI</a:t>
+            </a:r>
+            <a:r>
+              <a:rPr lang="ko-KR" altLang="en-US" sz="1500" dirty="0">
+                <a:solidFill>
+                  <a:schemeClr val="tx1"/>
+                </a:solidFill>
+              </a:rPr>
+              <a:t> 설명</a:t>
+            </a:r>
+          </a:p>
+        </p:txBody>
+      </p:sp>
+      <p:sp>
+        <p:nvSpPr>
+          <p:cNvPr id="6" name="직사각형 5">
+            <a:extLst>
+              <a:ext uri="{FF2B5EF4-FFF2-40B4-BE49-F238E27FC236}">
+                <a16:creationId xmlns:a16="http://schemas.microsoft.com/office/drawing/2014/main" id="{1EFC6588-A30F-9D78-F76C-5C0A0555C926}"/>
+              </a:ext>
+            </a:extLst>
+          </p:cNvPr>
+          <p:cNvSpPr/>
+          <p:nvPr/>
+        </p:nvSpPr>
+        <p:spPr>
+          <a:xfrm>
+            <a:off x="994449" y="4881103"/>
+            <a:ext cx="914400" cy="434613"/>
+          </a:xfrm>
+          <a:prstGeom prst="rect">
+            <a:avLst/>
+          </a:prstGeom>
+          <a:solidFill>
+            <a:srgbClr val="92D050"/>
+          </a:solidFill>
+          <a:ln>
+            <a:solidFill>
+              <a:schemeClr val="tx1"/>
+            </a:solidFill>
+          </a:ln>
+        </p:spPr>
+        <p:style>
+          <a:lnRef idx="2">
+            <a:schemeClr val="accent1">
+              <a:shade val="50000"/>
+            </a:schemeClr>
+          </a:lnRef>
+          <a:fillRef idx="1">
+            <a:schemeClr val="accent1"/>
+          </a:fillRef>
+          <a:effectRef idx="0">
+            <a:schemeClr val="accent1"/>
+          </a:effectRef>
+          <a:fontRef idx="minor">
+            <a:schemeClr val="lt1"/>
+          </a:fontRef>
+        </p:style>
+        <p:txBody>
+          <a:bodyPr rtlCol="0" anchor="ctr"/>
+          <a:lstStyle/>
+          <a:p>
+            <a:pPr algn="ctr"/>
+            <a:r>
+              <a:rPr lang="ko-KR" altLang="en-US" sz="1500" dirty="0">
+                <a:solidFill>
+                  <a:schemeClr val="tx1"/>
+                </a:solidFill>
+              </a:rPr>
+              <a:t>예</a:t>
+            </a:r>
+          </a:p>
+        </p:txBody>
+      </p:sp>
+      <p:sp>
+        <p:nvSpPr>
+          <p:cNvPr id="7" name="직사각형 6">
+            <a:extLst>
+              <a:ext uri="{FF2B5EF4-FFF2-40B4-BE49-F238E27FC236}">
+                <a16:creationId xmlns:a16="http://schemas.microsoft.com/office/drawing/2014/main" id="{485C88C4-DF0E-CF63-555D-0DE0B6B795B1}"/>
+              </a:ext>
+            </a:extLst>
+          </p:cNvPr>
+          <p:cNvSpPr/>
+          <p:nvPr/>
+        </p:nvSpPr>
+        <p:spPr>
+          <a:xfrm>
+            <a:off x="2539244" y="4881103"/>
+            <a:ext cx="914400" cy="434613"/>
+          </a:xfrm>
+          <a:prstGeom prst="rect">
+            <a:avLst/>
+          </a:prstGeom>
+          <a:solidFill>
+            <a:srgbClr val="92D050"/>
+          </a:solidFill>
+          <a:ln>
+            <a:solidFill>
+              <a:schemeClr val="tx1"/>
+            </a:solidFill>
+          </a:ln>
+        </p:spPr>
+        <p:style>
+          <a:lnRef idx="2">
+            <a:schemeClr val="accent1">
+              <a:shade val="50000"/>
+            </a:schemeClr>
+          </a:lnRef>
+          <a:fillRef idx="1">
+            <a:schemeClr val="accent1"/>
+          </a:fillRef>
+          <a:effectRef idx="0">
+            <a:schemeClr val="accent1"/>
+          </a:effectRef>
+          <a:fontRef idx="minor">
+            <a:schemeClr val="lt1"/>
+          </a:fontRef>
+        </p:style>
+        <p:txBody>
+          <a:bodyPr rtlCol="0" anchor="ctr"/>
+          <a:lstStyle/>
+          <a:p>
+            <a:pPr algn="ctr"/>
+            <a:r>
+              <a:rPr lang="ko-KR" altLang="en-US" sz="1500" dirty="0" err="1">
+                <a:solidFill>
+                  <a:schemeClr val="tx1"/>
+                </a:solidFill>
+              </a:rPr>
+              <a:t>아니오</a:t>
+            </a:r>
+            <a:endParaRPr lang="ko-KR" altLang="en-US" sz="1500" dirty="0">
+              <a:solidFill>
+                <a:schemeClr val="tx1"/>
+              </a:solidFill>
+            </a:endParaRPr>
+          </a:p>
+        </p:txBody>
+      </p:sp>
+      <p:sp>
+        <p:nvSpPr>
+          <p:cNvPr id="8" name="직사각형 7">
+            <a:extLst>
+              <a:ext uri="{FF2B5EF4-FFF2-40B4-BE49-F238E27FC236}">
+                <a16:creationId xmlns:a16="http://schemas.microsoft.com/office/drawing/2014/main" id="{A4C8B670-C0C4-82C0-159C-FA78DAAD734D}"/>
+              </a:ext>
+            </a:extLst>
+          </p:cNvPr>
+          <p:cNvSpPr/>
+          <p:nvPr/>
+        </p:nvSpPr>
+        <p:spPr>
+          <a:xfrm>
+            <a:off x="4747647" y="1352243"/>
+            <a:ext cx="3918181" cy="2439581"/>
+          </a:xfrm>
+          <a:prstGeom prst="rect">
+            <a:avLst/>
+          </a:prstGeom>
+          <a:solidFill>
+            <a:schemeClr val="accent1">
+              <a:lumMod val="40000"/>
+              <a:lumOff val="60000"/>
+            </a:schemeClr>
+          </a:solidFill>
+          <a:ln>
+            <a:noFill/>
+          </a:ln>
+        </p:spPr>
+        <p:style>
+          <a:lnRef idx="2">
+            <a:schemeClr val="accent1">
+              <a:shade val="50000"/>
+            </a:schemeClr>
+          </a:lnRef>
+          <a:fillRef idx="1">
+            <a:schemeClr val="accent1"/>
+          </a:fillRef>
+          <a:effectRef idx="0">
+            <a:schemeClr val="accent1"/>
+          </a:effectRef>
+          <a:fontRef idx="minor">
+            <a:schemeClr val="lt1"/>
+          </a:fontRef>
+        </p:style>
+        <p:txBody>
+          <a:bodyPr rtlCol="0" anchor="ctr"/>
+          <a:lstStyle/>
+          <a:p>
+            <a:pPr algn="ctr"/>
+            <a:endParaRPr lang="ko-KR" altLang="en-US">
+              <a:solidFill>
+                <a:schemeClr val="tx1"/>
+              </a:solidFill>
+            </a:endParaRPr>
+          </a:p>
+        </p:txBody>
+      </p:sp>
+      <p:sp>
+        <p:nvSpPr>
+          <p:cNvPr id="9" name="직사각형 8">
+            <a:extLst>
+              <a:ext uri="{FF2B5EF4-FFF2-40B4-BE49-F238E27FC236}">
+                <a16:creationId xmlns:a16="http://schemas.microsoft.com/office/drawing/2014/main" id="{3077F284-4477-BB7D-29B3-81C225DCCC18}"/>
+              </a:ext>
+            </a:extLst>
+          </p:cNvPr>
+          <p:cNvSpPr/>
+          <p:nvPr/>
+        </p:nvSpPr>
+        <p:spPr>
+          <a:xfrm>
+            <a:off x="4983236" y="1504644"/>
+            <a:ext cx="3447699" cy="434613"/>
+          </a:xfrm>
+          <a:prstGeom prst="rect">
+            <a:avLst/>
+          </a:prstGeom>
+          <a:solidFill>
+            <a:schemeClr val="accent1">
+              <a:lumMod val="60000"/>
+              <a:lumOff val="40000"/>
+            </a:schemeClr>
+          </a:solidFill>
+          <a:ln>
+            <a:solidFill>
+              <a:schemeClr val="tx2"/>
+            </a:solidFill>
+          </a:ln>
+        </p:spPr>
+        <p:style>
+          <a:lnRef idx="2">
+            <a:schemeClr val="accent1">
+              <a:shade val="50000"/>
+            </a:schemeClr>
+          </a:lnRef>
+          <a:fillRef idx="1">
+            <a:schemeClr val="accent1"/>
+          </a:fillRef>
+          <a:effectRef idx="0">
+            <a:schemeClr val="accent1"/>
+          </a:effectRef>
+          <a:fontRef idx="minor">
+            <a:schemeClr val="lt1"/>
+          </a:fontRef>
+        </p:style>
+        <p:txBody>
+          <a:bodyPr rtlCol="0" anchor="ctr"/>
+          <a:lstStyle/>
+          <a:p>
+            <a:pPr algn="ctr"/>
+            <a:r>
+              <a:rPr lang="en-US" altLang="ko-KR" sz="1400" dirty="0">
+                <a:solidFill>
+                  <a:schemeClr val="tx1"/>
+                </a:solidFill>
+              </a:rPr>
+              <a:t>#Text</a:t>
+            </a:r>
+            <a:endParaRPr lang="ko-KR" altLang="en-US" sz="1400" dirty="0">
+              <a:solidFill>
+                <a:schemeClr val="tx1"/>
+              </a:solidFill>
+            </a:endParaRPr>
+          </a:p>
+        </p:txBody>
+      </p:sp>
+      <p:sp>
+        <p:nvSpPr>
+          <p:cNvPr id="13" name="직사각형 12">
+            <a:extLst>
+              <a:ext uri="{FF2B5EF4-FFF2-40B4-BE49-F238E27FC236}">
+                <a16:creationId xmlns:a16="http://schemas.microsoft.com/office/drawing/2014/main" id="{AD96C9E7-C871-6B2E-95A1-54CF3A4934BA}"/>
+              </a:ext>
+            </a:extLst>
+          </p:cNvPr>
+          <p:cNvSpPr/>
+          <p:nvPr/>
+        </p:nvSpPr>
+        <p:spPr>
+          <a:xfrm>
+            <a:off x="4983236" y="3279178"/>
+            <a:ext cx="780001" cy="370733"/>
+          </a:xfrm>
+          <a:prstGeom prst="rect">
+            <a:avLst/>
+          </a:prstGeom>
+          <a:solidFill>
+            <a:srgbClr val="92D050"/>
+          </a:solidFill>
+          <a:ln>
+            <a:solidFill>
+              <a:schemeClr val="tx1"/>
+            </a:solidFill>
+          </a:ln>
+        </p:spPr>
+        <p:style>
+          <a:lnRef idx="2">
+            <a:schemeClr val="accent1">
+              <a:shade val="50000"/>
+            </a:schemeClr>
+          </a:lnRef>
+          <a:fillRef idx="1">
+            <a:schemeClr val="accent1"/>
+          </a:fillRef>
+          <a:effectRef idx="0">
+            <a:schemeClr val="accent1"/>
+          </a:effectRef>
+          <a:fontRef idx="minor">
+            <a:schemeClr val="lt1"/>
+          </a:fontRef>
+        </p:style>
+        <p:txBody>
+          <a:bodyPr rtlCol="0" anchor="ctr"/>
+          <a:lstStyle/>
+          <a:p>
+            <a:pPr algn="ctr"/>
+            <a:r>
+              <a:rPr lang="ko-KR" altLang="en-US" sz="1500" dirty="0">
+                <a:solidFill>
+                  <a:schemeClr val="tx1"/>
+                </a:solidFill>
+              </a:rPr>
+              <a:t>예</a:t>
+            </a:r>
+          </a:p>
+        </p:txBody>
+      </p:sp>
+      <p:sp>
+        <p:nvSpPr>
+          <p:cNvPr id="14" name="직사각형 13">
+            <a:extLst>
+              <a:ext uri="{FF2B5EF4-FFF2-40B4-BE49-F238E27FC236}">
+                <a16:creationId xmlns:a16="http://schemas.microsoft.com/office/drawing/2014/main" id="{ABF7DA52-0258-A71B-A8F4-2DC3A7D705E6}"/>
+              </a:ext>
+            </a:extLst>
+          </p:cNvPr>
+          <p:cNvSpPr/>
+          <p:nvPr/>
+        </p:nvSpPr>
+        <p:spPr>
+          <a:xfrm>
+            <a:off x="7650934" y="3279178"/>
+            <a:ext cx="780001" cy="370733"/>
+          </a:xfrm>
+          <a:prstGeom prst="rect">
+            <a:avLst/>
+          </a:prstGeom>
+          <a:solidFill>
+            <a:srgbClr val="92D050"/>
+          </a:solidFill>
+          <a:ln>
+            <a:solidFill>
+              <a:schemeClr val="tx1"/>
+            </a:solidFill>
+          </a:ln>
+        </p:spPr>
+        <p:style>
+          <a:lnRef idx="2">
+            <a:schemeClr val="accent1">
+              <a:shade val="50000"/>
+            </a:schemeClr>
+          </a:lnRef>
+          <a:fillRef idx="1">
+            <a:schemeClr val="accent1"/>
+          </a:fillRef>
+          <a:effectRef idx="0">
+            <a:schemeClr val="accent1"/>
+          </a:effectRef>
+          <a:fontRef idx="minor">
+            <a:schemeClr val="lt1"/>
+          </a:fontRef>
+        </p:style>
+        <p:txBody>
+          <a:bodyPr rtlCol="0" anchor="ctr"/>
+          <a:lstStyle/>
+          <a:p>
+            <a:pPr algn="ctr"/>
+            <a:r>
+              <a:rPr lang="ko-KR" altLang="en-US" sz="1500" dirty="0" err="1">
+                <a:solidFill>
+                  <a:schemeClr val="tx1"/>
+                </a:solidFill>
+              </a:rPr>
+              <a:t>아니오</a:t>
+            </a:r>
+            <a:endParaRPr lang="ko-KR" altLang="en-US" sz="1500" dirty="0">
+              <a:solidFill>
+                <a:schemeClr val="tx1"/>
+              </a:solidFill>
+            </a:endParaRPr>
+          </a:p>
+        </p:txBody>
+      </p:sp>
+      <p:sp>
+        <p:nvSpPr>
+          <p:cNvPr id="16" name="직사각형 15">
+            <a:extLst>
+              <a:ext uri="{FF2B5EF4-FFF2-40B4-BE49-F238E27FC236}">
+                <a16:creationId xmlns:a16="http://schemas.microsoft.com/office/drawing/2014/main" id="{2A818F98-1339-671D-D4C2-8525DBA4BF5F}"/>
+              </a:ext>
+            </a:extLst>
+          </p:cNvPr>
+          <p:cNvSpPr/>
+          <p:nvPr/>
+        </p:nvSpPr>
+        <p:spPr>
+          <a:xfrm>
+            <a:off x="5083904" y="2027249"/>
+            <a:ext cx="628999" cy="628999"/>
+          </a:xfrm>
+          <a:prstGeom prst="rect">
+            <a:avLst/>
+          </a:prstGeom>
+          <a:solidFill>
+            <a:srgbClr val="FFFF00"/>
+          </a:solidFill>
+          <a:ln>
+            <a:noFill/>
+          </a:ln>
+        </p:spPr>
+        <p:style>
+          <a:lnRef idx="2">
+            <a:schemeClr val="accent1">
+              <a:shade val="50000"/>
+            </a:schemeClr>
+          </a:lnRef>
+          <a:fillRef idx="1">
+            <a:schemeClr val="accent1"/>
+          </a:fillRef>
+          <a:effectRef idx="0">
+            <a:schemeClr val="accent1"/>
+          </a:effectRef>
+          <a:fontRef idx="minor">
+            <a:schemeClr val="lt1"/>
+          </a:fontRef>
+        </p:style>
+        <p:txBody>
+          <a:bodyPr rtlCol="0" anchor="ctr"/>
+          <a:lstStyle/>
+          <a:p>
+            <a:pPr algn="ctr"/>
+            <a:r>
+              <a:rPr lang="ko-KR" altLang="en-US" sz="800" dirty="0">
+                <a:solidFill>
+                  <a:schemeClr val="tx1"/>
+                </a:solidFill>
+              </a:rPr>
+              <a:t>아이템</a:t>
+            </a:r>
+            <a:endParaRPr lang="en-US" altLang="ko-KR" sz="800" dirty="0">
+              <a:solidFill>
+                <a:schemeClr val="tx1"/>
+              </a:solidFill>
+            </a:endParaRPr>
+          </a:p>
+          <a:p>
+            <a:pPr algn="ctr"/>
+            <a:r>
+              <a:rPr lang="ko-KR" altLang="en-US" sz="800" dirty="0">
+                <a:solidFill>
+                  <a:schemeClr val="tx1"/>
+                </a:solidFill>
+              </a:rPr>
+              <a:t>아이콘</a:t>
+            </a:r>
+            <a:endParaRPr lang="en-US" altLang="ko-KR" sz="800" dirty="0">
+              <a:solidFill>
+                <a:schemeClr val="tx1"/>
+              </a:solidFill>
+            </a:endParaRPr>
+          </a:p>
+        </p:txBody>
+      </p:sp>
+      <p:sp>
+        <p:nvSpPr>
+          <p:cNvPr id="17" name="직사각형 16">
+            <a:extLst>
+              <a:ext uri="{FF2B5EF4-FFF2-40B4-BE49-F238E27FC236}">
+                <a16:creationId xmlns:a16="http://schemas.microsoft.com/office/drawing/2014/main" id="{145BFE8E-48BA-09A5-70F2-D3F09E9AC348}"/>
+              </a:ext>
+            </a:extLst>
+          </p:cNvPr>
+          <p:cNvSpPr/>
+          <p:nvPr/>
+        </p:nvSpPr>
+        <p:spPr>
+          <a:xfrm>
+            <a:off x="5842369" y="2149260"/>
+            <a:ext cx="2503851" cy="418968"/>
+          </a:xfrm>
+          <a:prstGeom prst="rect">
+            <a:avLst/>
+          </a:prstGeom>
+          <a:solidFill>
+            <a:schemeClr val="accent1">
+              <a:lumMod val="60000"/>
+              <a:lumOff val="40000"/>
+            </a:schemeClr>
+          </a:solidFill>
+          <a:ln>
+            <a:solidFill>
+              <a:schemeClr val="tx2"/>
+            </a:solidFill>
+          </a:ln>
+        </p:spPr>
+        <p:style>
+          <a:lnRef idx="2">
+            <a:schemeClr val="accent1">
+              <a:shade val="50000"/>
+            </a:schemeClr>
+          </a:lnRef>
+          <a:fillRef idx="1">
+            <a:schemeClr val="accent1"/>
+          </a:fillRef>
+          <a:effectRef idx="0">
+            <a:schemeClr val="accent1"/>
+          </a:effectRef>
+          <a:fontRef idx="minor">
+            <a:schemeClr val="lt1"/>
+          </a:fontRef>
+        </p:style>
+        <p:txBody>
+          <a:bodyPr rtlCol="0" anchor="ctr"/>
+          <a:lstStyle/>
+          <a:p>
+            <a:pPr algn="ctr"/>
+            <a:r>
+              <a:rPr lang="en-US" altLang="ko-KR" sz="1400" dirty="0">
+                <a:solidFill>
+                  <a:schemeClr val="tx1"/>
+                </a:solidFill>
+              </a:rPr>
+              <a:t>#Text</a:t>
+            </a:r>
+            <a:endParaRPr lang="ko-KR" altLang="en-US" sz="1400" dirty="0">
+              <a:solidFill>
+                <a:schemeClr val="tx1"/>
+              </a:solidFill>
+            </a:endParaRPr>
+          </a:p>
+        </p:txBody>
+      </p:sp>
+      <p:grpSp>
+        <p:nvGrpSpPr>
+          <p:cNvPr id="21" name="그룹 20">
+            <a:extLst>
+              <a:ext uri="{FF2B5EF4-FFF2-40B4-BE49-F238E27FC236}">
+                <a16:creationId xmlns:a16="http://schemas.microsoft.com/office/drawing/2014/main" id="{E5ACDDAD-40CA-2063-58FA-7D8A0FDE64E6}"/>
+              </a:ext>
+            </a:extLst>
+          </p:cNvPr>
+          <p:cNvGrpSpPr/>
+          <p:nvPr/>
+        </p:nvGrpSpPr>
+        <p:grpSpPr>
+          <a:xfrm>
+            <a:off x="5858973" y="2778231"/>
+            <a:ext cx="1695528" cy="434613"/>
+            <a:chOff x="5669776" y="2803398"/>
+            <a:chExt cx="1695528" cy="434613"/>
+          </a:xfrm>
+        </p:grpSpPr>
+        <p:sp>
+          <p:nvSpPr>
+            <p:cNvPr id="18" name="TextBox 17">
+              <a:extLst>
+                <a:ext uri="{FF2B5EF4-FFF2-40B4-BE49-F238E27FC236}">
+                  <a16:creationId xmlns:a16="http://schemas.microsoft.com/office/drawing/2014/main" id="{DB201061-3570-D074-A60A-CDB545F4A258}"/>
+                </a:ext>
+              </a:extLst>
+            </p:cNvPr>
+            <p:cNvSpPr txBox="1"/>
+            <p:nvPr/>
+          </p:nvSpPr>
+          <p:spPr>
+            <a:xfrm>
+              <a:off x="6064948" y="2897594"/>
+              <a:ext cx="1300356" cy="246221"/>
+            </a:xfrm>
+            <a:prstGeom prst="rect">
+              <a:avLst/>
+            </a:prstGeom>
+            <a:noFill/>
+          </p:spPr>
+          <p:txBody>
+            <a:bodyPr wrap="none" rtlCol="0">
+              <a:spAutoFit/>
+            </a:bodyPr>
+            <a:lstStyle/>
+            <a:p>
+              <a:r>
+                <a:rPr lang="ko-KR" altLang="en-US" sz="1000" dirty="0"/>
+                <a:t>다시 표시하지 않기</a:t>
+              </a:r>
+            </a:p>
+          </p:txBody>
+        </p:sp>
+        <p:pic>
+          <p:nvPicPr>
+            <p:cNvPr id="20" name="그래픽 19" descr="확인란 선택됨 윤곽선">
+              <a:extLst>
+                <a:ext uri="{FF2B5EF4-FFF2-40B4-BE49-F238E27FC236}">
+                  <a16:creationId xmlns:a16="http://schemas.microsoft.com/office/drawing/2014/main" id="{561AB086-A486-1C5D-0D60-AB52571D3DC1}"/>
+                </a:ext>
+              </a:extLst>
+            </p:cNvPr>
+            <p:cNvPicPr>
+              <a:picLocks noChangeAspect="1"/>
+            </p:cNvPicPr>
+            <p:nvPr/>
+          </p:nvPicPr>
+          <p:blipFill>
+            <a:blip r:embed="rId2">
+              <a:extLst>
+                <a:ext uri="{28A0092B-C50C-407E-A947-70E740481C1C}">
+                  <a14:useLocalDpi xmlns:a14="http://schemas.microsoft.com/office/drawing/2010/main" val="0"/>
+                </a:ext>
+                <a:ext uri="{96DAC541-7B7A-43D3-8B79-37D633B846F1}">
+                  <asvg:svgBlip xmlns:asvg="http://schemas.microsoft.com/office/drawing/2016/SVG/main" r:embed="rId3"/>
+                </a:ext>
+              </a:extLst>
+            </a:blip>
+            <a:stretch>
+              <a:fillRect/>
+            </a:stretch>
+          </p:blipFill>
+          <p:spPr>
+            <a:xfrm>
+              <a:off x="5669776" y="2803398"/>
+              <a:ext cx="434613" cy="434613"/>
+            </a:xfrm>
+            <a:prstGeom prst="rect">
+              <a:avLst/>
+            </a:prstGeom>
+          </p:spPr>
+        </p:pic>
+      </p:grpSp>
+    </p:spTree>
+    <p:extLst>
+      <p:ext uri="{BB962C8B-B14F-4D97-AF65-F5344CB8AC3E}">
+        <p14:creationId xmlns:p14="http://schemas.microsoft.com/office/powerpoint/2010/main" val="2824982013"/>
+      </p:ext>
+    </p:extLst>
+  </p:cSld>
+  <p:clrMapOvr>
+    <a:masterClrMapping/>
+  </p:clrMapOvr>
+</p:sld>
+</file>
+
+<file path=ppt/slides/slide30.xml><?xml version="1.0" encoding="utf-8"?>
 <p:sld xmlns:a="http://schemas.openxmlformats.org/drawingml/2006/main" xmlns:r="http://schemas.openxmlformats.org/officeDocument/2006/relationships" xmlns:p="http://schemas.openxmlformats.org/presentationml/2006/main">
   <p:cSld>
     <p:spTree>
@@ -22765,7 +25751,7 @@
 </p:sld>
 </file>
 
-<file path=ppt/slides/slide28.xml><?xml version="1.0" encoding="utf-8"?>
+<file path=ppt/slides/slide31.xml><?xml version="1.0" encoding="utf-8"?>
 <p:sld xmlns:a="http://schemas.openxmlformats.org/drawingml/2006/main" xmlns:r="http://schemas.openxmlformats.org/officeDocument/2006/relationships" xmlns:p="http://schemas.openxmlformats.org/presentationml/2006/main">
   <p:cSld>
     <p:spTree>
@@ -23462,7 +26448,7 @@
 </p:sld>
 </file>
 
-<file path=ppt/slides/slide29.xml><?xml version="1.0" encoding="utf-8"?>
+<file path=ppt/slides/slide32.xml><?xml version="1.0" encoding="utf-8"?>
 <p:sld xmlns:a="http://schemas.openxmlformats.org/drawingml/2006/main" xmlns:r="http://schemas.openxmlformats.org/officeDocument/2006/relationships" xmlns:p="http://schemas.openxmlformats.org/presentationml/2006/main">
   <p:cSld>
     <p:spTree>
@@ -24272,906 +27258,7 @@
 </p:sld>
 </file>
 
-<file path=ppt/slides/slide3.xml><?xml version="1.0" encoding="utf-8"?>
-<p:sld xmlns:a="http://schemas.openxmlformats.org/drawingml/2006/main" xmlns:r="http://schemas.openxmlformats.org/officeDocument/2006/relationships" xmlns:p="http://schemas.openxmlformats.org/presentationml/2006/main">
-  <p:cSld>
-    <p:spTree>
-      <p:nvGrpSpPr>
-        <p:cNvPr id="1" name=""/>
-        <p:cNvGrpSpPr/>
-        <p:nvPr/>
-      </p:nvGrpSpPr>
-      <p:grpSpPr>
-        <a:xfrm>
-          <a:off x="0" y="0"/>
-          <a:ext cx="0" cy="0"/>
-          <a:chOff x="0" y="0"/>
-          <a:chExt cx="0" cy="0"/>
-        </a:xfrm>
-      </p:grpSpPr>
-      <p:sp>
-        <p:nvSpPr>
-          <p:cNvPr id="2" name="직사각형 1">
-            <a:extLst>
-              <a:ext uri="{FF2B5EF4-FFF2-40B4-BE49-F238E27FC236}">
-                <a16:creationId xmlns:a16="http://schemas.microsoft.com/office/drawing/2014/main" id="{7FD071DD-FDC6-5ACA-F51B-5CB413EC2495}"/>
-              </a:ext>
-            </a:extLst>
-          </p:cNvPr>
-          <p:cNvSpPr/>
-          <p:nvPr/>
-        </p:nvSpPr>
-        <p:spPr>
-          <a:xfrm>
-            <a:off x="761478" y="1199842"/>
-            <a:ext cx="2927757" cy="4278386"/>
-          </a:xfrm>
-          <a:prstGeom prst="rect">
-            <a:avLst/>
-          </a:prstGeom>
-          <a:solidFill>
-            <a:schemeClr val="accent1">
-              <a:lumMod val="40000"/>
-              <a:lumOff val="60000"/>
-            </a:schemeClr>
-          </a:solidFill>
-          <a:ln>
-            <a:noFill/>
-          </a:ln>
-        </p:spPr>
-        <p:style>
-          <a:lnRef idx="2">
-            <a:schemeClr val="accent1">
-              <a:shade val="50000"/>
-            </a:schemeClr>
-          </a:lnRef>
-          <a:fillRef idx="1">
-            <a:schemeClr val="accent1"/>
-          </a:fillRef>
-          <a:effectRef idx="0">
-            <a:schemeClr val="accent1"/>
-          </a:effectRef>
-          <a:fontRef idx="minor">
-            <a:schemeClr val="lt1"/>
-          </a:fontRef>
-        </p:style>
-        <p:txBody>
-          <a:bodyPr rtlCol="0" anchor="ctr"/>
-          <a:lstStyle/>
-          <a:p>
-            <a:pPr algn="ctr"/>
-            <a:endParaRPr lang="ko-KR" altLang="en-US">
-              <a:solidFill>
-                <a:schemeClr val="tx1"/>
-              </a:solidFill>
-            </a:endParaRPr>
-          </a:p>
-        </p:txBody>
-      </p:sp>
-      <p:sp>
-        <p:nvSpPr>
-          <p:cNvPr id="3" name="TextBox 2">
-            <a:extLst>
-              <a:ext uri="{FF2B5EF4-FFF2-40B4-BE49-F238E27FC236}">
-                <a16:creationId xmlns:a16="http://schemas.microsoft.com/office/drawing/2014/main" id="{D9F3C9A9-3A80-7DAB-8708-130D87C0CA11}"/>
-              </a:ext>
-            </a:extLst>
-          </p:cNvPr>
-          <p:cNvSpPr txBox="1"/>
-          <p:nvPr/>
-        </p:nvSpPr>
-        <p:spPr>
-          <a:xfrm>
-            <a:off x="285226" y="243281"/>
-            <a:ext cx="952505" cy="369332"/>
-          </a:xfrm>
-          <a:prstGeom prst="rect">
-            <a:avLst/>
-          </a:prstGeom>
-          <a:noFill/>
-        </p:spPr>
-        <p:txBody>
-          <a:bodyPr wrap="none" rtlCol="0">
-            <a:spAutoFit/>
-          </a:bodyPr>
-          <a:lstStyle/>
-          <a:p>
-            <a:r>
-              <a:rPr lang="ko-KR" altLang="en-US" dirty="0"/>
-              <a:t>팝업 </a:t>
-            </a:r>
-            <a:r>
-              <a:rPr lang="en-US" altLang="ko-KR" dirty="0"/>
-              <a:t>UI</a:t>
-            </a:r>
-            <a:endParaRPr lang="ko-KR" altLang="en-US" dirty="0"/>
-          </a:p>
-        </p:txBody>
-      </p:sp>
-      <p:sp>
-        <p:nvSpPr>
-          <p:cNvPr id="4" name="직사각형 3">
-            <a:extLst>
-              <a:ext uri="{FF2B5EF4-FFF2-40B4-BE49-F238E27FC236}">
-                <a16:creationId xmlns:a16="http://schemas.microsoft.com/office/drawing/2014/main" id="{E4ADBB69-F382-407F-47D5-BDD63BBE9AC4}"/>
-              </a:ext>
-            </a:extLst>
-          </p:cNvPr>
-          <p:cNvSpPr/>
-          <p:nvPr/>
-        </p:nvSpPr>
-        <p:spPr>
-          <a:xfrm>
-            <a:off x="997068" y="1352243"/>
-            <a:ext cx="2456576" cy="434613"/>
-          </a:xfrm>
-          <a:prstGeom prst="rect">
-            <a:avLst/>
-          </a:prstGeom>
-          <a:solidFill>
-            <a:schemeClr val="accent1">
-              <a:lumMod val="60000"/>
-              <a:lumOff val="40000"/>
-            </a:schemeClr>
-          </a:solidFill>
-          <a:ln>
-            <a:solidFill>
-              <a:schemeClr val="tx2"/>
-            </a:solidFill>
-          </a:ln>
-        </p:spPr>
-        <p:style>
-          <a:lnRef idx="2">
-            <a:schemeClr val="accent1">
-              <a:shade val="50000"/>
-            </a:schemeClr>
-          </a:lnRef>
-          <a:fillRef idx="1">
-            <a:schemeClr val="accent1"/>
-          </a:fillRef>
-          <a:effectRef idx="0">
-            <a:schemeClr val="accent1"/>
-          </a:effectRef>
-          <a:fontRef idx="minor">
-            <a:schemeClr val="lt1"/>
-          </a:fontRef>
-        </p:style>
-        <p:txBody>
-          <a:bodyPr rtlCol="0" anchor="ctr"/>
-          <a:lstStyle/>
-          <a:p>
-            <a:pPr algn="ctr"/>
-            <a:r>
-              <a:rPr lang="en-US" altLang="ko-KR" sz="1500">
-                <a:solidFill>
-                  <a:schemeClr val="tx1"/>
-                </a:solidFill>
-              </a:rPr>
-              <a:t>#UI</a:t>
-            </a:r>
-            <a:r>
-              <a:rPr lang="ko-KR" altLang="en-US" sz="1500" dirty="0">
-                <a:solidFill>
-                  <a:schemeClr val="tx1"/>
-                </a:solidFill>
-              </a:rPr>
-              <a:t> 제목</a:t>
-            </a:r>
-          </a:p>
-        </p:txBody>
-      </p:sp>
-      <p:sp>
-        <p:nvSpPr>
-          <p:cNvPr id="5" name="직사각형 4">
-            <a:extLst>
-              <a:ext uri="{FF2B5EF4-FFF2-40B4-BE49-F238E27FC236}">
-                <a16:creationId xmlns:a16="http://schemas.microsoft.com/office/drawing/2014/main" id="{74302563-E5FB-3DB9-047D-9DDB95FCF8F7}"/>
-              </a:ext>
-            </a:extLst>
-          </p:cNvPr>
-          <p:cNvSpPr/>
-          <p:nvPr/>
-        </p:nvSpPr>
-        <p:spPr>
-          <a:xfrm>
-            <a:off x="997068" y="2083483"/>
-            <a:ext cx="2456576" cy="2635109"/>
-          </a:xfrm>
-          <a:prstGeom prst="rect">
-            <a:avLst/>
-          </a:prstGeom>
-          <a:solidFill>
-            <a:schemeClr val="accent1">
-              <a:lumMod val="60000"/>
-              <a:lumOff val="40000"/>
-            </a:schemeClr>
-          </a:solidFill>
-          <a:ln>
-            <a:solidFill>
-              <a:schemeClr val="tx2"/>
-            </a:solidFill>
-          </a:ln>
-        </p:spPr>
-        <p:style>
-          <a:lnRef idx="2">
-            <a:schemeClr val="accent1">
-              <a:shade val="50000"/>
-            </a:schemeClr>
-          </a:lnRef>
-          <a:fillRef idx="1">
-            <a:schemeClr val="accent1"/>
-          </a:fillRef>
-          <a:effectRef idx="0">
-            <a:schemeClr val="accent1"/>
-          </a:effectRef>
-          <a:fontRef idx="minor">
-            <a:schemeClr val="lt1"/>
-          </a:fontRef>
-        </p:style>
-        <p:txBody>
-          <a:bodyPr rtlCol="0" anchor="ctr"/>
-          <a:lstStyle/>
-          <a:p>
-            <a:pPr algn="ctr"/>
-            <a:r>
-              <a:rPr lang="en-US" altLang="ko-KR" sz="1500" dirty="0">
-                <a:solidFill>
-                  <a:schemeClr val="tx1"/>
-                </a:solidFill>
-              </a:rPr>
-              <a:t>#UI</a:t>
-            </a:r>
-            <a:r>
-              <a:rPr lang="ko-KR" altLang="en-US" sz="1500" dirty="0">
-                <a:solidFill>
-                  <a:schemeClr val="tx1"/>
-                </a:solidFill>
-              </a:rPr>
-              <a:t> 설명</a:t>
-            </a:r>
-          </a:p>
-        </p:txBody>
-      </p:sp>
-      <p:sp>
-        <p:nvSpPr>
-          <p:cNvPr id="6" name="직사각형 5">
-            <a:extLst>
-              <a:ext uri="{FF2B5EF4-FFF2-40B4-BE49-F238E27FC236}">
-                <a16:creationId xmlns:a16="http://schemas.microsoft.com/office/drawing/2014/main" id="{1EFC6588-A30F-9D78-F76C-5C0A0555C926}"/>
-              </a:ext>
-            </a:extLst>
-          </p:cNvPr>
-          <p:cNvSpPr/>
-          <p:nvPr/>
-        </p:nvSpPr>
-        <p:spPr>
-          <a:xfrm>
-            <a:off x="994449" y="4881103"/>
-            <a:ext cx="914400" cy="434613"/>
-          </a:xfrm>
-          <a:prstGeom prst="rect">
-            <a:avLst/>
-          </a:prstGeom>
-          <a:solidFill>
-            <a:srgbClr val="92D050"/>
-          </a:solidFill>
-          <a:ln>
-            <a:solidFill>
-              <a:schemeClr val="tx1"/>
-            </a:solidFill>
-          </a:ln>
-        </p:spPr>
-        <p:style>
-          <a:lnRef idx="2">
-            <a:schemeClr val="accent1">
-              <a:shade val="50000"/>
-            </a:schemeClr>
-          </a:lnRef>
-          <a:fillRef idx="1">
-            <a:schemeClr val="accent1"/>
-          </a:fillRef>
-          <a:effectRef idx="0">
-            <a:schemeClr val="accent1"/>
-          </a:effectRef>
-          <a:fontRef idx="minor">
-            <a:schemeClr val="lt1"/>
-          </a:fontRef>
-        </p:style>
-        <p:txBody>
-          <a:bodyPr rtlCol="0" anchor="ctr"/>
-          <a:lstStyle/>
-          <a:p>
-            <a:pPr algn="ctr"/>
-            <a:r>
-              <a:rPr lang="ko-KR" altLang="en-US" sz="1500" dirty="0">
-                <a:solidFill>
-                  <a:schemeClr val="tx1"/>
-                </a:solidFill>
-              </a:rPr>
-              <a:t>예</a:t>
-            </a:r>
-          </a:p>
-        </p:txBody>
-      </p:sp>
-      <p:sp>
-        <p:nvSpPr>
-          <p:cNvPr id="7" name="직사각형 6">
-            <a:extLst>
-              <a:ext uri="{FF2B5EF4-FFF2-40B4-BE49-F238E27FC236}">
-                <a16:creationId xmlns:a16="http://schemas.microsoft.com/office/drawing/2014/main" id="{485C88C4-DF0E-CF63-555D-0DE0B6B795B1}"/>
-              </a:ext>
-            </a:extLst>
-          </p:cNvPr>
-          <p:cNvSpPr/>
-          <p:nvPr/>
-        </p:nvSpPr>
-        <p:spPr>
-          <a:xfrm>
-            <a:off x="2539244" y="4881103"/>
-            <a:ext cx="914400" cy="434613"/>
-          </a:xfrm>
-          <a:prstGeom prst="rect">
-            <a:avLst/>
-          </a:prstGeom>
-          <a:solidFill>
-            <a:srgbClr val="92D050"/>
-          </a:solidFill>
-          <a:ln>
-            <a:solidFill>
-              <a:schemeClr val="tx1"/>
-            </a:solidFill>
-          </a:ln>
-        </p:spPr>
-        <p:style>
-          <a:lnRef idx="2">
-            <a:schemeClr val="accent1">
-              <a:shade val="50000"/>
-            </a:schemeClr>
-          </a:lnRef>
-          <a:fillRef idx="1">
-            <a:schemeClr val="accent1"/>
-          </a:fillRef>
-          <a:effectRef idx="0">
-            <a:schemeClr val="accent1"/>
-          </a:effectRef>
-          <a:fontRef idx="minor">
-            <a:schemeClr val="lt1"/>
-          </a:fontRef>
-        </p:style>
-        <p:txBody>
-          <a:bodyPr rtlCol="0" anchor="ctr"/>
-          <a:lstStyle/>
-          <a:p>
-            <a:pPr algn="ctr"/>
-            <a:r>
-              <a:rPr lang="ko-KR" altLang="en-US" sz="1500" dirty="0" err="1">
-                <a:solidFill>
-                  <a:schemeClr val="tx1"/>
-                </a:solidFill>
-              </a:rPr>
-              <a:t>아니오</a:t>
-            </a:r>
-            <a:endParaRPr lang="ko-KR" altLang="en-US" sz="1500" dirty="0">
-              <a:solidFill>
-                <a:schemeClr val="tx1"/>
-              </a:solidFill>
-            </a:endParaRPr>
-          </a:p>
-        </p:txBody>
-      </p:sp>
-      <p:sp>
-        <p:nvSpPr>
-          <p:cNvPr id="8" name="직사각형 7">
-            <a:extLst>
-              <a:ext uri="{FF2B5EF4-FFF2-40B4-BE49-F238E27FC236}">
-                <a16:creationId xmlns:a16="http://schemas.microsoft.com/office/drawing/2014/main" id="{A4C8B670-C0C4-82C0-159C-FA78DAAD734D}"/>
-              </a:ext>
-            </a:extLst>
-          </p:cNvPr>
-          <p:cNvSpPr/>
-          <p:nvPr/>
-        </p:nvSpPr>
-        <p:spPr>
-          <a:xfrm>
-            <a:off x="4747647" y="1352243"/>
-            <a:ext cx="3918181" cy="2439581"/>
-          </a:xfrm>
-          <a:prstGeom prst="rect">
-            <a:avLst/>
-          </a:prstGeom>
-          <a:solidFill>
-            <a:schemeClr val="accent1">
-              <a:lumMod val="40000"/>
-              <a:lumOff val="60000"/>
-            </a:schemeClr>
-          </a:solidFill>
-          <a:ln>
-            <a:noFill/>
-          </a:ln>
-        </p:spPr>
-        <p:style>
-          <a:lnRef idx="2">
-            <a:schemeClr val="accent1">
-              <a:shade val="50000"/>
-            </a:schemeClr>
-          </a:lnRef>
-          <a:fillRef idx="1">
-            <a:schemeClr val="accent1"/>
-          </a:fillRef>
-          <a:effectRef idx="0">
-            <a:schemeClr val="accent1"/>
-          </a:effectRef>
-          <a:fontRef idx="minor">
-            <a:schemeClr val="lt1"/>
-          </a:fontRef>
-        </p:style>
-        <p:txBody>
-          <a:bodyPr rtlCol="0" anchor="ctr"/>
-          <a:lstStyle/>
-          <a:p>
-            <a:pPr algn="ctr"/>
-            <a:endParaRPr lang="ko-KR" altLang="en-US">
-              <a:solidFill>
-                <a:schemeClr val="tx1"/>
-              </a:solidFill>
-            </a:endParaRPr>
-          </a:p>
-        </p:txBody>
-      </p:sp>
-      <p:sp>
-        <p:nvSpPr>
-          <p:cNvPr id="9" name="직사각형 8">
-            <a:extLst>
-              <a:ext uri="{FF2B5EF4-FFF2-40B4-BE49-F238E27FC236}">
-                <a16:creationId xmlns:a16="http://schemas.microsoft.com/office/drawing/2014/main" id="{3077F284-4477-BB7D-29B3-81C225DCCC18}"/>
-              </a:ext>
-            </a:extLst>
-          </p:cNvPr>
-          <p:cNvSpPr/>
-          <p:nvPr/>
-        </p:nvSpPr>
-        <p:spPr>
-          <a:xfrm>
-            <a:off x="4983236" y="1504644"/>
-            <a:ext cx="3447699" cy="434613"/>
-          </a:xfrm>
-          <a:prstGeom prst="rect">
-            <a:avLst/>
-          </a:prstGeom>
-          <a:solidFill>
-            <a:schemeClr val="accent1">
-              <a:lumMod val="60000"/>
-              <a:lumOff val="40000"/>
-            </a:schemeClr>
-          </a:solidFill>
-          <a:ln>
-            <a:solidFill>
-              <a:schemeClr val="tx2"/>
-            </a:solidFill>
-          </a:ln>
-        </p:spPr>
-        <p:style>
-          <a:lnRef idx="2">
-            <a:schemeClr val="accent1">
-              <a:shade val="50000"/>
-            </a:schemeClr>
-          </a:lnRef>
-          <a:fillRef idx="1">
-            <a:schemeClr val="accent1"/>
-          </a:fillRef>
-          <a:effectRef idx="0">
-            <a:schemeClr val="accent1"/>
-          </a:effectRef>
-          <a:fontRef idx="minor">
-            <a:schemeClr val="lt1"/>
-          </a:fontRef>
-        </p:style>
-        <p:txBody>
-          <a:bodyPr rtlCol="0" anchor="ctr"/>
-          <a:lstStyle/>
-          <a:p>
-            <a:pPr algn="ctr"/>
-            <a:r>
-              <a:rPr lang="en-US" altLang="ko-KR" sz="1400" dirty="0">
-                <a:solidFill>
-                  <a:schemeClr val="tx1"/>
-                </a:solidFill>
-              </a:rPr>
-              <a:t>#Text</a:t>
-            </a:r>
-            <a:endParaRPr lang="ko-KR" altLang="en-US" sz="1400" dirty="0">
-              <a:solidFill>
-                <a:schemeClr val="tx1"/>
-              </a:solidFill>
-            </a:endParaRPr>
-          </a:p>
-        </p:txBody>
-      </p:sp>
-      <p:sp>
-        <p:nvSpPr>
-          <p:cNvPr id="13" name="직사각형 12">
-            <a:extLst>
-              <a:ext uri="{FF2B5EF4-FFF2-40B4-BE49-F238E27FC236}">
-                <a16:creationId xmlns:a16="http://schemas.microsoft.com/office/drawing/2014/main" id="{AD96C9E7-C871-6B2E-95A1-54CF3A4934BA}"/>
-              </a:ext>
-            </a:extLst>
-          </p:cNvPr>
-          <p:cNvSpPr/>
-          <p:nvPr/>
-        </p:nvSpPr>
-        <p:spPr>
-          <a:xfrm>
-            <a:off x="4983236" y="3279178"/>
-            <a:ext cx="780001" cy="370733"/>
-          </a:xfrm>
-          <a:prstGeom prst="rect">
-            <a:avLst/>
-          </a:prstGeom>
-          <a:solidFill>
-            <a:srgbClr val="92D050"/>
-          </a:solidFill>
-          <a:ln>
-            <a:solidFill>
-              <a:schemeClr val="tx1"/>
-            </a:solidFill>
-          </a:ln>
-        </p:spPr>
-        <p:style>
-          <a:lnRef idx="2">
-            <a:schemeClr val="accent1">
-              <a:shade val="50000"/>
-            </a:schemeClr>
-          </a:lnRef>
-          <a:fillRef idx="1">
-            <a:schemeClr val="accent1"/>
-          </a:fillRef>
-          <a:effectRef idx="0">
-            <a:schemeClr val="accent1"/>
-          </a:effectRef>
-          <a:fontRef idx="minor">
-            <a:schemeClr val="lt1"/>
-          </a:fontRef>
-        </p:style>
-        <p:txBody>
-          <a:bodyPr rtlCol="0" anchor="ctr"/>
-          <a:lstStyle/>
-          <a:p>
-            <a:pPr algn="ctr"/>
-            <a:r>
-              <a:rPr lang="ko-KR" altLang="en-US" sz="1500" dirty="0">
-                <a:solidFill>
-                  <a:schemeClr val="tx1"/>
-                </a:solidFill>
-              </a:rPr>
-              <a:t>예</a:t>
-            </a:r>
-          </a:p>
-        </p:txBody>
-      </p:sp>
-      <p:sp>
-        <p:nvSpPr>
-          <p:cNvPr id="14" name="직사각형 13">
-            <a:extLst>
-              <a:ext uri="{FF2B5EF4-FFF2-40B4-BE49-F238E27FC236}">
-                <a16:creationId xmlns:a16="http://schemas.microsoft.com/office/drawing/2014/main" id="{ABF7DA52-0258-A71B-A8F4-2DC3A7D705E6}"/>
-              </a:ext>
-            </a:extLst>
-          </p:cNvPr>
-          <p:cNvSpPr/>
-          <p:nvPr/>
-        </p:nvSpPr>
-        <p:spPr>
-          <a:xfrm>
-            <a:off x="7650934" y="3279178"/>
-            <a:ext cx="780001" cy="370733"/>
-          </a:xfrm>
-          <a:prstGeom prst="rect">
-            <a:avLst/>
-          </a:prstGeom>
-          <a:solidFill>
-            <a:srgbClr val="92D050"/>
-          </a:solidFill>
-          <a:ln>
-            <a:solidFill>
-              <a:schemeClr val="tx1"/>
-            </a:solidFill>
-          </a:ln>
-        </p:spPr>
-        <p:style>
-          <a:lnRef idx="2">
-            <a:schemeClr val="accent1">
-              <a:shade val="50000"/>
-            </a:schemeClr>
-          </a:lnRef>
-          <a:fillRef idx="1">
-            <a:schemeClr val="accent1"/>
-          </a:fillRef>
-          <a:effectRef idx="0">
-            <a:schemeClr val="accent1"/>
-          </a:effectRef>
-          <a:fontRef idx="minor">
-            <a:schemeClr val="lt1"/>
-          </a:fontRef>
-        </p:style>
-        <p:txBody>
-          <a:bodyPr rtlCol="0" anchor="ctr"/>
-          <a:lstStyle/>
-          <a:p>
-            <a:pPr algn="ctr"/>
-            <a:r>
-              <a:rPr lang="ko-KR" altLang="en-US" sz="1500" dirty="0" err="1">
-                <a:solidFill>
-                  <a:schemeClr val="tx1"/>
-                </a:solidFill>
-              </a:rPr>
-              <a:t>아니오</a:t>
-            </a:r>
-            <a:endParaRPr lang="ko-KR" altLang="en-US" sz="1500" dirty="0">
-              <a:solidFill>
-                <a:schemeClr val="tx1"/>
-              </a:solidFill>
-            </a:endParaRPr>
-          </a:p>
-        </p:txBody>
-      </p:sp>
-      <p:sp>
-        <p:nvSpPr>
-          <p:cNvPr id="16" name="직사각형 15">
-            <a:extLst>
-              <a:ext uri="{FF2B5EF4-FFF2-40B4-BE49-F238E27FC236}">
-                <a16:creationId xmlns:a16="http://schemas.microsoft.com/office/drawing/2014/main" id="{2A818F98-1339-671D-D4C2-8525DBA4BF5F}"/>
-              </a:ext>
-            </a:extLst>
-          </p:cNvPr>
-          <p:cNvSpPr/>
-          <p:nvPr/>
-        </p:nvSpPr>
-        <p:spPr>
-          <a:xfrm>
-            <a:off x="5083904" y="2027249"/>
-            <a:ext cx="628999" cy="628999"/>
-          </a:xfrm>
-          <a:prstGeom prst="rect">
-            <a:avLst/>
-          </a:prstGeom>
-          <a:solidFill>
-            <a:srgbClr val="FFFF00"/>
-          </a:solidFill>
-          <a:ln>
-            <a:noFill/>
-          </a:ln>
-        </p:spPr>
-        <p:style>
-          <a:lnRef idx="2">
-            <a:schemeClr val="accent1">
-              <a:shade val="50000"/>
-            </a:schemeClr>
-          </a:lnRef>
-          <a:fillRef idx="1">
-            <a:schemeClr val="accent1"/>
-          </a:fillRef>
-          <a:effectRef idx="0">
-            <a:schemeClr val="accent1"/>
-          </a:effectRef>
-          <a:fontRef idx="minor">
-            <a:schemeClr val="lt1"/>
-          </a:fontRef>
-        </p:style>
-        <p:txBody>
-          <a:bodyPr rtlCol="0" anchor="ctr"/>
-          <a:lstStyle/>
-          <a:p>
-            <a:pPr algn="ctr"/>
-            <a:r>
-              <a:rPr lang="ko-KR" altLang="en-US" sz="800" dirty="0">
-                <a:solidFill>
-                  <a:schemeClr val="tx1"/>
-                </a:solidFill>
-              </a:rPr>
-              <a:t>아이템</a:t>
-            </a:r>
-            <a:endParaRPr lang="en-US" altLang="ko-KR" sz="800" dirty="0">
-              <a:solidFill>
-                <a:schemeClr val="tx1"/>
-              </a:solidFill>
-            </a:endParaRPr>
-          </a:p>
-          <a:p>
-            <a:pPr algn="ctr"/>
-            <a:r>
-              <a:rPr lang="ko-KR" altLang="en-US" sz="800" dirty="0">
-                <a:solidFill>
-                  <a:schemeClr val="tx1"/>
-                </a:solidFill>
-              </a:rPr>
-              <a:t>아이콘</a:t>
-            </a:r>
-            <a:endParaRPr lang="en-US" altLang="ko-KR" sz="800" dirty="0">
-              <a:solidFill>
-                <a:schemeClr val="tx1"/>
-              </a:solidFill>
-            </a:endParaRPr>
-          </a:p>
-        </p:txBody>
-      </p:sp>
-      <p:sp>
-        <p:nvSpPr>
-          <p:cNvPr id="17" name="직사각형 16">
-            <a:extLst>
-              <a:ext uri="{FF2B5EF4-FFF2-40B4-BE49-F238E27FC236}">
-                <a16:creationId xmlns:a16="http://schemas.microsoft.com/office/drawing/2014/main" id="{145BFE8E-48BA-09A5-70F2-D3F09E9AC348}"/>
-              </a:ext>
-            </a:extLst>
-          </p:cNvPr>
-          <p:cNvSpPr/>
-          <p:nvPr/>
-        </p:nvSpPr>
-        <p:spPr>
-          <a:xfrm>
-            <a:off x="5842369" y="2149260"/>
-            <a:ext cx="2503851" cy="418968"/>
-          </a:xfrm>
-          <a:prstGeom prst="rect">
-            <a:avLst/>
-          </a:prstGeom>
-          <a:solidFill>
-            <a:schemeClr val="accent1">
-              <a:lumMod val="60000"/>
-              <a:lumOff val="40000"/>
-            </a:schemeClr>
-          </a:solidFill>
-          <a:ln>
-            <a:solidFill>
-              <a:schemeClr val="tx2"/>
-            </a:solidFill>
-          </a:ln>
-        </p:spPr>
-        <p:style>
-          <a:lnRef idx="2">
-            <a:schemeClr val="accent1">
-              <a:shade val="50000"/>
-            </a:schemeClr>
-          </a:lnRef>
-          <a:fillRef idx="1">
-            <a:schemeClr val="accent1"/>
-          </a:fillRef>
-          <a:effectRef idx="0">
-            <a:schemeClr val="accent1"/>
-          </a:effectRef>
-          <a:fontRef idx="minor">
-            <a:schemeClr val="lt1"/>
-          </a:fontRef>
-        </p:style>
-        <p:txBody>
-          <a:bodyPr rtlCol="0" anchor="ctr"/>
-          <a:lstStyle/>
-          <a:p>
-            <a:pPr algn="ctr"/>
-            <a:r>
-              <a:rPr lang="en-US" altLang="ko-KR" sz="1400" dirty="0">
-                <a:solidFill>
-                  <a:schemeClr val="tx1"/>
-                </a:solidFill>
-              </a:rPr>
-              <a:t>#Text</a:t>
-            </a:r>
-            <a:endParaRPr lang="ko-KR" altLang="en-US" sz="1400" dirty="0">
-              <a:solidFill>
-                <a:schemeClr val="tx1"/>
-              </a:solidFill>
-            </a:endParaRPr>
-          </a:p>
-        </p:txBody>
-      </p:sp>
-      <p:grpSp>
-        <p:nvGrpSpPr>
-          <p:cNvPr id="21" name="그룹 20">
-            <a:extLst>
-              <a:ext uri="{FF2B5EF4-FFF2-40B4-BE49-F238E27FC236}">
-                <a16:creationId xmlns:a16="http://schemas.microsoft.com/office/drawing/2014/main" id="{E5ACDDAD-40CA-2063-58FA-7D8A0FDE64E6}"/>
-              </a:ext>
-            </a:extLst>
-          </p:cNvPr>
-          <p:cNvGrpSpPr/>
-          <p:nvPr/>
-        </p:nvGrpSpPr>
-        <p:grpSpPr>
-          <a:xfrm>
-            <a:off x="5858973" y="2778231"/>
-            <a:ext cx="1695528" cy="434613"/>
-            <a:chOff x="5669776" y="2803398"/>
-            <a:chExt cx="1695528" cy="434613"/>
-          </a:xfrm>
-        </p:grpSpPr>
-        <p:sp>
-          <p:nvSpPr>
-            <p:cNvPr id="18" name="TextBox 17">
-              <a:extLst>
-                <a:ext uri="{FF2B5EF4-FFF2-40B4-BE49-F238E27FC236}">
-                  <a16:creationId xmlns:a16="http://schemas.microsoft.com/office/drawing/2014/main" id="{DB201061-3570-D074-A60A-CDB545F4A258}"/>
-                </a:ext>
-              </a:extLst>
-            </p:cNvPr>
-            <p:cNvSpPr txBox="1"/>
-            <p:nvPr/>
-          </p:nvSpPr>
-          <p:spPr>
-            <a:xfrm>
-              <a:off x="6064948" y="2897594"/>
-              <a:ext cx="1300356" cy="246221"/>
-            </a:xfrm>
-            <a:prstGeom prst="rect">
-              <a:avLst/>
-            </a:prstGeom>
-            <a:noFill/>
-          </p:spPr>
-          <p:txBody>
-            <a:bodyPr wrap="none" rtlCol="0">
-              <a:spAutoFit/>
-            </a:bodyPr>
-            <a:lstStyle/>
-            <a:p>
-              <a:r>
-                <a:rPr lang="ko-KR" altLang="en-US" sz="1000" dirty="0"/>
-                <a:t>다시 표시하지 않기</a:t>
-              </a:r>
-            </a:p>
-          </p:txBody>
-        </p:sp>
-        <p:pic>
-          <p:nvPicPr>
-            <p:cNvPr id="20" name="그래픽 19" descr="확인란 선택됨 윤곽선">
-              <a:extLst>
-                <a:ext uri="{FF2B5EF4-FFF2-40B4-BE49-F238E27FC236}">
-                  <a16:creationId xmlns:a16="http://schemas.microsoft.com/office/drawing/2014/main" id="{561AB086-A486-1C5D-0D60-AB52571D3DC1}"/>
-                </a:ext>
-              </a:extLst>
-            </p:cNvPr>
-            <p:cNvPicPr>
-              <a:picLocks noChangeAspect="1"/>
-            </p:cNvPicPr>
-            <p:nvPr/>
-          </p:nvPicPr>
-          <p:blipFill>
-            <a:blip r:embed="rId2">
-              <a:extLst>
-                <a:ext uri="{28A0092B-C50C-407E-A947-70E740481C1C}">
-                  <a14:useLocalDpi xmlns:a14="http://schemas.microsoft.com/office/drawing/2010/main" val="0"/>
-                </a:ext>
-                <a:ext uri="{96DAC541-7B7A-43D3-8B79-37D633B846F1}">
-                  <asvg:svgBlip xmlns:asvg="http://schemas.microsoft.com/office/drawing/2016/SVG/main" r:embed="rId3"/>
-                </a:ext>
-              </a:extLst>
-            </a:blip>
-            <a:stretch>
-              <a:fillRect/>
-            </a:stretch>
-          </p:blipFill>
-          <p:spPr>
-            <a:xfrm>
-              <a:off x="5669776" y="2803398"/>
-              <a:ext cx="434613" cy="434613"/>
-            </a:xfrm>
-            <a:prstGeom prst="rect">
-              <a:avLst/>
-            </a:prstGeom>
-          </p:spPr>
-        </p:pic>
-      </p:grpSp>
-    </p:spTree>
-    <p:extLst>
-      <p:ext uri="{BB962C8B-B14F-4D97-AF65-F5344CB8AC3E}">
-        <p14:creationId xmlns:p14="http://schemas.microsoft.com/office/powerpoint/2010/main" val="2824982013"/>
-      </p:ext>
-    </p:extLst>
-  </p:cSld>
-  <p:clrMapOvr>
-    <a:masterClrMapping/>
-  </p:clrMapOvr>
-</p:sld>
-</file>
-
-<file path=ppt/slides/slide30.xml><?xml version="1.0" encoding="utf-8"?>
+<file path=ppt/slides/slide33.xml><?xml version="1.0" encoding="utf-8"?>
 <p:sld xmlns:a="http://schemas.openxmlformats.org/drawingml/2006/main" xmlns:r="http://schemas.openxmlformats.org/officeDocument/2006/relationships" xmlns:p="http://schemas.openxmlformats.org/presentationml/2006/main">
   <p:cSld>
     <p:spTree>
@@ -26392,7 +28479,7 @@
 </p:sld>
 </file>
 
-<file path=ppt/slides/slide31.xml><?xml version="1.0" encoding="utf-8"?>
+<file path=ppt/slides/slide34.xml><?xml version="1.0" encoding="utf-8"?>
 <p:sld xmlns:a="http://schemas.openxmlformats.org/drawingml/2006/main" xmlns:r="http://schemas.openxmlformats.org/officeDocument/2006/relationships" xmlns:p="http://schemas.openxmlformats.org/presentationml/2006/main">
   <p:cSld>
     <p:spTree>
@@ -27659,7 +29746,7 @@
 </p:sld>
 </file>
 
-<file path=ppt/slides/slide32.xml><?xml version="1.0" encoding="utf-8"?>
+<file path=ppt/slides/slide35.xml><?xml version="1.0" encoding="utf-8"?>
 <p:sld xmlns:a="http://schemas.openxmlformats.org/drawingml/2006/main" xmlns:r="http://schemas.openxmlformats.org/officeDocument/2006/relationships" xmlns:p="http://schemas.openxmlformats.org/presentationml/2006/main">
   <p:cSld>
     <p:spTree>
@@ -28926,7 +31013,7 @@
 </p:sld>
 </file>
 
-<file path=ppt/slides/slide33.xml><?xml version="1.0" encoding="utf-8"?>
+<file path=ppt/slides/slide36.xml><?xml version="1.0" encoding="utf-8"?>
 <p:sld xmlns:a="http://schemas.openxmlformats.org/drawingml/2006/main" xmlns:r="http://schemas.openxmlformats.org/officeDocument/2006/relationships" xmlns:p="http://schemas.openxmlformats.org/presentationml/2006/main">
   <p:cSld>
     <p:spTree>
@@ -30147,7 +32234,7 @@
 </p:sld>
 </file>
 
-<file path=ppt/slides/slide34.xml><?xml version="1.0" encoding="utf-8"?>
+<file path=ppt/slides/slide37.xml><?xml version="1.0" encoding="utf-8"?>
 <p:sld xmlns:a="http://schemas.openxmlformats.org/drawingml/2006/main" xmlns:r="http://schemas.openxmlformats.org/officeDocument/2006/relationships" xmlns:p="http://schemas.openxmlformats.org/presentationml/2006/main">
   <p:cSld>
     <p:spTree>
@@ -31110,7 +33197,7 @@
 </p:sld>
 </file>
 
-<file path=ppt/slides/slide35.xml><?xml version="1.0" encoding="utf-8"?>
+<file path=ppt/slides/slide38.xml><?xml version="1.0" encoding="utf-8"?>
 <p:sld xmlns:a="http://schemas.openxmlformats.org/drawingml/2006/main" xmlns:r="http://schemas.openxmlformats.org/officeDocument/2006/relationships" xmlns:p="http://schemas.openxmlformats.org/presentationml/2006/main">
   <p:cSld>
     <p:spTree>
@@ -32164,7 +34251,7 @@
 </p:sld>
 </file>
 
-<file path=ppt/slides/slide36.xml><?xml version="1.0" encoding="utf-8"?>
+<file path=ppt/slides/slide39.xml><?xml version="1.0" encoding="utf-8"?>
 <p:sld xmlns:a="http://schemas.openxmlformats.org/drawingml/2006/main" xmlns:r="http://schemas.openxmlformats.org/officeDocument/2006/relationships" xmlns:p="http://schemas.openxmlformats.org/presentationml/2006/main">
   <p:cSld>
     <p:spTree>
@@ -33828,7 +35915,112 @@
 </p:sld>
 </file>
 
-<file path=ppt/slides/slide37.xml><?xml version="1.0" encoding="utf-8"?>
+<file path=ppt/slides/slide4.xml><?xml version="1.0" encoding="utf-8"?>
+<p:sld xmlns:a="http://schemas.openxmlformats.org/drawingml/2006/main" xmlns:r="http://schemas.openxmlformats.org/officeDocument/2006/relationships" xmlns:p="http://schemas.openxmlformats.org/presentationml/2006/main">
+  <p:cSld>
+    <p:spTree>
+      <p:nvGrpSpPr>
+        <p:cNvPr id="1" name=""/>
+        <p:cNvGrpSpPr/>
+        <p:nvPr/>
+      </p:nvGrpSpPr>
+      <p:grpSpPr>
+        <a:xfrm>
+          <a:off x="0" y="0"/>
+          <a:ext cx="0" cy="0"/>
+          <a:chOff x="0" y="0"/>
+          <a:chExt cx="0" cy="0"/>
+        </a:xfrm>
+      </p:grpSpPr>
+      <p:sp>
+        <p:nvSpPr>
+          <p:cNvPr id="2" name="TextBox 1">
+            <a:extLst>
+              <a:ext uri="{FF2B5EF4-FFF2-40B4-BE49-F238E27FC236}">
+                <a16:creationId xmlns:a16="http://schemas.microsoft.com/office/drawing/2014/main" id="{D904575E-AC65-AE0D-C6F7-A48B6EDF3232}"/>
+              </a:ext>
+            </a:extLst>
+          </p:cNvPr>
+          <p:cNvSpPr txBox="1"/>
+          <p:nvPr/>
+        </p:nvSpPr>
+        <p:spPr>
+          <a:xfrm>
+            <a:off x="285226" y="243281"/>
+            <a:ext cx="1645002" cy="369332"/>
+          </a:xfrm>
+          <a:prstGeom prst="rect">
+            <a:avLst/>
+          </a:prstGeom>
+          <a:noFill/>
+        </p:spPr>
+        <p:txBody>
+          <a:bodyPr wrap="none" rtlCol="0">
+            <a:spAutoFit/>
+          </a:bodyPr>
+          <a:lstStyle/>
+          <a:p>
+            <a:r>
+              <a:rPr lang="en-US" altLang="ko-KR" dirty="0"/>
+              <a:t>UI</a:t>
+            </a:r>
+            <a:r>
+              <a:rPr lang="ko-KR" altLang="en-US" dirty="0"/>
+              <a:t>플로우 차트</a:t>
+            </a:r>
+          </a:p>
+        </p:txBody>
+      </p:sp>
+      <p:pic>
+        <p:nvPicPr>
+          <p:cNvPr id="4" name="그림 3">
+            <a:extLst>
+              <a:ext uri="{FF2B5EF4-FFF2-40B4-BE49-F238E27FC236}">
+                <a16:creationId xmlns:a16="http://schemas.microsoft.com/office/drawing/2014/main" id="{C4BB51DF-7B14-FAF6-6159-569FA9C0C789}"/>
+              </a:ext>
+            </a:extLst>
+          </p:cNvPr>
+          <p:cNvPicPr>
+            <a:picLocks noChangeAspect="1"/>
+          </p:cNvPicPr>
+          <p:nvPr/>
+        </p:nvPicPr>
+        <p:blipFill>
+          <a:blip r:embed="rId2">
+            <a:extLst>
+              <a:ext uri="{28A0092B-C50C-407E-A947-70E740481C1C}">
+                <a14:useLocalDpi xmlns:a14="http://schemas.microsoft.com/office/drawing/2010/main" val="0"/>
+              </a:ext>
+            </a:extLst>
+          </a:blip>
+          <a:stretch>
+            <a:fillRect/>
+          </a:stretch>
+        </p:blipFill>
+        <p:spPr>
+          <a:xfrm>
+            <a:off x="218114" y="2754376"/>
+            <a:ext cx="2399251" cy="1349249"/>
+          </a:xfrm>
+          <a:prstGeom prst="rect">
+            <a:avLst/>
+          </a:prstGeom>
+        </p:spPr>
+      </p:pic>
+    </p:spTree>
+    <p:extLst>
+      <p:ext uri="{BB962C8B-B14F-4D97-AF65-F5344CB8AC3E}">
+        <p14:creationId xmlns:p14="http://schemas.microsoft.com/office/powerpoint/2010/main" val="1644703760"/>
+      </p:ext>
+    </p:extLst>
+  </p:cSld>
+  <p:clrMapOvr>
+    <a:masterClrMapping/>
+  </p:clrMapOvr>
+</p:sld>
+</file>
+
+<file path=ppt/slides/slide40.xml><?xml version="1.0" encoding="utf-8"?>
 <p:sld xmlns:a="http://schemas.openxmlformats.org/drawingml/2006/main" xmlns:r="http://schemas.openxmlformats.org/officeDocument/2006/relationships" xmlns:p="http://schemas.openxmlformats.org/presentationml/2006/main">
   <p:cSld>
     <p:spTree>
@@ -35740,7 +37932,7 @@
 </p:sld>
 </file>
 
-<file path=ppt/slides/slide38.xml><?xml version="1.0" encoding="utf-8"?>
+<file path=ppt/slides/slide41.xml><?xml version="1.0" encoding="utf-8"?>
 <p:sld xmlns:a="http://schemas.openxmlformats.org/drawingml/2006/main" xmlns:r="http://schemas.openxmlformats.org/officeDocument/2006/relationships" xmlns:p="http://schemas.openxmlformats.org/presentationml/2006/main">
   <p:cSld>
     <p:spTree>
@@ -37566,7 +39758,7 @@
 </p:sld>
 </file>
 
-<file path=ppt/slides/slide39.xml><?xml version="1.0" encoding="utf-8"?>
+<file path=ppt/slides/slide42.xml><?xml version="1.0" encoding="utf-8"?>
 <p:sld xmlns:a="http://schemas.openxmlformats.org/drawingml/2006/main" xmlns:r="http://schemas.openxmlformats.org/officeDocument/2006/relationships" xmlns:p="http://schemas.openxmlformats.org/presentationml/2006/main">
   <p:cSld>
     <p:spTree>
@@ -37683,111 +39875,6 @@
     <p:extLst>
       <p:ext uri="{BB962C8B-B14F-4D97-AF65-F5344CB8AC3E}">
         <p14:creationId xmlns:p14="http://schemas.microsoft.com/office/powerpoint/2010/main" val="2546198435"/>
-      </p:ext>
-    </p:extLst>
-  </p:cSld>
-  <p:clrMapOvr>
-    <a:masterClrMapping/>
-  </p:clrMapOvr>
-</p:sld>
-</file>
-
-<file path=ppt/slides/slide4.xml><?xml version="1.0" encoding="utf-8"?>
-<p:sld xmlns:a="http://schemas.openxmlformats.org/drawingml/2006/main" xmlns:r="http://schemas.openxmlformats.org/officeDocument/2006/relationships" xmlns:p="http://schemas.openxmlformats.org/presentationml/2006/main">
-  <p:cSld>
-    <p:spTree>
-      <p:nvGrpSpPr>
-        <p:cNvPr id="1" name=""/>
-        <p:cNvGrpSpPr/>
-        <p:nvPr/>
-      </p:nvGrpSpPr>
-      <p:grpSpPr>
-        <a:xfrm>
-          <a:off x="0" y="0"/>
-          <a:ext cx="0" cy="0"/>
-          <a:chOff x="0" y="0"/>
-          <a:chExt cx="0" cy="0"/>
-        </a:xfrm>
-      </p:grpSpPr>
-      <p:sp>
-        <p:nvSpPr>
-          <p:cNvPr id="2" name="TextBox 1">
-            <a:extLst>
-              <a:ext uri="{FF2B5EF4-FFF2-40B4-BE49-F238E27FC236}">
-                <a16:creationId xmlns:a16="http://schemas.microsoft.com/office/drawing/2014/main" id="{D904575E-AC65-AE0D-C6F7-A48B6EDF3232}"/>
-              </a:ext>
-            </a:extLst>
-          </p:cNvPr>
-          <p:cNvSpPr txBox="1"/>
-          <p:nvPr/>
-        </p:nvSpPr>
-        <p:spPr>
-          <a:xfrm>
-            <a:off x="285226" y="243281"/>
-            <a:ext cx="1645002" cy="369332"/>
-          </a:xfrm>
-          <a:prstGeom prst="rect">
-            <a:avLst/>
-          </a:prstGeom>
-          <a:noFill/>
-        </p:spPr>
-        <p:txBody>
-          <a:bodyPr wrap="none" rtlCol="0">
-            <a:spAutoFit/>
-          </a:bodyPr>
-          <a:lstStyle/>
-          <a:p>
-            <a:r>
-              <a:rPr lang="en-US" altLang="ko-KR" dirty="0"/>
-              <a:t>UI</a:t>
-            </a:r>
-            <a:r>
-              <a:rPr lang="ko-KR" altLang="en-US" dirty="0"/>
-              <a:t>플로우 차트</a:t>
-            </a:r>
-          </a:p>
-        </p:txBody>
-      </p:sp>
-      <p:pic>
-        <p:nvPicPr>
-          <p:cNvPr id="4" name="그림 3">
-            <a:extLst>
-              <a:ext uri="{FF2B5EF4-FFF2-40B4-BE49-F238E27FC236}">
-                <a16:creationId xmlns:a16="http://schemas.microsoft.com/office/drawing/2014/main" id="{C4BB51DF-7B14-FAF6-6159-569FA9C0C789}"/>
-              </a:ext>
-            </a:extLst>
-          </p:cNvPr>
-          <p:cNvPicPr>
-            <a:picLocks noChangeAspect="1"/>
-          </p:cNvPicPr>
-          <p:nvPr/>
-        </p:nvPicPr>
-        <p:blipFill>
-          <a:blip r:embed="rId2">
-            <a:extLst>
-              <a:ext uri="{28A0092B-C50C-407E-A947-70E740481C1C}">
-                <a14:useLocalDpi xmlns:a14="http://schemas.microsoft.com/office/drawing/2010/main" val="0"/>
-              </a:ext>
-            </a:extLst>
-          </a:blip>
-          <a:stretch>
-            <a:fillRect/>
-          </a:stretch>
-        </p:blipFill>
-        <p:spPr>
-          <a:xfrm>
-            <a:off x="218114" y="2754376"/>
-            <a:ext cx="2399251" cy="1349249"/>
-          </a:xfrm>
-          <a:prstGeom prst="rect">
-            <a:avLst/>
-          </a:prstGeom>
-        </p:spPr>
-      </p:pic>
-    </p:spTree>
-    <p:extLst>
-      <p:ext uri="{BB962C8B-B14F-4D97-AF65-F5344CB8AC3E}">
-        <p14:creationId xmlns:p14="http://schemas.microsoft.com/office/powerpoint/2010/main" val="1644703760"/>
       </p:ext>
     </p:extLst>
   </p:cSld>

--- a/document/UI기획서초안_ver1.1.pptx
+++ b/document/UI기획서초안_ver1.1.pptx
@@ -300,7 +300,7 @@
           <a:p>
             <a:fld id="{37CC3782-C8B8-4E0C-9F70-E672C96CE78F}" type="datetimeFigureOut">
               <a:rPr lang="ko-KR" altLang="en-US" smtClean="0"/>
-              <a:t>2022-12-21</a:t>
+              <a:t>2023-01-05</a:t>
             </a:fld>
             <a:endParaRPr lang="ko-KR" altLang="en-US"/>
           </a:p>
@@ -498,7 +498,7 @@
           <a:p>
             <a:fld id="{37CC3782-C8B8-4E0C-9F70-E672C96CE78F}" type="datetimeFigureOut">
               <a:rPr lang="ko-KR" altLang="en-US" smtClean="0"/>
-              <a:t>2022-12-21</a:t>
+              <a:t>2023-01-05</a:t>
             </a:fld>
             <a:endParaRPr lang="ko-KR" altLang="en-US"/>
           </a:p>
@@ -706,7 +706,7 @@
           <a:p>
             <a:fld id="{37CC3782-C8B8-4E0C-9F70-E672C96CE78F}" type="datetimeFigureOut">
               <a:rPr lang="ko-KR" altLang="en-US" smtClean="0"/>
-              <a:t>2022-12-21</a:t>
+              <a:t>2023-01-05</a:t>
             </a:fld>
             <a:endParaRPr lang="ko-KR" altLang="en-US"/>
           </a:p>
@@ -904,7 +904,7 @@
           <a:p>
             <a:fld id="{37CC3782-C8B8-4E0C-9F70-E672C96CE78F}" type="datetimeFigureOut">
               <a:rPr lang="ko-KR" altLang="en-US" smtClean="0"/>
-              <a:t>2022-12-21</a:t>
+              <a:t>2023-01-05</a:t>
             </a:fld>
             <a:endParaRPr lang="ko-KR" altLang="en-US"/>
           </a:p>
@@ -1179,7 +1179,7 @@
           <a:p>
             <a:fld id="{37CC3782-C8B8-4E0C-9F70-E672C96CE78F}" type="datetimeFigureOut">
               <a:rPr lang="ko-KR" altLang="en-US" smtClean="0"/>
-              <a:t>2022-12-21</a:t>
+              <a:t>2023-01-05</a:t>
             </a:fld>
             <a:endParaRPr lang="ko-KR" altLang="en-US"/>
           </a:p>
@@ -1444,7 +1444,7 @@
           <a:p>
             <a:fld id="{37CC3782-C8B8-4E0C-9F70-E672C96CE78F}" type="datetimeFigureOut">
               <a:rPr lang="ko-KR" altLang="en-US" smtClean="0"/>
-              <a:t>2022-12-21</a:t>
+              <a:t>2023-01-05</a:t>
             </a:fld>
             <a:endParaRPr lang="ko-KR" altLang="en-US"/>
           </a:p>
@@ -1856,7 +1856,7 @@
           <a:p>
             <a:fld id="{37CC3782-C8B8-4E0C-9F70-E672C96CE78F}" type="datetimeFigureOut">
               <a:rPr lang="ko-KR" altLang="en-US" smtClean="0"/>
-              <a:t>2022-12-21</a:t>
+              <a:t>2023-01-05</a:t>
             </a:fld>
             <a:endParaRPr lang="ko-KR" altLang="en-US"/>
           </a:p>
@@ -1997,7 +1997,7 @@
           <a:p>
             <a:fld id="{37CC3782-C8B8-4E0C-9F70-E672C96CE78F}" type="datetimeFigureOut">
               <a:rPr lang="ko-KR" altLang="en-US" smtClean="0"/>
-              <a:t>2022-12-21</a:t>
+              <a:t>2023-01-05</a:t>
             </a:fld>
             <a:endParaRPr lang="ko-KR" altLang="en-US"/>
           </a:p>
@@ -2110,7 +2110,7 @@
           <a:p>
             <a:fld id="{37CC3782-C8B8-4E0C-9F70-E672C96CE78F}" type="datetimeFigureOut">
               <a:rPr lang="ko-KR" altLang="en-US" smtClean="0"/>
-              <a:t>2022-12-21</a:t>
+              <a:t>2023-01-05</a:t>
             </a:fld>
             <a:endParaRPr lang="ko-KR" altLang="en-US"/>
           </a:p>
@@ -2421,7 +2421,7 @@
           <a:p>
             <a:fld id="{37CC3782-C8B8-4E0C-9F70-E672C96CE78F}" type="datetimeFigureOut">
               <a:rPr lang="ko-KR" altLang="en-US" smtClean="0"/>
-              <a:t>2022-12-21</a:t>
+              <a:t>2023-01-05</a:t>
             </a:fld>
             <a:endParaRPr lang="ko-KR" altLang="en-US"/>
           </a:p>
@@ -2709,7 +2709,7 @@
           <a:p>
             <a:fld id="{37CC3782-C8B8-4E0C-9F70-E672C96CE78F}" type="datetimeFigureOut">
               <a:rPr lang="ko-KR" altLang="en-US" smtClean="0"/>
-              <a:t>2022-12-21</a:t>
+              <a:t>2023-01-05</a:t>
             </a:fld>
             <a:endParaRPr lang="ko-KR" altLang="en-US"/>
           </a:p>
@@ -2950,7 +2950,7 @@
           <a:p>
             <a:fld id="{37CC3782-C8B8-4E0C-9F70-E672C96CE78F}" type="datetimeFigureOut">
               <a:rPr lang="ko-KR" altLang="en-US" smtClean="0"/>
-              <a:t>2022-12-21</a:t>
+              <a:t>2023-01-05</a:t>
             </a:fld>
             <a:endParaRPr lang="ko-KR" altLang="en-US"/>
           </a:p>
@@ -6201,6 +6201,7 @@
               <a:rPr lang="ko-KR" altLang="en-US" sz="1400" dirty="0"/>
               <a:t>의뢰 내용 설명</a:t>
             </a:r>
+            <a:endParaRPr lang="en-US" altLang="ko-KR" sz="1400" dirty="0"/>
           </a:p>
         </p:txBody>
       </p:sp>
